--- a/tutorial_flask/imgs/imgs_in_tutorial_flask.pptx
+++ b/tutorial_flask/imgs/imgs_in_tutorial_flask.pptx
@@ -12,6 +12,14 @@
     <p:sldId id="262" r:id="rId6"/>
     <p:sldId id="263" r:id="rId7"/>
     <p:sldId id="264" r:id="rId8"/>
+    <p:sldId id="265" r:id="rId9"/>
+    <p:sldId id="266" r:id="rId10"/>
+    <p:sldId id="268" r:id="rId11"/>
+    <p:sldId id="269" r:id="rId12"/>
+    <p:sldId id="270" r:id="rId13"/>
+    <p:sldId id="267" r:id="rId14"/>
+    <p:sldId id="271" r:id="rId15"/>
+    <p:sldId id="272" r:id="rId16"/>
   </p:sldIdLst>
   <p:sldSz cx="9144000" cy="6858000" type="screen4x3"/>
   <p:notesSz cx="6858000" cy="9144000"/>
@@ -249,7 +257,7 @@
           <a:p>
             <a:fld id="{CBCF5070-AD38-4C1F-B396-B6E70032DF8C}" type="datetimeFigureOut">
               <a:rPr lang="ko-KR" altLang="en-US" smtClean="0"/>
-              <a:t>2022-02-14</a:t>
+              <a:t>2022-02-23</a:t>
             </a:fld>
             <a:endParaRPr lang="ko-KR" altLang="en-US"/>
           </a:p>
@@ -419,7 +427,7 @@
           <a:p>
             <a:fld id="{CBCF5070-AD38-4C1F-B396-B6E70032DF8C}" type="datetimeFigureOut">
               <a:rPr lang="ko-KR" altLang="en-US" smtClean="0"/>
-              <a:t>2022-02-14</a:t>
+              <a:t>2022-02-23</a:t>
             </a:fld>
             <a:endParaRPr lang="ko-KR" altLang="en-US"/>
           </a:p>
@@ -599,7 +607,7 @@
           <a:p>
             <a:fld id="{CBCF5070-AD38-4C1F-B396-B6E70032DF8C}" type="datetimeFigureOut">
               <a:rPr lang="ko-KR" altLang="en-US" smtClean="0"/>
-              <a:t>2022-02-14</a:t>
+              <a:t>2022-02-23</a:t>
             </a:fld>
             <a:endParaRPr lang="ko-KR" altLang="en-US"/>
           </a:p>
@@ -694,7 +702,7 @@
           <a:p>
             <a:fld id="{CBCF5070-AD38-4C1F-B396-B6E70032DF8C}" type="datetimeFigureOut">
               <a:rPr lang="ko-KR" altLang="en-US" smtClean="0"/>
-              <a:t>2022-02-14</a:t>
+              <a:t>2022-02-23</a:t>
             </a:fld>
             <a:endParaRPr lang="ko-KR" altLang="en-US"/>
           </a:p>
@@ -938,7 +946,7 @@
           <a:p>
             <a:fld id="{CBCF5070-AD38-4C1F-B396-B6E70032DF8C}" type="datetimeFigureOut">
               <a:rPr lang="ko-KR" altLang="en-US" smtClean="0"/>
-              <a:t>2022-02-14</a:t>
+              <a:t>2022-02-23</a:t>
             </a:fld>
             <a:endParaRPr lang="ko-KR" altLang="en-US"/>
           </a:p>
@@ -1170,7 +1178,7 @@
           <a:p>
             <a:fld id="{CBCF5070-AD38-4C1F-B396-B6E70032DF8C}" type="datetimeFigureOut">
               <a:rPr lang="ko-KR" altLang="en-US" smtClean="0"/>
-              <a:t>2022-02-14</a:t>
+              <a:t>2022-02-23</a:t>
             </a:fld>
             <a:endParaRPr lang="ko-KR" altLang="en-US"/>
           </a:p>
@@ -1537,7 +1545,7 @@
           <a:p>
             <a:fld id="{CBCF5070-AD38-4C1F-B396-B6E70032DF8C}" type="datetimeFigureOut">
               <a:rPr lang="ko-KR" altLang="en-US" smtClean="0"/>
-              <a:t>2022-02-14</a:t>
+              <a:t>2022-02-23</a:t>
             </a:fld>
             <a:endParaRPr lang="ko-KR" altLang="en-US"/>
           </a:p>
@@ -1655,7 +1663,7 @@
           <a:p>
             <a:fld id="{CBCF5070-AD38-4C1F-B396-B6E70032DF8C}" type="datetimeFigureOut">
               <a:rPr lang="ko-KR" altLang="en-US" smtClean="0"/>
-              <a:t>2022-02-14</a:t>
+              <a:t>2022-02-23</a:t>
             </a:fld>
             <a:endParaRPr lang="ko-KR" altLang="en-US"/>
           </a:p>
@@ -1750,7 +1758,7 @@
           <a:p>
             <a:fld id="{CBCF5070-AD38-4C1F-B396-B6E70032DF8C}" type="datetimeFigureOut">
               <a:rPr lang="ko-KR" altLang="en-US" smtClean="0"/>
-              <a:t>2022-02-14</a:t>
+              <a:t>2022-02-23</a:t>
             </a:fld>
             <a:endParaRPr lang="ko-KR" altLang="en-US"/>
           </a:p>
@@ -2027,7 +2035,7 @@
           <a:p>
             <a:fld id="{CBCF5070-AD38-4C1F-B396-B6E70032DF8C}" type="datetimeFigureOut">
               <a:rPr lang="ko-KR" altLang="en-US" smtClean="0"/>
-              <a:t>2022-02-14</a:t>
+              <a:t>2022-02-23</a:t>
             </a:fld>
             <a:endParaRPr lang="ko-KR" altLang="en-US"/>
           </a:p>
@@ -2284,7 +2292,7 @@
           <a:p>
             <a:fld id="{CBCF5070-AD38-4C1F-B396-B6E70032DF8C}" type="datetimeFigureOut">
               <a:rPr lang="ko-KR" altLang="en-US" smtClean="0"/>
-              <a:t>2022-02-14</a:t>
+              <a:t>2022-02-23</a:t>
             </a:fld>
             <a:endParaRPr lang="ko-KR" altLang="en-US"/>
           </a:p>
@@ -2497,7 +2505,7 @@
           <a:p>
             <a:fld id="{CBCF5070-AD38-4C1F-B396-B6E70032DF8C}" type="datetimeFigureOut">
               <a:rPr lang="ko-KR" altLang="en-US" smtClean="0"/>
-              <a:t>2022-02-14</a:t>
+              <a:t>2022-02-23</a:t>
             </a:fld>
             <a:endParaRPr lang="ko-KR" altLang="en-US"/>
           </a:p>
@@ -3585,6 +3593,1827 @@
 </p:sld>
 </file>
 
+<file path=ppt/slides/slide10.xml><?xml version="1.0" encoding="utf-8"?>
+<p:sld xmlns:a="http://schemas.openxmlformats.org/drawingml/2006/main" xmlns:r="http://schemas.openxmlformats.org/officeDocument/2006/relationships" xmlns:p="http://schemas.openxmlformats.org/presentationml/2006/main">
+  <p:cSld>
+    <p:spTree>
+      <p:nvGrpSpPr>
+        <p:cNvPr id="1" name=""/>
+        <p:cNvGrpSpPr/>
+        <p:nvPr/>
+      </p:nvGrpSpPr>
+      <p:grpSpPr>
+        <a:xfrm>
+          <a:off x="0" y="0"/>
+          <a:ext cx="0" cy="0"/>
+          <a:chOff x="0" y="0"/>
+          <a:chExt cx="0" cy="0"/>
+        </a:xfrm>
+      </p:grpSpPr>
+      <p:pic>
+        <p:nvPicPr>
+          <p:cNvPr id="2" name="내용 개체 틀 4">
+            <a:extLst>
+              <a:ext uri="{FF2B5EF4-FFF2-40B4-BE49-F238E27FC236}">
+                <a16:creationId xmlns:a16="http://schemas.microsoft.com/office/drawing/2014/main" id="{017B2318-D094-484B-A714-240C855C872E}"/>
+              </a:ext>
+            </a:extLst>
+          </p:cNvPr>
+          <p:cNvPicPr>
+            <a:picLocks noChangeAspect="1"/>
+          </p:cNvPicPr>
+          <p:nvPr/>
+        </p:nvPicPr>
+        <p:blipFill>
+          <a:blip r:embed="rId2"/>
+          <a:stretch>
+            <a:fillRect/>
+          </a:stretch>
+        </p:blipFill>
+        <p:spPr>
+          <a:xfrm>
+            <a:off x="1757654" y="1792696"/>
+            <a:ext cx="2437683" cy="2486788"/>
+          </a:xfrm>
+          <a:prstGeom prst="rect">
+            <a:avLst/>
+          </a:prstGeom>
+          <a:ln>
+            <a:solidFill>
+              <a:srgbClr val="0000FF"/>
+            </a:solidFill>
+          </a:ln>
+        </p:spPr>
+      </p:pic>
+      <p:pic>
+        <p:nvPicPr>
+          <p:cNvPr id="3" name="그림 2">
+            <a:extLst>
+              <a:ext uri="{FF2B5EF4-FFF2-40B4-BE49-F238E27FC236}">
+                <a16:creationId xmlns:a16="http://schemas.microsoft.com/office/drawing/2014/main" id="{C0772DD7-7BD2-477D-94C0-FA677A54A792}"/>
+              </a:ext>
+            </a:extLst>
+          </p:cNvPr>
+          <p:cNvPicPr>
+            <a:picLocks noChangeAspect="1"/>
+          </p:cNvPicPr>
+          <p:nvPr/>
+        </p:nvPicPr>
+        <p:blipFill>
+          <a:blip r:embed="rId3">
+            <a:extLst>
+              <a:ext uri="{BEBA8EAE-BF5A-486C-A8C5-ECC9F3942E4B}">
+                <a14:imgProps xmlns:a14="http://schemas.microsoft.com/office/drawing/2010/main">
+                  <a14:imgLayer r:embed="rId4">
+                    <a14:imgEffect>
+                      <a14:backgroundRemoval t="9184" b="89796" l="1692" r="97385">
+                        <a14:foregroundMark x1="9692" y1="18367" x2="18308" y2="25510"/>
+                        <a14:foregroundMark x1="4000" y1="32653" x2="14462" y2="32653"/>
+                        <a14:foregroundMark x1="6769" y1="33673" x2="24615" y2="28571"/>
+                        <a14:foregroundMark x1="4154" y1="42857" x2="45538" y2="44898"/>
+                        <a14:foregroundMark x1="45538" y1="44898" x2="53385" y2="39796"/>
+                        <a14:foregroundMark x1="53385" y1="39796" x2="54154" y2="39796"/>
+                        <a14:foregroundMark x1="45692" y1="38776" x2="89538" y2="40816"/>
+                        <a14:foregroundMark x1="96692" y1="64513" x2="97538" y2="63265"/>
+                        <a14:foregroundMark x1="12338" y1="78913" x2="12246" y2="78927"/>
+                        <a14:foregroundMark x1="32923" y1="16327" x2="13385" y2="9184"/>
+                        <a14:foregroundMark x1="1692" y1="23469" x2="2769" y2="83673"/>
+                        <a14:backgroundMark x1="5538" y1="66327" x2="8000" y2="65306"/>
+                        <a14:backgroundMark x1="5385" y1="63265" x2="10308" y2="67347"/>
+                        <a14:backgroundMark x1="5385" y1="65306" x2="13385" y2="67347"/>
+                        <a14:backgroundMark x1="13385" y1="67347" x2="21385" y2="62245"/>
+                        <a14:backgroundMark x1="21385" y1="62245" x2="17692" y2="67347"/>
+                        <a14:backgroundMark x1="13538" y1="67347" x2="22615" y2="65306"/>
+                        <a14:backgroundMark x1="22615" y1="65306" x2="23231" y2="65306"/>
+                        <a14:backgroundMark x1="26000" y1="65306" x2="34308" y2="65306"/>
+                        <a14:backgroundMark x1="22154" y1="63265" x2="37846" y2="63265"/>
+                        <a14:backgroundMark x1="23077" y1="69388" x2="24462" y2="63265"/>
+                        <a14:backgroundMark x1="40000" y1="67347" x2="39077" y2="67347"/>
+                        <a14:backgroundMark x1="51385" y1="65306" x2="61077" y2="67347"/>
+                        <a14:backgroundMark x1="61077" y1="67347" x2="52308" y2="63265"/>
+                        <a14:backgroundMark x1="50923" y1="57143" x2="60615" y2="69388"/>
+                        <a14:backgroundMark x1="60615" y1="69388" x2="69231" y2="68367"/>
+                        <a14:backgroundMark x1="69231" y1="68367" x2="94923" y2="69388"/>
+                        <a14:backgroundMark x1="94923" y1="69388" x2="50769" y2="60204"/>
+                        <a14:backgroundMark x1="55538" y1="64286" x2="65077" y2="64286"/>
+                        <a14:backgroundMark x1="61692" y1="70408" x2="64923" y2="71429"/>
+                        <a14:backgroundMark x1="60154" y1="67347" x2="64923" y2="69388"/>
+                        <a14:backgroundMark x1="66308" y1="65306" x2="71538" y2="64286"/>
+                        <a14:backgroundMark x1="67692" y1="62245" x2="75692" y2="57143"/>
+                        <a14:backgroundMark x1="75692" y1="57143" x2="75692" y2="59184"/>
+                        <a14:backgroundMark x1="71692" y1="64286" x2="79385" y2="59184"/>
+                        <a14:backgroundMark x1="75692" y1="62245" x2="66462" y2="60204"/>
+                        <a14:backgroundMark x1="72154" y1="66327" x2="59385" y2="60204"/>
+                        <a14:backgroundMark x1="69538" y1="64286" x2="62462" y2="59184"/>
+                        <a14:backgroundMark x1="77538" y1="62245" x2="90308" y2="64286"/>
+                        <a14:backgroundMark x1="77077" y1="67347" x2="84923" y2="60204"/>
+                        <a14:backgroundMark x1="84923" y1="60204" x2="89231" y2="60204"/>
+                        <a14:backgroundMark x1="77538" y1="64286" x2="84000" y2="57143"/>
+                        <a14:backgroundMark x1="74769" y1="65306" x2="80000" y2="63265"/>
+                        <a14:backgroundMark x1="87077" y1="63265" x2="95077" y2="60204"/>
+                        <a14:backgroundMark x1="95077" y1="60204" x2="95077" y2="60204"/>
+                        <a14:backgroundMark x1="89538" y1="65306" x2="96615" y2="65306"/>
+                        <a14:backgroundMark x1="91385" y1="67347" x2="96000" y2="67347"/>
+                        <a14:backgroundMark x1="93846" y1="67347" x2="96308" y2="60204"/>
+                        <a14:backgroundMark x1="37846" y1="67347" x2="51692" y2="68367"/>
+                        <a14:backgroundMark x1="45231" y1="63265" x2="35077" y2="63265"/>
+                        <a14:backgroundMark x1="43692" y1="63265" x2="56000" y2="66327"/>
+                      </a14:backgroundRemoval>
+                    </a14:imgEffect>
+                  </a14:imgLayer>
+                </a14:imgProps>
+              </a:ext>
+            </a:extLst>
+          </a:blip>
+          <a:stretch>
+            <a:fillRect/>
+          </a:stretch>
+        </p:blipFill>
+        <p:spPr>
+          <a:xfrm>
+            <a:off x="3554565" y="2430056"/>
+            <a:ext cx="2428982" cy="366216"/>
+          </a:xfrm>
+          <a:prstGeom prst="rect">
+            <a:avLst/>
+          </a:prstGeom>
+          <a:ln>
+            <a:solidFill>
+              <a:srgbClr val="0000FF"/>
+            </a:solidFill>
+          </a:ln>
+        </p:spPr>
+      </p:pic>
+      <p:sp>
+        <p:nvSpPr>
+          <p:cNvPr id="4" name="직사각형 3">
+            <a:extLst>
+              <a:ext uri="{FF2B5EF4-FFF2-40B4-BE49-F238E27FC236}">
+                <a16:creationId xmlns:a16="http://schemas.microsoft.com/office/drawing/2014/main" id="{E004C81C-780A-46F4-8C71-007BED4D4A90}"/>
+              </a:ext>
+            </a:extLst>
+          </p:cNvPr>
+          <p:cNvSpPr/>
+          <p:nvPr/>
+        </p:nvSpPr>
+        <p:spPr>
+          <a:xfrm>
+            <a:off x="2672530" y="3322180"/>
+            <a:ext cx="305912" cy="116974"/>
+          </a:xfrm>
+          <a:prstGeom prst="rect">
+            <a:avLst/>
+          </a:prstGeom>
+          <a:noFill/>
+          <a:ln>
+            <a:solidFill>
+              <a:srgbClr val="FF0000"/>
+            </a:solidFill>
+          </a:ln>
+        </p:spPr>
+        <p:style>
+          <a:lnRef idx="2">
+            <a:schemeClr val="accent1">
+              <a:shade val="50000"/>
+            </a:schemeClr>
+          </a:lnRef>
+          <a:fillRef idx="1">
+            <a:schemeClr val="accent1"/>
+          </a:fillRef>
+          <a:effectRef idx="0">
+            <a:schemeClr val="accent1"/>
+          </a:effectRef>
+          <a:fontRef idx="minor">
+            <a:schemeClr val="lt1"/>
+          </a:fontRef>
+        </p:style>
+        <p:txBody>
+          <a:bodyPr rtlCol="0" anchor="ctr"/>
+          <a:lstStyle/>
+          <a:p>
+            <a:pPr algn="ctr"/>
+            <a:endParaRPr lang="ko-KR" altLang="en-US"/>
+          </a:p>
+        </p:txBody>
+      </p:sp>
+      <p:cxnSp>
+        <p:nvCxnSpPr>
+          <p:cNvPr id="5" name="직선 화살표 연결선 4">
+            <a:extLst>
+              <a:ext uri="{FF2B5EF4-FFF2-40B4-BE49-F238E27FC236}">
+                <a16:creationId xmlns:a16="http://schemas.microsoft.com/office/drawing/2014/main" id="{CC67BFB5-D31B-4B85-8E46-8F840CA2E382}"/>
+              </a:ext>
+            </a:extLst>
+          </p:cNvPr>
+          <p:cNvCxnSpPr>
+            <a:stCxn id="4" idx="0"/>
+            <a:endCxn id="3" idx="1"/>
+          </p:cNvCxnSpPr>
+          <p:nvPr/>
+        </p:nvCxnSpPr>
+        <p:spPr>
+          <a:xfrm flipV="1">
+            <a:off x="2825486" y="2613164"/>
+            <a:ext cx="729079" cy="709016"/>
+          </a:xfrm>
+          <a:prstGeom prst="straightConnector1">
+            <a:avLst/>
+          </a:prstGeom>
+          <a:ln>
+            <a:solidFill>
+              <a:srgbClr val="FF0000"/>
+            </a:solidFill>
+            <a:tailEnd type="triangle"/>
+          </a:ln>
+        </p:spPr>
+        <p:style>
+          <a:lnRef idx="1">
+            <a:schemeClr val="accent1"/>
+          </a:lnRef>
+          <a:fillRef idx="0">
+            <a:schemeClr val="accent1"/>
+          </a:fillRef>
+          <a:effectRef idx="0">
+            <a:schemeClr val="accent1"/>
+          </a:effectRef>
+          <a:fontRef idx="minor">
+            <a:schemeClr val="tx1"/>
+          </a:fontRef>
+        </p:style>
+      </p:cxnSp>
+    </p:spTree>
+    <p:extLst>
+      <p:ext uri="{BB962C8B-B14F-4D97-AF65-F5344CB8AC3E}">
+        <p14:creationId xmlns:p14="http://schemas.microsoft.com/office/powerpoint/2010/main" val="1483528109"/>
+      </p:ext>
+    </p:extLst>
+  </p:cSld>
+  <p:clrMapOvr>
+    <a:masterClrMapping/>
+  </p:clrMapOvr>
+</p:sld>
+</file>
+
+<file path=ppt/slides/slide11.xml><?xml version="1.0" encoding="utf-8"?>
+<p:sld xmlns:a="http://schemas.openxmlformats.org/drawingml/2006/main" xmlns:r="http://schemas.openxmlformats.org/officeDocument/2006/relationships" xmlns:p="http://schemas.openxmlformats.org/presentationml/2006/main">
+  <p:cSld>
+    <p:spTree>
+      <p:nvGrpSpPr>
+        <p:cNvPr id="1" name=""/>
+        <p:cNvGrpSpPr/>
+        <p:nvPr/>
+      </p:nvGrpSpPr>
+      <p:grpSpPr>
+        <a:xfrm>
+          <a:off x="0" y="0"/>
+          <a:ext cx="0" cy="0"/>
+          <a:chOff x="0" y="0"/>
+          <a:chExt cx="0" cy="0"/>
+        </a:xfrm>
+      </p:grpSpPr>
+      <p:pic>
+        <p:nvPicPr>
+          <p:cNvPr id="2" name="그림 1">
+            <a:extLst>
+              <a:ext uri="{FF2B5EF4-FFF2-40B4-BE49-F238E27FC236}">
+                <a16:creationId xmlns:a16="http://schemas.microsoft.com/office/drawing/2014/main" id="{820A5875-1B26-4498-9C19-5AFD6520A8D0}"/>
+              </a:ext>
+            </a:extLst>
+          </p:cNvPr>
+          <p:cNvPicPr>
+            <a:picLocks noChangeAspect="1"/>
+          </p:cNvPicPr>
+          <p:nvPr/>
+        </p:nvPicPr>
+        <p:blipFill>
+          <a:blip r:embed="rId2"/>
+          <a:stretch>
+            <a:fillRect/>
+          </a:stretch>
+        </p:blipFill>
+        <p:spPr>
+          <a:xfrm>
+            <a:off x="5817196" y="1046735"/>
+            <a:ext cx="1334452" cy="2148810"/>
+          </a:xfrm>
+          <a:prstGeom prst="rect">
+            <a:avLst/>
+          </a:prstGeom>
+          <a:ln>
+            <a:solidFill>
+              <a:schemeClr val="bg1">
+                <a:lumMod val="65000"/>
+              </a:schemeClr>
+            </a:solidFill>
+          </a:ln>
+        </p:spPr>
+      </p:pic>
+    </p:spTree>
+    <p:extLst>
+      <p:ext uri="{BB962C8B-B14F-4D97-AF65-F5344CB8AC3E}">
+        <p14:creationId xmlns:p14="http://schemas.microsoft.com/office/powerpoint/2010/main" val="3609220365"/>
+      </p:ext>
+    </p:extLst>
+  </p:cSld>
+  <p:clrMapOvr>
+    <a:masterClrMapping/>
+  </p:clrMapOvr>
+</p:sld>
+</file>
+
+<file path=ppt/slides/slide12.xml><?xml version="1.0" encoding="utf-8"?>
+<p:sld xmlns:a="http://schemas.openxmlformats.org/drawingml/2006/main" xmlns:r="http://schemas.openxmlformats.org/officeDocument/2006/relationships" xmlns:p="http://schemas.openxmlformats.org/presentationml/2006/main">
+  <p:cSld>
+    <p:spTree>
+      <p:nvGrpSpPr>
+        <p:cNvPr id="1" name=""/>
+        <p:cNvGrpSpPr/>
+        <p:nvPr/>
+      </p:nvGrpSpPr>
+      <p:grpSpPr>
+        <a:xfrm>
+          <a:off x="0" y="0"/>
+          <a:ext cx="0" cy="0"/>
+          <a:chOff x="0" y="0"/>
+          <a:chExt cx="0" cy="0"/>
+        </a:xfrm>
+      </p:grpSpPr>
+      <p:pic>
+        <p:nvPicPr>
+          <p:cNvPr id="2" name="그림 1">
+            <a:extLst>
+              <a:ext uri="{FF2B5EF4-FFF2-40B4-BE49-F238E27FC236}">
+                <a16:creationId xmlns:a16="http://schemas.microsoft.com/office/drawing/2014/main" id="{65654C94-FF3A-4840-8928-26FBF67CB6CF}"/>
+              </a:ext>
+            </a:extLst>
+          </p:cNvPr>
+          <p:cNvPicPr>
+            <a:picLocks noChangeAspect="1"/>
+          </p:cNvPicPr>
+          <p:nvPr/>
+        </p:nvPicPr>
+        <p:blipFill>
+          <a:blip r:embed="rId2"/>
+          <a:stretch>
+            <a:fillRect/>
+          </a:stretch>
+        </p:blipFill>
+        <p:spPr>
+          <a:xfrm>
+            <a:off x="3853853" y="1580408"/>
+            <a:ext cx="1334452" cy="2148101"/>
+          </a:xfrm>
+          <a:prstGeom prst="rect">
+            <a:avLst/>
+          </a:prstGeom>
+          <a:ln>
+            <a:solidFill>
+              <a:srgbClr val="0000FF"/>
+            </a:solidFill>
+          </a:ln>
+        </p:spPr>
+      </p:pic>
+      <p:pic>
+        <p:nvPicPr>
+          <p:cNvPr id="3" name="내용 개체 틀 4">
+            <a:extLst>
+              <a:ext uri="{FF2B5EF4-FFF2-40B4-BE49-F238E27FC236}">
+                <a16:creationId xmlns:a16="http://schemas.microsoft.com/office/drawing/2014/main" id="{85FD0B9F-6028-437E-ADFC-4A3ABBCC69D0}"/>
+              </a:ext>
+            </a:extLst>
+          </p:cNvPr>
+          <p:cNvPicPr>
+            <a:picLocks noChangeAspect="1"/>
+          </p:cNvPicPr>
+          <p:nvPr/>
+        </p:nvPicPr>
+        <p:blipFill>
+          <a:blip r:embed="rId3"/>
+          <a:stretch>
+            <a:fillRect/>
+          </a:stretch>
+        </p:blipFill>
+        <p:spPr>
+          <a:xfrm>
+            <a:off x="1015439" y="1580408"/>
+            <a:ext cx="2437683" cy="2486788"/>
+          </a:xfrm>
+          <a:prstGeom prst="rect">
+            <a:avLst/>
+          </a:prstGeom>
+          <a:ln>
+            <a:solidFill>
+              <a:srgbClr val="0000FF"/>
+            </a:solidFill>
+          </a:ln>
+        </p:spPr>
+      </p:pic>
+      <p:pic>
+        <p:nvPicPr>
+          <p:cNvPr id="4" name="그림 3">
+            <a:extLst>
+              <a:ext uri="{FF2B5EF4-FFF2-40B4-BE49-F238E27FC236}">
+                <a16:creationId xmlns:a16="http://schemas.microsoft.com/office/drawing/2014/main" id="{8BD28D34-2F0E-4E26-AA0C-42F3420DE71B}"/>
+              </a:ext>
+            </a:extLst>
+          </p:cNvPr>
+          <p:cNvPicPr>
+            <a:picLocks noChangeAspect="1"/>
+          </p:cNvPicPr>
+          <p:nvPr/>
+        </p:nvPicPr>
+        <p:blipFill>
+          <a:blip r:embed="rId4"/>
+          <a:stretch>
+            <a:fillRect/>
+          </a:stretch>
+        </p:blipFill>
+        <p:spPr>
+          <a:xfrm>
+            <a:off x="5154357" y="2289424"/>
+            <a:ext cx="1329944" cy="2148101"/>
+          </a:xfrm>
+          <a:prstGeom prst="rect">
+            <a:avLst/>
+          </a:prstGeom>
+          <a:ln>
+            <a:solidFill>
+              <a:srgbClr val="0000FF"/>
+            </a:solidFill>
+          </a:ln>
+        </p:spPr>
+      </p:pic>
+      <p:sp>
+        <p:nvSpPr>
+          <p:cNvPr id="5" name="TextBox 4">
+            <a:extLst>
+              <a:ext uri="{FF2B5EF4-FFF2-40B4-BE49-F238E27FC236}">
+                <a16:creationId xmlns:a16="http://schemas.microsoft.com/office/drawing/2014/main" id="{7841E1C1-3417-45B6-8A2B-CDA149417474}"/>
+              </a:ext>
+            </a:extLst>
+          </p:cNvPr>
+          <p:cNvSpPr txBox="1"/>
+          <p:nvPr/>
+        </p:nvSpPr>
+        <p:spPr>
+          <a:xfrm>
+            <a:off x="5276411" y="1520597"/>
+            <a:ext cx="1872208" cy="600164"/>
+          </a:xfrm>
+          <a:prstGeom prst="rect">
+            <a:avLst/>
+          </a:prstGeom>
+          <a:noFill/>
+        </p:spPr>
+        <p:txBody>
+          <a:bodyPr wrap="square" rtlCol="0">
+            <a:spAutoFit/>
+          </a:bodyPr>
+          <a:lstStyle/>
+          <a:p>
+            <a:r>
+              <a:rPr lang="ko-KR" altLang="en-US" sz="1100" dirty="0">
+                <a:solidFill>
+                  <a:srgbClr val="FF0000"/>
+                </a:solidFill>
+              </a:rPr>
+              <a:t>일회용 비밀번호</a:t>
+            </a:r>
+            <a:r>
+              <a:rPr lang="en-US" altLang="ko-KR" sz="1100" dirty="0">
+                <a:solidFill>
+                  <a:srgbClr val="FF0000"/>
+                </a:solidFill>
+              </a:rPr>
+              <a:t>(OTP)</a:t>
+            </a:r>
+            <a:r>
+              <a:rPr lang="ko-KR" altLang="en-US" sz="1100" dirty="0">
+                <a:solidFill>
+                  <a:srgbClr val="FF0000"/>
+                </a:solidFill>
+              </a:rPr>
+              <a:t>가 </a:t>
+            </a:r>
+            <a:endParaRPr lang="en-US" altLang="ko-KR" sz="1100" dirty="0">
+              <a:solidFill>
+                <a:srgbClr val="FF0000"/>
+              </a:solidFill>
+            </a:endParaRPr>
+          </a:p>
+          <a:p>
+            <a:r>
+              <a:rPr lang="en-US" altLang="ko-KR" sz="1100" dirty="0">
+                <a:solidFill>
+                  <a:srgbClr val="FF0000"/>
+                </a:solidFill>
+              </a:rPr>
+              <a:t>30</a:t>
+            </a:r>
+            <a:r>
+              <a:rPr lang="ko-KR" altLang="en-US" sz="1100" dirty="0">
+                <a:solidFill>
+                  <a:srgbClr val="FF0000"/>
+                </a:solidFill>
+              </a:rPr>
+              <a:t>초에 한번씩 </a:t>
+            </a:r>
+            <a:endParaRPr lang="en-US" altLang="ko-KR" sz="1100" dirty="0">
+              <a:solidFill>
+                <a:srgbClr val="FF0000"/>
+              </a:solidFill>
+            </a:endParaRPr>
+          </a:p>
+          <a:p>
+            <a:r>
+              <a:rPr lang="ko-KR" altLang="en-US" sz="1100" dirty="0">
+                <a:solidFill>
+                  <a:srgbClr val="FF0000"/>
+                </a:solidFill>
+              </a:rPr>
+              <a:t>갱신되면서 제공</a:t>
+            </a:r>
+          </a:p>
+        </p:txBody>
+      </p:sp>
+      <p:cxnSp>
+        <p:nvCxnSpPr>
+          <p:cNvPr id="6" name="직선 화살표 연결선 5">
+            <a:extLst>
+              <a:ext uri="{FF2B5EF4-FFF2-40B4-BE49-F238E27FC236}">
+                <a16:creationId xmlns:a16="http://schemas.microsoft.com/office/drawing/2014/main" id="{B5BEE98B-9FE7-4DBD-BDD7-D63D2FF9ACBF}"/>
+              </a:ext>
+            </a:extLst>
+          </p:cNvPr>
+          <p:cNvCxnSpPr>
+            <a:cxnSpLocks/>
+          </p:cNvCxnSpPr>
+          <p:nvPr/>
+        </p:nvCxnSpPr>
+        <p:spPr>
+          <a:xfrm flipH="1">
+            <a:off x="1769806" y="2659520"/>
+            <a:ext cx="2250794" cy="762106"/>
+          </a:xfrm>
+          <a:prstGeom prst="straightConnector1">
+            <a:avLst/>
+          </a:prstGeom>
+          <a:ln>
+            <a:solidFill>
+              <a:srgbClr val="FF0000"/>
+            </a:solidFill>
+            <a:tailEnd type="triangle"/>
+          </a:ln>
+        </p:spPr>
+        <p:style>
+          <a:lnRef idx="1">
+            <a:schemeClr val="accent1"/>
+          </a:lnRef>
+          <a:fillRef idx="0">
+            <a:schemeClr val="accent1"/>
+          </a:fillRef>
+          <a:effectRef idx="0">
+            <a:schemeClr val="accent1"/>
+          </a:effectRef>
+          <a:fontRef idx="minor">
+            <a:schemeClr val="tx1"/>
+          </a:fontRef>
+        </p:style>
+      </p:cxnSp>
+      <p:cxnSp>
+        <p:nvCxnSpPr>
+          <p:cNvPr id="7" name="직선 화살표 연결선 6">
+            <a:extLst>
+              <a:ext uri="{FF2B5EF4-FFF2-40B4-BE49-F238E27FC236}">
+                <a16:creationId xmlns:a16="http://schemas.microsoft.com/office/drawing/2014/main" id="{3558EE75-056E-4E13-8EA9-295075869F7A}"/>
+              </a:ext>
+            </a:extLst>
+          </p:cNvPr>
+          <p:cNvCxnSpPr>
+            <a:cxnSpLocks/>
+          </p:cNvCxnSpPr>
+          <p:nvPr/>
+        </p:nvCxnSpPr>
+        <p:spPr>
+          <a:xfrm flipH="1">
+            <a:off x="1923189" y="3376034"/>
+            <a:ext cx="3443188" cy="246389"/>
+          </a:xfrm>
+          <a:prstGeom prst="straightConnector1">
+            <a:avLst/>
+          </a:prstGeom>
+          <a:ln>
+            <a:solidFill>
+              <a:srgbClr val="FF0000"/>
+            </a:solidFill>
+            <a:tailEnd type="triangle"/>
+          </a:ln>
+        </p:spPr>
+        <p:style>
+          <a:lnRef idx="1">
+            <a:schemeClr val="accent1"/>
+          </a:lnRef>
+          <a:fillRef idx="0">
+            <a:schemeClr val="accent1"/>
+          </a:fillRef>
+          <a:effectRef idx="0">
+            <a:schemeClr val="accent1"/>
+          </a:effectRef>
+          <a:fontRef idx="minor">
+            <a:schemeClr val="tx1"/>
+          </a:fontRef>
+        </p:style>
+      </p:cxnSp>
+    </p:spTree>
+    <p:extLst>
+      <p:ext uri="{BB962C8B-B14F-4D97-AF65-F5344CB8AC3E}">
+        <p14:creationId xmlns:p14="http://schemas.microsoft.com/office/powerpoint/2010/main" val="570288083"/>
+      </p:ext>
+    </p:extLst>
+  </p:cSld>
+  <p:clrMapOvr>
+    <a:masterClrMapping/>
+  </p:clrMapOvr>
+</p:sld>
+</file>
+
+<file path=ppt/slides/slide13.xml><?xml version="1.0" encoding="utf-8"?>
+<p:sld xmlns:a="http://schemas.openxmlformats.org/drawingml/2006/main" xmlns:r="http://schemas.openxmlformats.org/officeDocument/2006/relationships" xmlns:p="http://schemas.openxmlformats.org/presentationml/2006/main">
+  <p:cSld>
+    <p:spTree>
+      <p:nvGrpSpPr>
+        <p:cNvPr id="1" name=""/>
+        <p:cNvGrpSpPr/>
+        <p:nvPr/>
+      </p:nvGrpSpPr>
+      <p:grpSpPr>
+        <a:xfrm>
+          <a:off x="0" y="0"/>
+          <a:ext cx="0" cy="0"/>
+          <a:chOff x="0" y="0"/>
+          <a:chExt cx="0" cy="0"/>
+        </a:xfrm>
+      </p:grpSpPr>
+      <p:pic>
+        <p:nvPicPr>
+          <p:cNvPr id="3" name="그림 2">
+            <a:extLst>
+              <a:ext uri="{FF2B5EF4-FFF2-40B4-BE49-F238E27FC236}">
+                <a16:creationId xmlns:a16="http://schemas.microsoft.com/office/drawing/2014/main" id="{E24EC9CF-54AB-4D4D-86A9-4EEBE1B98888}"/>
+              </a:ext>
+            </a:extLst>
+          </p:cNvPr>
+          <p:cNvPicPr>
+            <a:picLocks noChangeAspect="1"/>
+          </p:cNvPicPr>
+          <p:nvPr/>
+        </p:nvPicPr>
+        <p:blipFill>
+          <a:blip r:embed="rId2"/>
+          <a:stretch>
+            <a:fillRect/>
+          </a:stretch>
+        </p:blipFill>
+        <p:spPr>
+          <a:xfrm>
+            <a:off x="584436" y="287539"/>
+            <a:ext cx="2543982" cy="4384750"/>
+          </a:xfrm>
+          <a:prstGeom prst="rect">
+            <a:avLst/>
+          </a:prstGeom>
+          <a:ln>
+            <a:solidFill>
+              <a:schemeClr val="accent1"/>
+            </a:solidFill>
+          </a:ln>
+        </p:spPr>
+      </p:pic>
+      <p:pic>
+        <p:nvPicPr>
+          <p:cNvPr id="5" name="그림 4">
+            <a:extLst>
+              <a:ext uri="{FF2B5EF4-FFF2-40B4-BE49-F238E27FC236}">
+                <a16:creationId xmlns:a16="http://schemas.microsoft.com/office/drawing/2014/main" id="{398BC39C-722A-417A-A6CB-E03F36D2E84B}"/>
+              </a:ext>
+            </a:extLst>
+          </p:cNvPr>
+          <p:cNvPicPr>
+            <a:picLocks noChangeAspect="1"/>
+          </p:cNvPicPr>
+          <p:nvPr/>
+        </p:nvPicPr>
+        <p:blipFill>
+          <a:blip r:embed="rId3"/>
+          <a:stretch>
+            <a:fillRect/>
+          </a:stretch>
+        </p:blipFill>
+        <p:spPr>
+          <a:xfrm>
+            <a:off x="6262240" y="287539"/>
+            <a:ext cx="2155356" cy="2507498"/>
+          </a:xfrm>
+          <a:prstGeom prst="rect">
+            <a:avLst/>
+          </a:prstGeom>
+          <a:ln>
+            <a:solidFill>
+              <a:schemeClr val="accent1"/>
+            </a:solidFill>
+          </a:ln>
+        </p:spPr>
+      </p:pic>
+      <p:pic>
+        <p:nvPicPr>
+          <p:cNvPr id="8" name="그림 7">
+            <a:extLst>
+              <a:ext uri="{FF2B5EF4-FFF2-40B4-BE49-F238E27FC236}">
+                <a16:creationId xmlns:a16="http://schemas.microsoft.com/office/drawing/2014/main" id="{7061378B-74F4-4720-825C-AD15B4386E77}"/>
+              </a:ext>
+            </a:extLst>
+          </p:cNvPr>
+          <p:cNvPicPr>
+            <a:picLocks noChangeAspect="1"/>
+          </p:cNvPicPr>
+          <p:nvPr/>
+        </p:nvPicPr>
+        <p:blipFill>
+          <a:blip r:embed="rId4"/>
+          <a:stretch>
+            <a:fillRect/>
+          </a:stretch>
+        </p:blipFill>
+        <p:spPr>
+          <a:xfrm>
+            <a:off x="3644660" y="287539"/>
+            <a:ext cx="2155357" cy="2473359"/>
+          </a:xfrm>
+          <a:prstGeom prst="rect">
+            <a:avLst/>
+          </a:prstGeom>
+          <a:ln>
+            <a:solidFill>
+              <a:schemeClr val="accent1"/>
+            </a:solidFill>
+          </a:ln>
+        </p:spPr>
+      </p:pic>
+      <p:pic>
+        <p:nvPicPr>
+          <p:cNvPr id="10" name="그림 9">
+            <a:extLst>
+              <a:ext uri="{FF2B5EF4-FFF2-40B4-BE49-F238E27FC236}">
+                <a16:creationId xmlns:a16="http://schemas.microsoft.com/office/drawing/2014/main" id="{4A4BD033-A475-442A-B726-6ABF27851C1F}"/>
+              </a:ext>
+            </a:extLst>
+          </p:cNvPr>
+          <p:cNvPicPr>
+            <a:picLocks noChangeAspect="1"/>
+          </p:cNvPicPr>
+          <p:nvPr/>
+        </p:nvPicPr>
+        <p:blipFill rotWithShape="1">
+          <a:blip r:embed="rId5"/>
+          <a:srcRect b="8813"/>
+          <a:stretch/>
+        </p:blipFill>
+        <p:spPr>
+          <a:xfrm>
+            <a:off x="6316259" y="3285943"/>
+            <a:ext cx="2155356" cy="2861186"/>
+          </a:xfrm>
+          <a:prstGeom prst="rect">
+            <a:avLst/>
+          </a:prstGeom>
+          <a:ln>
+            <a:solidFill>
+              <a:schemeClr val="accent1"/>
+            </a:solidFill>
+          </a:ln>
+        </p:spPr>
+      </p:pic>
+      <p:pic>
+        <p:nvPicPr>
+          <p:cNvPr id="12" name="그림 11">
+            <a:extLst>
+              <a:ext uri="{FF2B5EF4-FFF2-40B4-BE49-F238E27FC236}">
+                <a16:creationId xmlns:a16="http://schemas.microsoft.com/office/drawing/2014/main" id="{E2763F54-F974-4A10-8E99-A8BF63AFD921}"/>
+              </a:ext>
+            </a:extLst>
+          </p:cNvPr>
+          <p:cNvPicPr>
+            <a:picLocks noChangeAspect="1"/>
+          </p:cNvPicPr>
+          <p:nvPr/>
+        </p:nvPicPr>
+        <p:blipFill rotWithShape="1">
+          <a:blip r:embed="rId6"/>
+          <a:srcRect l="1600"/>
+          <a:stretch/>
+        </p:blipFill>
+        <p:spPr>
+          <a:xfrm>
+            <a:off x="3583859" y="3340515"/>
+            <a:ext cx="1755625" cy="2768211"/>
+          </a:xfrm>
+          <a:prstGeom prst="rect">
+            <a:avLst/>
+          </a:prstGeom>
+          <a:ln>
+            <a:solidFill>
+              <a:schemeClr val="accent1"/>
+            </a:solidFill>
+          </a:ln>
+        </p:spPr>
+      </p:pic>
+      <p:sp>
+        <p:nvSpPr>
+          <p:cNvPr id="13" name="화살표: 오른쪽 12">
+            <a:extLst>
+              <a:ext uri="{FF2B5EF4-FFF2-40B4-BE49-F238E27FC236}">
+                <a16:creationId xmlns:a16="http://schemas.microsoft.com/office/drawing/2014/main" id="{D31261AF-2E9A-4AA1-ACD7-7A5934BEFE2D}"/>
+              </a:ext>
+            </a:extLst>
+          </p:cNvPr>
+          <p:cNvSpPr/>
+          <p:nvPr/>
+        </p:nvSpPr>
+        <p:spPr>
+          <a:xfrm>
+            <a:off x="3285941" y="1156274"/>
+            <a:ext cx="300867" cy="312665"/>
+          </a:xfrm>
+          <a:prstGeom prst="rightArrow">
+            <a:avLst/>
+          </a:prstGeom>
+          <a:noFill/>
+          <a:ln w="28575">
+            <a:solidFill>
+              <a:srgbClr val="FF0000"/>
+            </a:solidFill>
+          </a:ln>
+        </p:spPr>
+        <p:style>
+          <a:lnRef idx="2">
+            <a:schemeClr val="accent1">
+              <a:shade val="50000"/>
+            </a:schemeClr>
+          </a:lnRef>
+          <a:fillRef idx="1">
+            <a:schemeClr val="accent1"/>
+          </a:fillRef>
+          <a:effectRef idx="0">
+            <a:schemeClr val="accent1"/>
+          </a:effectRef>
+          <a:fontRef idx="minor">
+            <a:schemeClr val="lt1"/>
+          </a:fontRef>
+        </p:style>
+        <p:txBody>
+          <a:bodyPr rtlCol="0" anchor="ctr"/>
+          <a:lstStyle/>
+          <a:p>
+            <a:pPr algn="ctr"/>
+            <a:endParaRPr lang="ko-KR" altLang="en-US"/>
+          </a:p>
+        </p:txBody>
+      </p:sp>
+      <p:sp>
+        <p:nvSpPr>
+          <p:cNvPr id="14" name="화살표: 오른쪽 13">
+            <a:extLst>
+              <a:ext uri="{FF2B5EF4-FFF2-40B4-BE49-F238E27FC236}">
+                <a16:creationId xmlns:a16="http://schemas.microsoft.com/office/drawing/2014/main" id="{D3556591-0DF8-48DC-BB32-AFA1369189F9}"/>
+              </a:ext>
+            </a:extLst>
+          </p:cNvPr>
+          <p:cNvSpPr/>
+          <p:nvPr/>
+        </p:nvSpPr>
+        <p:spPr>
+          <a:xfrm>
+            <a:off x="5880695" y="1156274"/>
+            <a:ext cx="300867" cy="312665"/>
+          </a:xfrm>
+          <a:prstGeom prst="rightArrow">
+            <a:avLst/>
+          </a:prstGeom>
+          <a:noFill/>
+          <a:ln w="28575">
+            <a:solidFill>
+              <a:srgbClr val="FF0000"/>
+            </a:solidFill>
+          </a:ln>
+        </p:spPr>
+        <p:style>
+          <a:lnRef idx="2">
+            <a:schemeClr val="accent1">
+              <a:shade val="50000"/>
+            </a:schemeClr>
+          </a:lnRef>
+          <a:fillRef idx="1">
+            <a:schemeClr val="accent1"/>
+          </a:fillRef>
+          <a:effectRef idx="0">
+            <a:schemeClr val="accent1"/>
+          </a:effectRef>
+          <a:fontRef idx="minor">
+            <a:schemeClr val="lt1"/>
+          </a:fontRef>
+        </p:style>
+        <p:txBody>
+          <a:bodyPr rtlCol="0" anchor="ctr"/>
+          <a:lstStyle/>
+          <a:p>
+            <a:pPr algn="ctr"/>
+            <a:endParaRPr lang="ko-KR" altLang="en-US"/>
+          </a:p>
+        </p:txBody>
+      </p:sp>
+      <p:sp>
+        <p:nvSpPr>
+          <p:cNvPr id="15" name="화살표: 오른쪽 14">
+            <a:extLst>
+              <a:ext uri="{FF2B5EF4-FFF2-40B4-BE49-F238E27FC236}">
+                <a16:creationId xmlns:a16="http://schemas.microsoft.com/office/drawing/2014/main" id="{7DEA09E7-CA80-42CF-B724-208BCA6560AE}"/>
+              </a:ext>
+            </a:extLst>
+          </p:cNvPr>
+          <p:cNvSpPr/>
+          <p:nvPr/>
+        </p:nvSpPr>
+        <p:spPr>
+          <a:xfrm rot="5400000">
+            <a:off x="7243503" y="2867087"/>
+            <a:ext cx="300867" cy="312665"/>
+          </a:xfrm>
+          <a:prstGeom prst="rightArrow">
+            <a:avLst/>
+          </a:prstGeom>
+          <a:noFill/>
+          <a:ln w="28575">
+            <a:solidFill>
+              <a:srgbClr val="FF0000"/>
+            </a:solidFill>
+          </a:ln>
+        </p:spPr>
+        <p:style>
+          <a:lnRef idx="2">
+            <a:schemeClr val="accent1">
+              <a:shade val="50000"/>
+            </a:schemeClr>
+          </a:lnRef>
+          <a:fillRef idx="1">
+            <a:schemeClr val="accent1"/>
+          </a:fillRef>
+          <a:effectRef idx="0">
+            <a:schemeClr val="accent1"/>
+          </a:effectRef>
+          <a:fontRef idx="minor">
+            <a:schemeClr val="lt1"/>
+          </a:fontRef>
+        </p:style>
+        <p:txBody>
+          <a:bodyPr rtlCol="0" anchor="ctr"/>
+          <a:lstStyle/>
+          <a:p>
+            <a:pPr algn="ctr"/>
+            <a:endParaRPr lang="ko-KR" altLang="en-US"/>
+          </a:p>
+        </p:txBody>
+      </p:sp>
+      <p:sp>
+        <p:nvSpPr>
+          <p:cNvPr id="16" name="직사각형 15">
+            <a:extLst>
+              <a:ext uri="{FF2B5EF4-FFF2-40B4-BE49-F238E27FC236}">
+                <a16:creationId xmlns:a16="http://schemas.microsoft.com/office/drawing/2014/main" id="{EF7CD821-CC81-4C50-8017-A4CA03469389}"/>
+              </a:ext>
+            </a:extLst>
+          </p:cNvPr>
+          <p:cNvSpPr/>
+          <p:nvPr/>
+        </p:nvSpPr>
+        <p:spPr>
+          <a:xfrm>
+            <a:off x="3795045" y="4583804"/>
+            <a:ext cx="1333254" cy="395257"/>
+          </a:xfrm>
+          <a:prstGeom prst="rect">
+            <a:avLst/>
+          </a:prstGeom>
+          <a:noFill/>
+          <a:ln w="28575">
+            <a:solidFill>
+              <a:srgbClr val="FF0000"/>
+            </a:solidFill>
+          </a:ln>
+        </p:spPr>
+        <p:style>
+          <a:lnRef idx="2">
+            <a:schemeClr val="accent1">
+              <a:shade val="50000"/>
+            </a:schemeClr>
+          </a:lnRef>
+          <a:fillRef idx="1">
+            <a:schemeClr val="accent1"/>
+          </a:fillRef>
+          <a:effectRef idx="0">
+            <a:schemeClr val="accent1"/>
+          </a:effectRef>
+          <a:fontRef idx="minor">
+            <a:schemeClr val="lt1"/>
+          </a:fontRef>
+        </p:style>
+        <p:txBody>
+          <a:bodyPr rtlCol="0" anchor="ctr"/>
+          <a:lstStyle/>
+          <a:p>
+            <a:pPr algn="ctr"/>
+            <a:endParaRPr lang="ko-KR" altLang="en-US"/>
+          </a:p>
+        </p:txBody>
+      </p:sp>
+      <p:cxnSp>
+        <p:nvCxnSpPr>
+          <p:cNvPr id="18" name="직선 화살표 연결선 17">
+            <a:extLst>
+              <a:ext uri="{FF2B5EF4-FFF2-40B4-BE49-F238E27FC236}">
+                <a16:creationId xmlns:a16="http://schemas.microsoft.com/office/drawing/2014/main" id="{BB2F7DBB-3411-4CAC-BF7D-16F223326764}"/>
+              </a:ext>
+            </a:extLst>
+          </p:cNvPr>
+          <p:cNvCxnSpPr>
+            <a:cxnSpLocks/>
+            <a:stCxn id="16" idx="3"/>
+          </p:cNvCxnSpPr>
+          <p:nvPr/>
+        </p:nvCxnSpPr>
+        <p:spPr>
+          <a:xfrm>
+            <a:off x="5128299" y="4781433"/>
+            <a:ext cx="1478978" cy="586980"/>
+          </a:xfrm>
+          <a:prstGeom prst="straightConnector1">
+            <a:avLst/>
+          </a:prstGeom>
+          <a:ln w="28575">
+            <a:solidFill>
+              <a:srgbClr val="FF0000"/>
+            </a:solidFill>
+            <a:tailEnd type="triangle"/>
+          </a:ln>
+        </p:spPr>
+        <p:style>
+          <a:lnRef idx="1">
+            <a:schemeClr val="accent1"/>
+          </a:lnRef>
+          <a:fillRef idx="0">
+            <a:schemeClr val="accent1"/>
+          </a:fillRef>
+          <a:effectRef idx="0">
+            <a:schemeClr val="accent1"/>
+          </a:effectRef>
+          <a:fontRef idx="minor">
+            <a:schemeClr val="tx1"/>
+          </a:fontRef>
+        </p:style>
+      </p:cxnSp>
+      <p:sp>
+        <p:nvSpPr>
+          <p:cNvPr id="19" name="TextBox 18">
+            <a:extLst>
+              <a:ext uri="{FF2B5EF4-FFF2-40B4-BE49-F238E27FC236}">
+                <a16:creationId xmlns:a16="http://schemas.microsoft.com/office/drawing/2014/main" id="{A3628601-E125-4F9F-B8E2-EE4AE79CA9F5}"/>
+              </a:ext>
+            </a:extLst>
+          </p:cNvPr>
+          <p:cNvSpPr txBox="1"/>
+          <p:nvPr/>
+        </p:nvSpPr>
+        <p:spPr>
+          <a:xfrm>
+            <a:off x="5427762" y="4460636"/>
+            <a:ext cx="800219" cy="461665"/>
+          </a:xfrm>
+          <a:prstGeom prst="rect">
+            <a:avLst/>
+          </a:prstGeom>
+          <a:noFill/>
+        </p:spPr>
+        <p:txBody>
+          <a:bodyPr wrap="none" rtlCol="0">
+            <a:spAutoFit/>
+          </a:bodyPr>
+          <a:lstStyle/>
+          <a:p>
+            <a:pPr algn="l"/>
+            <a:r>
+              <a:rPr lang="ko-KR" altLang="en-US" sz="1200" dirty="0">
+                <a:solidFill>
+                  <a:srgbClr val="FF0000"/>
+                </a:solidFill>
+              </a:rPr>
+              <a:t>복사하여</a:t>
+            </a:r>
+            <a:endParaRPr lang="en-US" altLang="ko-KR" sz="1200" dirty="0">
+              <a:solidFill>
+                <a:srgbClr val="FF0000"/>
+              </a:solidFill>
+            </a:endParaRPr>
+          </a:p>
+          <a:p>
+            <a:pPr algn="l"/>
+            <a:r>
+              <a:rPr lang="ko-KR" altLang="en-US" sz="1200" dirty="0">
+                <a:solidFill>
+                  <a:srgbClr val="FF0000"/>
+                </a:solidFill>
+              </a:rPr>
+              <a:t>붙여넣기</a:t>
+            </a:r>
+          </a:p>
+        </p:txBody>
+      </p:sp>
+    </p:spTree>
+    <p:extLst>
+      <p:ext uri="{BB962C8B-B14F-4D97-AF65-F5344CB8AC3E}">
+        <p14:creationId xmlns:p14="http://schemas.microsoft.com/office/powerpoint/2010/main" val="1067644664"/>
+      </p:ext>
+    </p:extLst>
+  </p:cSld>
+  <p:clrMapOvr>
+    <a:masterClrMapping/>
+  </p:clrMapOvr>
+</p:sld>
+</file>
+
+<file path=ppt/slides/slide14.xml><?xml version="1.0" encoding="utf-8"?>
+<p:sld xmlns:a="http://schemas.openxmlformats.org/drawingml/2006/main" xmlns:r="http://schemas.openxmlformats.org/officeDocument/2006/relationships" xmlns:p="http://schemas.openxmlformats.org/presentationml/2006/main">
+  <p:cSld>
+    <p:spTree>
+      <p:nvGrpSpPr>
+        <p:cNvPr id="1" name=""/>
+        <p:cNvGrpSpPr/>
+        <p:nvPr/>
+      </p:nvGrpSpPr>
+      <p:grpSpPr>
+        <a:xfrm>
+          <a:off x="0" y="0"/>
+          <a:ext cx="0" cy="0"/>
+          <a:chOff x="0" y="0"/>
+          <a:chExt cx="0" cy="0"/>
+        </a:xfrm>
+      </p:grpSpPr>
+      <p:pic>
+        <p:nvPicPr>
+          <p:cNvPr id="29" name="그림 28">
+            <a:extLst>
+              <a:ext uri="{FF2B5EF4-FFF2-40B4-BE49-F238E27FC236}">
+                <a16:creationId xmlns:a16="http://schemas.microsoft.com/office/drawing/2014/main" id="{BAC04F9A-2B42-4C94-8288-E2F4F2C933FB}"/>
+              </a:ext>
+            </a:extLst>
+          </p:cNvPr>
+          <p:cNvPicPr>
+            <a:picLocks noChangeAspect="1"/>
+          </p:cNvPicPr>
+          <p:nvPr/>
+        </p:nvPicPr>
+        <p:blipFill rotWithShape="1">
+          <a:blip r:embed="rId2"/>
+          <a:srcRect b="4857"/>
+          <a:stretch/>
+        </p:blipFill>
+        <p:spPr>
+          <a:xfrm>
+            <a:off x="2043120" y="3901640"/>
+            <a:ext cx="6699564" cy="2947307"/>
+          </a:xfrm>
+          <a:prstGeom prst="rect">
+            <a:avLst/>
+          </a:prstGeom>
+        </p:spPr>
+      </p:pic>
+      <p:pic>
+        <p:nvPicPr>
+          <p:cNvPr id="14" name="그림 13">
+            <a:extLst>
+              <a:ext uri="{FF2B5EF4-FFF2-40B4-BE49-F238E27FC236}">
+                <a16:creationId xmlns:a16="http://schemas.microsoft.com/office/drawing/2014/main" id="{62C10E0B-8288-4E67-A17E-202F81976FA7}"/>
+              </a:ext>
+            </a:extLst>
+          </p:cNvPr>
+          <p:cNvPicPr>
+            <a:picLocks noChangeAspect="1"/>
+          </p:cNvPicPr>
+          <p:nvPr/>
+        </p:nvPicPr>
+        <p:blipFill>
+          <a:blip r:embed="rId3"/>
+          <a:stretch>
+            <a:fillRect/>
+          </a:stretch>
+        </p:blipFill>
+        <p:spPr>
+          <a:xfrm>
+            <a:off x="176029" y="111666"/>
+            <a:ext cx="5140108" cy="4230056"/>
+          </a:xfrm>
+          <a:prstGeom prst="rect">
+            <a:avLst/>
+          </a:prstGeom>
+          <a:ln>
+            <a:solidFill>
+              <a:srgbClr val="0000FF"/>
+            </a:solidFill>
+          </a:ln>
+        </p:spPr>
+      </p:pic>
+      <p:pic>
+        <p:nvPicPr>
+          <p:cNvPr id="18" name="그림 17">
+            <a:extLst>
+              <a:ext uri="{FF2B5EF4-FFF2-40B4-BE49-F238E27FC236}">
+                <a16:creationId xmlns:a16="http://schemas.microsoft.com/office/drawing/2014/main" id="{AC2E2A51-C04D-461B-9870-E3F75CC92CD2}"/>
+              </a:ext>
+            </a:extLst>
+          </p:cNvPr>
+          <p:cNvPicPr>
+            <a:picLocks noChangeAspect="1"/>
+          </p:cNvPicPr>
+          <p:nvPr/>
+        </p:nvPicPr>
+        <p:blipFill>
+          <a:blip r:embed="rId4"/>
+          <a:stretch>
+            <a:fillRect/>
+          </a:stretch>
+        </p:blipFill>
+        <p:spPr>
+          <a:xfrm>
+            <a:off x="3133901" y="719008"/>
+            <a:ext cx="5762692" cy="2964294"/>
+          </a:xfrm>
+          <a:prstGeom prst="rect">
+            <a:avLst/>
+          </a:prstGeom>
+          <a:ln>
+            <a:solidFill>
+              <a:srgbClr val="0000FF"/>
+            </a:solidFill>
+          </a:ln>
+        </p:spPr>
+      </p:pic>
+      <p:sp>
+        <p:nvSpPr>
+          <p:cNvPr id="3" name="직사각형 2">
+            <a:extLst>
+              <a:ext uri="{FF2B5EF4-FFF2-40B4-BE49-F238E27FC236}">
+                <a16:creationId xmlns:a16="http://schemas.microsoft.com/office/drawing/2014/main" id="{EA0A12EC-0475-45C8-A0DD-558BD3DD0AED}"/>
+              </a:ext>
+            </a:extLst>
+          </p:cNvPr>
+          <p:cNvSpPr/>
+          <p:nvPr/>
+        </p:nvSpPr>
+        <p:spPr>
+          <a:xfrm>
+            <a:off x="1801640" y="3595453"/>
+            <a:ext cx="936477" cy="513243"/>
+          </a:xfrm>
+          <a:prstGeom prst="rect">
+            <a:avLst/>
+          </a:prstGeom>
+          <a:noFill/>
+          <a:ln w="28575">
+            <a:solidFill>
+              <a:srgbClr val="FF0000"/>
+            </a:solidFill>
+          </a:ln>
+        </p:spPr>
+        <p:style>
+          <a:lnRef idx="2">
+            <a:schemeClr val="accent1">
+              <a:shade val="50000"/>
+            </a:schemeClr>
+          </a:lnRef>
+          <a:fillRef idx="1">
+            <a:schemeClr val="accent1"/>
+          </a:fillRef>
+          <a:effectRef idx="0">
+            <a:schemeClr val="accent1"/>
+          </a:effectRef>
+          <a:fontRef idx="minor">
+            <a:schemeClr val="lt1"/>
+          </a:fontRef>
+        </p:style>
+        <p:txBody>
+          <a:bodyPr rtlCol="0" anchor="ctr"/>
+          <a:lstStyle/>
+          <a:p>
+            <a:pPr algn="ctr"/>
+            <a:endParaRPr lang="ko-KR" altLang="en-US"/>
+          </a:p>
+        </p:txBody>
+      </p:sp>
+      <p:sp>
+        <p:nvSpPr>
+          <p:cNvPr id="5" name="직사각형 4">
+            <a:extLst>
+              <a:ext uri="{FF2B5EF4-FFF2-40B4-BE49-F238E27FC236}">
+                <a16:creationId xmlns:a16="http://schemas.microsoft.com/office/drawing/2014/main" id="{C64FBE30-E8D2-48DA-8243-05D64F6D54AB}"/>
+              </a:ext>
+            </a:extLst>
+          </p:cNvPr>
+          <p:cNvSpPr/>
+          <p:nvPr/>
+        </p:nvSpPr>
+        <p:spPr>
+          <a:xfrm>
+            <a:off x="8062498" y="2453617"/>
+            <a:ext cx="640393" cy="456870"/>
+          </a:xfrm>
+          <a:prstGeom prst="rect">
+            <a:avLst/>
+          </a:prstGeom>
+          <a:noFill/>
+          <a:ln w="28575">
+            <a:solidFill>
+              <a:srgbClr val="FF0000"/>
+            </a:solidFill>
+          </a:ln>
+        </p:spPr>
+        <p:style>
+          <a:lnRef idx="2">
+            <a:schemeClr val="accent1">
+              <a:shade val="50000"/>
+            </a:schemeClr>
+          </a:lnRef>
+          <a:fillRef idx="1">
+            <a:schemeClr val="accent1"/>
+          </a:fillRef>
+          <a:effectRef idx="0">
+            <a:schemeClr val="accent1"/>
+          </a:effectRef>
+          <a:fontRef idx="minor">
+            <a:schemeClr val="lt1"/>
+          </a:fontRef>
+        </p:style>
+        <p:txBody>
+          <a:bodyPr rtlCol="0" anchor="ctr"/>
+          <a:lstStyle/>
+          <a:p>
+            <a:pPr algn="ctr"/>
+            <a:endParaRPr lang="ko-KR" altLang="en-US"/>
+          </a:p>
+        </p:txBody>
+      </p:sp>
+      <p:cxnSp>
+        <p:nvCxnSpPr>
+          <p:cNvPr id="6" name="직선 화살표 연결선 5">
+            <a:extLst>
+              <a:ext uri="{FF2B5EF4-FFF2-40B4-BE49-F238E27FC236}">
+                <a16:creationId xmlns:a16="http://schemas.microsoft.com/office/drawing/2014/main" id="{7502022D-7A0F-405A-A316-728A63911655}"/>
+              </a:ext>
+            </a:extLst>
+          </p:cNvPr>
+          <p:cNvCxnSpPr>
+            <a:cxnSpLocks/>
+            <a:stCxn id="3" idx="3"/>
+            <a:endCxn id="5" idx="1"/>
+          </p:cNvCxnSpPr>
+          <p:nvPr/>
+        </p:nvCxnSpPr>
+        <p:spPr>
+          <a:xfrm flipV="1">
+            <a:off x="2738117" y="2682052"/>
+            <a:ext cx="5324381" cy="1170023"/>
+          </a:xfrm>
+          <a:prstGeom prst="straightConnector1">
+            <a:avLst/>
+          </a:prstGeom>
+          <a:ln w="28575">
+            <a:solidFill>
+              <a:srgbClr val="FF0000"/>
+            </a:solidFill>
+            <a:tailEnd type="triangle"/>
+          </a:ln>
+        </p:spPr>
+        <p:style>
+          <a:lnRef idx="1">
+            <a:schemeClr val="accent1"/>
+          </a:lnRef>
+          <a:fillRef idx="0">
+            <a:schemeClr val="accent1"/>
+          </a:fillRef>
+          <a:effectRef idx="0">
+            <a:schemeClr val="accent1"/>
+          </a:effectRef>
+          <a:fontRef idx="minor">
+            <a:schemeClr val="tx1"/>
+          </a:fontRef>
+        </p:style>
+      </p:cxnSp>
+      <p:sp>
+        <p:nvSpPr>
+          <p:cNvPr id="31" name="직사각형 30">
+            <a:extLst>
+              <a:ext uri="{FF2B5EF4-FFF2-40B4-BE49-F238E27FC236}">
+                <a16:creationId xmlns:a16="http://schemas.microsoft.com/office/drawing/2014/main" id="{53DD9783-91BB-4E82-9EFD-38AF15E520AB}"/>
+              </a:ext>
+            </a:extLst>
+          </p:cNvPr>
+          <p:cNvSpPr/>
+          <p:nvPr/>
+        </p:nvSpPr>
+        <p:spPr>
+          <a:xfrm>
+            <a:off x="2105690" y="5866053"/>
+            <a:ext cx="6486048" cy="228435"/>
+          </a:xfrm>
+          <a:prstGeom prst="rect">
+            <a:avLst/>
+          </a:prstGeom>
+          <a:noFill/>
+          <a:ln w="28575">
+            <a:solidFill>
+              <a:srgbClr val="FF0000"/>
+            </a:solidFill>
+          </a:ln>
+        </p:spPr>
+        <p:style>
+          <a:lnRef idx="2">
+            <a:schemeClr val="accent1">
+              <a:shade val="50000"/>
+            </a:schemeClr>
+          </a:lnRef>
+          <a:fillRef idx="1">
+            <a:schemeClr val="accent1"/>
+          </a:fillRef>
+          <a:effectRef idx="0">
+            <a:schemeClr val="accent1"/>
+          </a:effectRef>
+          <a:fontRef idx="minor">
+            <a:schemeClr val="lt1"/>
+          </a:fontRef>
+        </p:style>
+        <p:txBody>
+          <a:bodyPr rtlCol="0" anchor="ctr"/>
+          <a:lstStyle/>
+          <a:p>
+            <a:pPr algn="ctr"/>
+            <a:endParaRPr lang="ko-KR" altLang="en-US"/>
+          </a:p>
+        </p:txBody>
+      </p:sp>
+      <p:sp>
+        <p:nvSpPr>
+          <p:cNvPr id="32" name="직사각형 31">
+            <a:extLst>
+              <a:ext uri="{FF2B5EF4-FFF2-40B4-BE49-F238E27FC236}">
+                <a16:creationId xmlns:a16="http://schemas.microsoft.com/office/drawing/2014/main" id="{EF1F107B-56D8-4A9E-A101-3CFEAC525552}"/>
+              </a:ext>
+            </a:extLst>
+          </p:cNvPr>
+          <p:cNvSpPr/>
+          <p:nvPr/>
+        </p:nvSpPr>
+        <p:spPr>
+          <a:xfrm>
+            <a:off x="6974573" y="6524527"/>
+            <a:ext cx="603177" cy="228435"/>
+          </a:xfrm>
+          <a:prstGeom prst="rect">
+            <a:avLst/>
+          </a:prstGeom>
+          <a:noFill/>
+          <a:ln w="28575">
+            <a:solidFill>
+              <a:srgbClr val="FF0000"/>
+            </a:solidFill>
+          </a:ln>
+        </p:spPr>
+        <p:style>
+          <a:lnRef idx="2">
+            <a:schemeClr val="accent1">
+              <a:shade val="50000"/>
+            </a:schemeClr>
+          </a:lnRef>
+          <a:fillRef idx="1">
+            <a:schemeClr val="accent1"/>
+          </a:fillRef>
+          <a:effectRef idx="0">
+            <a:schemeClr val="accent1"/>
+          </a:effectRef>
+          <a:fontRef idx="minor">
+            <a:schemeClr val="lt1"/>
+          </a:fontRef>
+        </p:style>
+        <p:txBody>
+          <a:bodyPr rtlCol="0" anchor="ctr"/>
+          <a:lstStyle/>
+          <a:p>
+            <a:pPr algn="ctr"/>
+            <a:endParaRPr lang="ko-KR" altLang="en-US"/>
+          </a:p>
+        </p:txBody>
+      </p:sp>
+      <p:cxnSp>
+        <p:nvCxnSpPr>
+          <p:cNvPr id="33" name="직선 화살표 연결선 32">
+            <a:extLst>
+              <a:ext uri="{FF2B5EF4-FFF2-40B4-BE49-F238E27FC236}">
+                <a16:creationId xmlns:a16="http://schemas.microsoft.com/office/drawing/2014/main" id="{17B34098-62A1-4890-87D4-413CB6AC556B}"/>
+              </a:ext>
+            </a:extLst>
+          </p:cNvPr>
+          <p:cNvCxnSpPr>
+            <a:cxnSpLocks/>
+            <a:stCxn id="5" idx="2"/>
+            <a:endCxn id="31" idx="0"/>
+          </p:cNvCxnSpPr>
+          <p:nvPr/>
+        </p:nvCxnSpPr>
+        <p:spPr>
+          <a:xfrm flipH="1">
+            <a:off x="5348714" y="2910487"/>
+            <a:ext cx="3033981" cy="2955566"/>
+          </a:xfrm>
+          <a:prstGeom prst="straightConnector1">
+            <a:avLst/>
+          </a:prstGeom>
+          <a:ln w="28575">
+            <a:solidFill>
+              <a:srgbClr val="FF0000"/>
+            </a:solidFill>
+            <a:tailEnd type="triangle"/>
+          </a:ln>
+        </p:spPr>
+        <p:style>
+          <a:lnRef idx="1">
+            <a:schemeClr val="accent1"/>
+          </a:lnRef>
+          <a:fillRef idx="0">
+            <a:schemeClr val="accent1"/>
+          </a:fillRef>
+          <a:effectRef idx="0">
+            <a:schemeClr val="accent1"/>
+          </a:effectRef>
+          <a:fontRef idx="minor">
+            <a:schemeClr val="tx1"/>
+          </a:fontRef>
+        </p:style>
+      </p:cxnSp>
+      <p:cxnSp>
+        <p:nvCxnSpPr>
+          <p:cNvPr id="36" name="직선 화살표 연결선 35">
+            <a:extLst>
+              <a:ext uri="{FF2B5EF4-FFF2-40B4-BE49-F238E27FC236}">
+                <a16:creationId xmlns:a16="http://schemas.microsoft.com/office/drawing/2014/main" id="{95BF6E84-61E7-4399-AB17-1F58C3B03F21}"/>
+              </a:ext>
+            </a:extLst>
+          </p:cNvPr>
+          <p:cNvCxnSpPr>
+            <a:cxnSpLocks/>
+            <a:stCxn id="31" idx="2"/>
+            <a:endCxn id="32" idx="1"/>
+          </p:cNvCxnSpPr>
+          <p:nvPr/>
+        </p:nvCxnSpPr>
+        <p:spPr>
+          <a:xfrm>
+            <a:off x="5348714" y="6094488"/>
+            <a:ext cx="1625859" cy="544257"/>
+          </a:xfrm>
+          <a:prstGeom prst="straightConnector1">
+            <a:avLst/>
+          </a:prstGeom>
+          <a:ln w="28575">
+            <a:solidFill>
+              <a:srgbClr val="FF0000"/>
+            </a:solidFill>
+            <a:tailEnd type="triangle"/>
+          </a:ln>
+        </p:spPr>
+        <p:style>
+          <a:lnRef idx="1">
+            <a:schemeClr val="accent1"/>
+          </a:lnRef>
+          <a:fillRef idx="0">
+            <a:schemeClr val="accent1"/>
+          </a:fillRef>
+          <a:effectRef idx="0">
+            <a:schemeClr val="accent1"/>
+          </a:effectRef>
+          <a:fontRef idx="minor">
+            <a:schemeClr val="tx1"/>
+          </a:fontRef>
+        </p:style>
+      </p:cxnSp>
+      <p:sp>
+        <p:nvSpPr>
+          <p:cNvPr id="42" name="TextBox 41">
+            <a:extLst>
+              <a:ext uri="{FF2B5EF4-FFF2-40B4-BE49-F238E27FC236}">
+                <a16:creationId xmlns:a16="http://schemas.microsoft.com/office/drawing/2014/main" id="{80BFEA21-268C-4097-9835-30241856897B}"/>
+              </a:ext>
+            </a:extLst>
+          </p:cNvPr>
+          <p:cNvSpPr txBox="1"/>
+          <p:nvPr/>
+        </p:nvSpPr>
+        <p:spPr>
+          <a:xfrm>
+            <a:off x="1332535" y="3625913"/>
+            <a:ext cx="484694" cy="369332"/>
+          </a:xfrm>
+          <a:prstGeom prst="rect">
+            <a:avLst/>
+          </a:prstGeom>
+          <a:noFill/>
+        </p:spPr>
+        <p:txBody>
+          <a:bodyPr wrap="square">
+            <a:spAutoFit/>
+          </a:bodyPr>
+          <a:lstStyle/>
+          <a:p>
+            <a:r>
+              <a:rPr lang="en-US" altLang="ko-KR" sz="1800" dirty="0">
+                <a:solidFill>
+                  <a:srgbClr val="FF0000"/>
+                </a:solidFill>
+              </a:rPr>
+              <a:t>①</a:t>
+            </a:r>
+            <a:endParaRPr lang="ko-KR" altLang="en-US" dirty="0"/>
+          </a:p>
+        </p:txBody>
+      </p:sp>
+      <p:sp>
+        <p:nvSpPr>
+          <p:cNvPr id="43" name="TextBox 42">
+            <a:extLst>
+              <a:ext uri="{FF2B5EF4-FFF2-40B4-BE49-F238E27FC236}">
+                <a16:creationId xmlns:a16="http://schemas.microsoft.com/office/drawing/2014/main" id="{EA19C5E7-5E3C-41D9-A57B-BBEA25C800F0}"/>
+              </a:ext>
+            </a:extLst>
+          </p:cNvPr>
+          <p:cNvSpPr txBox="1"/>
+          <p:nvPr/>
+        </p:nvSpPr>
+        <p:spPr>
+          <a:xfrm>
+            <a:off x="8218197" y="2041743"/>
+            <a:ext cx="484694" cy="369332"/>
+          </a:xfrm>
+          <a:prstGeom prst="rect">
+            <a:avLst/>
+          </a:prstGeom>
+          <a:noFill/>
+        </p:spPr>
+        <p:txBody>
+          <a:bodyPr wrap="square">
+            <a:spAutoFit/>
+          </a:bodyPr>
+          <a:lstStyle/>
+          <a:p>
+            <a:r>
+              <a:rPr lang="en-US" altLang="ko-KR" sz="1800" dirty="0">
+                <a:solidFill>
+                  <a:srgbClr val="FF0000"/>
+                </a:solidFill>
+              </a:rPr>
+              <a:t>②</a:t>
+            </a:r>
+            <a:endParaRPr lang="ko-KR" altLang="en-US" dirty="0"/>
+          </a:p>
+        </p:txBody>
+      </p:sp>
+      <p:sp>
+        <p:nvSpPr>
+          <p:cNvPr id="44" name="TextBox 43">
+            <a:extLst>
+              <a:ext uri="{FF2B5EF4-FFF2-40B4-BE49-F238E27FC236}">
+                <a16:creationId xmlns:a16="http://schemas.microsoft.com/office/drawing/2014/main" id="{200B0719-A890-4CCF-90F8-CF0740AE425E}"/>
+              </a:ext>
+            </a:extLst>
+          </p:cNvPr>
+          <p:cNvSpPr txBox="1"/>
+          <p:nvPr/>
+        </p:nvSpPr>
+        <p:spPr>
+          <a:xfrm>
+            <a:off x="4979084" y="6060778"/>
+            <a:ext cx="484694" cy="369332"/>
+          </a:xfrm>
+          <a:prstGeom prst="rect">
+            <a:avLst/>
+          </a:prstGeom>
+          <a:noFill/>
+        </p:spPr>
+        <p:txBody>
+          <a:bodyPr wrap="square">
+            <a:spAutoFit/>
+          </a:bodyPr>
+          <a:lstStyle/>
+          <a:p>
+            <a:r>
+              <a:rPr lang="en-US" altLang="ko-KR" sz="1800" dirty="0">
+                <a:solidFill>
+                  <a:srgbClr val="FF0000"/>
+                </a:solidFill>
+              </a:rPr>
+              <a:t>③</a:t>
+            </a:r>
+            <a:endParaRPr lang="ko-KR" altLang="en-US" dirty="0"/>
+          </a:p>
+        </p:txBody>
+      </p:sp>
+      <p:sp>
+        <p:nvSpPr>
+          <p:cNvPr id="45" name="TextBox 44">
+            <a:extLst>
+              <a:ext uri="{FF2B5EF4-FFF2-40B4-BE49-F238E27FC236}">
+                <a16:creationId xmlns:a16="http://schemas.microsoft.com/office/drawing/2014/main" id="{428ED200-B677-4960-8BBC-C8742BA39558}"/>
+              </a:ext>
+            </a:extLst>
+          </p:cNvPr>
+          <p:cNvSpPr txBox="1"/>
+          <p:nvPr/>
+        </p:nvSpPr>
+        <p:spPr>
+          <a:xfrm>
+            <a:off x="7029299" y="6152972"/>
+            <a:ext cx="484694" cy="369332"/>
+          </a:xfrm>
+          <a:prstGeom prst="rect">
+            <a:avLst/>
+          </a:prstGeom>
+          <a:noFill/>
+        </p:spPr>
+        <p:txBody>
+          <a:bodyPr wrap="square">
+            <a:spAutoFit/>
+          </a:bodyPr>
+          <a:lstStyle/>
+          <a:p>
+            <a:r>
+              <a:rPr lang="en-US" altLang="ko-KR" sz="1800" dirty="0">
+                <a:solidFill>
+                  <a:srgbClr val="FF0000"/>
+                </a:solidFill>
+              </a:rPr>
+              <a:t>④</a:t>
+            </a:r>
+            <a:endParaRPr lang="ko-KR" altLang="en-US" dirty="0"/>
+          </a:p>
+        </p:txBody>
+      </p:sp>
+    </p:spTree>
+    <p:extLst>
+      <p:ext uri="{BB962C8B-B14F-4D97-AF65-F5344CB8AC3E}">
+        <p14:creationId xmlns:p14="http://schemas.microsoft.com/office/powerpoint/2010/main" val="2563904587"/>
+      </p:ext>
+    </p:extLst>
+  </p:cSld>
+  <p:clrMapOvr>
+    <a:masterClrMapping/>
+  </p:clrMapOvr>
+</p:sld>
+</file>
+
+<file path=ppt/slides/slide15.xml><?xml version="1.0" encoding="utf-8"?>
+<p:sld xmlns:a="http://schemas.openxmlformats.org/drawingml/2006/main" xmlns:r="http://schemas.openxmlformats.org/officeDocument/2006/relationships" xmlns:p="http://schemas.openxmlformats.org/presentationml/2006/main">
+  <p:cSld>
+    <p:spTree>
+      <p:nvGrpSpPr>
+        <p:cNvPr id="1" name=""/>
+        <p:cNvGrpSpPr/>
+        <p:nvPr/>
+      </p:nvGrpSpPr>
+      <p:grpSpPr>
+        <a:xfrm>
+          <a:off x="0" y="0"/>
+          <a:ext cx="0" cy="0"/>
+          <a:chOff x="0" y="0"/>
+          <a:chExt cx="0" cy="0"/>
+        </a:xfrm>
+      </p:grpSpPr>
+    </p:spTree>
+    <p:extLst>
+      <p:ext uri="{BB962C8B-B14F-4D97-AF65-F5344CB8AC3E}">
+        <p14:creationId xmlns:p14="http://schemas.microsoft.com/office/powerpoint/2010/main" val="773497706"/>
+      </p:ext>
+    </p:extLst>
+  </p:cSld>
+  <p:clrMapOvr>
+    <a:masterClrMapping/>
+  </p:clrMapOvr>
+</p:sld>
+</file>
+
 <file path=ppt/slides/slide2.xml><?xml version="1.0" encoding="utf-8"?>
 <p:sld xmlns:a="http://schemas.openxmlformats.org/drawingml/2006/main" xmlns:r="http://schemas.openxmlformats.org/officeDocument/2006/relationships" xmlns:p="http://schemas.openxmlformats.org/presentationml/2006/main">
   <p:cSld>
@@ -5825,6 +7654,1761 @@
     <p:extLst>
       <p:ext uri="{BB962C8B-B14F-4D97-AF65-F5344CB8AC3E}">
         <p14:creationId xmlns:p14="http://schemas.microsoft.com/office/powerpoint/2010/main" val="1330976303"/>
+      </p:ext>
+    </p:extLst>
+  </p:cSld>
+  <p:clrMapOvr>
+    <a:masterClrMapping/>
+  </p:clrMapOvr>
+</p:sld>
+</file>
+
+<file path=ppt/slides/slide8.xml><?xml version="1.0" encoding="utf-8"?>
+<p:sld xmlns:a="http://schemas.openxmlformats.org/drawingml/2006/main" xmlns:r="http://schemas.openxmlformats.org/officeDocument/2006/relationships" xmlns:p="http://schemas.openxmlformats.org/presentationml/2006/main">
+  <p:cSld>
+    <p:spTree>
+      <p:nvGrpSpPr>
+        <p:cNvPr id="1" name=""/>
+        <p:cNvGrpSpPr/>
+        <p:nvPr/>
+      </p:nvGrpSpPr>
+      <p:grpSpPr>
+        <a:xfrm>
+          <a:off x="0" y="0"/>
+          <a:ext cx="0" cy="0"/>
+          <a:chOff x="0" y="0"/>
+          <a:chExt cx="0" cy="0"/>
+        </a:xfrm>
+      </p:grpSpPr>
+      <p:pic>
+        <p:nvPicPr>
+          <p:cNvPr id="2" name="그림 1">
+            <a:extLst>
+              <a:ext uri="{FF2B5EF4-FFF2-40B4-BE49-F238E27FC236}">
+                <a16:creationId xmlns:a16="http://schemas.microsoft.com/office/drawing/2014/main" id="{36DB0FAD-6A28-465C-BC0B-87DE2C01D5F7}"/>
+              </a:ext>
+            </a:extLst>
+          </p:cNvPr>
+          <p:cNvPicPr>
+            <a:picLocks noChangeAspect="1"/>
+          </p:cNvPicPr>
+          <p:nvPr/>
+        </p:nvPicPr>
+        <p:blipFill rotWithShape="1">
+          <a:blip r:embed="rId2">
+            <a:extLst>
+              <a:ext uri="{BEBA8EAE-BF5A-486C-A8C5-ECC9F3942E4B}">
+                <a14:imgProps xmlns:a14="http://schemas.microsoft.com/office/drawing/2010/main">
+                  <a14:imgLayer r:embed="rId3">
+                    <a14:imgEffect>
+                      <a14:backgroundRemoval t="10000" b="90000" l="10000" r="90000"/>
+                    </a14:imgEffect>
+                  </a14:imgLayer>
+                </a14:imgProps>
+              </a:ext>
+            </a:extLst>
+          </a:blip>
+          <a:srcRect l="27942" t="22122" r="12097" b="10749"/>
+          <a:stretch/>
+        </p:blipFill>
+        <p:spPr>
+          <a:xfrm>
+            <a:off x="3312053" y="2684721"/>
+            <a:ext cx="2271984" cy="1424404"/>
+          </a:xfrm>
+          <a:prstGeom prst="rect">
+            <a:avLst/>
+          </a:prstGeom>
+        </p:spPr>
+      </p:pic>
+      <p:pic>
+        <p:nvPicPr>
+          <p:cNvPr id="4" name="그림 3">
+            <a:extLst>
+              <a:ext uri="{FF2B5EF4-FFF2-40B4-BE49-F238E27FC236}">
+                <a16:creationId xmlns:a16="http://schemas.microsoft.com/office/drawing/2014/main" id="{24C8A83D-B9EE-4366-AA9F-C91E79E84A31}"/>
+              </a:ext>
+            </a:extLst>
+          </p:cNvPr>
+          <p:cNvPicPr>
+            <a:picLocks noChangeAspect="1"/>
+          </p:cNvPicPr>
+          <p:nvPr/>
+        </p:nvPicPr>
+        <p:blipFill rotWithShape="1">
+          <a:blip r:embed="rId4">
+            <a:extLst>
+              <a:ext uri="{BEBA8EAE-BF5A-486C-A8C5-ECC9F3942E4B}">
+                <a14:imgProps xmlns:a14="http://schemas.microsoft.com/office/drawing/2010/main">
+                  <a14:imgLayer r:embed="rId5">
+                    <a14:imgEffect>
+                      <a14:backgroundRemoval t="8718" b="89744" l="9653" r="92278">
+                        <a14:foregroundMark x1="74517" y1="8718" x2="74517" y2="8718"/>
+                        <a14:foregroundMark x1="92278" y1="55385" x2="92278" y2="55385"/>
+                      </a14:backgroundRemoval>
+                    </a14:imgEffect>
+                  </a14:imgLayer>
+                </a14:imgProps>
+              </a:ext>
+            </a:extLst>
+          </a:blip>
+          <a:srcRect l="11978" t="5321" r="5760" b="11464"/>
+          <a:stretch/>
+        </p:blipFill>
+        <p:spPr>
+          <a:xfrm>
+            <a:off x="2697861" y="3045039"/>
+            <a:ext cx="2180611" cy="1660814"/>
+          </a:xfrm>
+          <a:prstGeom prst="rect">
+            <a:avLst/>
+          </a:prstGeom>
+        </p:spPr>
+      </p:pic>
+      <p:pic>
+        <p:nvPicPr>
+          <p:cNvPr id="5" name="그림 4">
+            <a:extLst>
+              <a:ext uri="{FF2B5EF4-FFF2-40B4-BE49-F238E27FC236}">
+                <a16:creationId xmlns:a16="http://schemas.microsoft.com/office/drawing/2014/main" id="{371D282C-4BEB-4BF2-88A2-3E982A238BEF}"/>
+              </a:ext>
+            </a:extLst>
+          </p:cNvPr>
+          <p:cNvPicPr>
+            <a:picLocks noChangeAspect="1"/>
+          </p:cNvPicPr>
+          <p:nvPr/>
+        </p:nvPicPr>
+        <p:blipFill rotWithShape="1">
+          <a:blip r:embed="rId6">
+            <a:extLst>
+              <a:ext uri="{BEBA8EAE-BF5A-486C-A8C5-ECC9F3942E4B}">
+                <a14:imgProps xmlns:a14="http://schemas.microsoft.com/office/drawing/2010/main">
+                  <a14:imgLayer r:embed="rId7">
+                    <a14:imgEffect>
+                      <a14:backgroundRemoval t="10000" b="90000" l="10000" r="90000">
+                        <a14:foregroundMark x1="62027" y1="15625" x2="62027" y2="15625"/>
+                        <a14:foregroundMark x1="60676" y1="16587" x2="60676" y2="16587"/>
+                        <a14:foregroundMark x1="59459" y1="17308" x2="75135" y2="10577"/>
+                        <a14:backgroundMark x1="77838" y1="11298" x2="77838" y2="11298"/>
+                        <a14:backgroundMark x1="75135" y1="10337" x2="75135" y2="10337"/>
+                        <a14:backgroundMark x1="78514" y1="13702" x2="78514" y2="13702"/>
+                      </a14:backgroundRemoval>
+                    </a14:imgEffect>
+                  </a14:imgLayer>
+                </a14:imgProps>
+              </a:ext>
+            </a:extLst>
+          </a:blip>
+          <a:srcRect l="25135" t="6923" r="13351" b="8077"/>
+          <a:stretch/>
+        </p:blipFill>
+        <p:spPr>
+          <a:xfrm rot="1419302">
+            <a:off x="1341487" y="1870859"/>
+            <a:ext cx="2271984" cy="1764880"/>
+          </a:xfrm>
+          <a:prstGeom prst="rect">
+            <a:avLst/>
+          </a:prstGeom>
+        </p:spPr>
+      </p:pic>
+      <p:pic>
+        <p:nvPicPr>
+          <p:cNvPr id="6" name="그림 5">
+            <a:extLst>
+              <a:ext uri="{FF2B5EF4-FFF2-40B4-BE49-F238E27FC236}">
+                <a16:creationId xmlns:a16="http://schemas.microsoft.com/office/drawing/2014/main" id="{579496AB-11B7-47DB-8F6A-A24B7B3F033E}"/>
+              </a:ext>
+            </a:extLst>
+          </p:cNvPr>
+          <p:cNvPicPr>
+            <a:picLocks noChangeAspect="1"/>
+          </p:cNvPicPr>
+          <p:nvPr/>
+        </p:nvPicPr>
+        <p:blipFill rotWithShape="1">
+          <a:blip r:embed="rId8">
+            <a:extLst>
+              <a:ext uri="{BEBA8EAE-BF5A-486C-A8C5-ECC9F3942E4B}">
+                <a14:imgProps xmlns:a14="http://schemas.microsoft.com/office/drawing/2010/main">
+                  <a14:imgLayer r:embed="rId9">
+                    <a14:imgEffect>
+                      <a14:backgroundRemoval t="10000" b="90000" l="10000" r="90000">
+                        <a14:backgroundMark x1="32199" y1="18900" x2="32199" y2="18900"/>
+                        <a14:backgroundMark x1="33901" y1="19617" x2="33901" y2="19617"/>
+                        <a14:backgroundMark x1="39005" y1="19856" x2="39005" y2="19856"/>
+                        <a14:backgroundMark x1="45550" y1="20096" x2="45550" y2="20096"/>
+                        <a14:backgroundMark x1="64660" y1="20813" x2="64660" y2="20813"/>
+                        <a14:backgroundMark x1="61649" y1="21292" x2="61649" y2="21292"/>
+                        <a14:backgroundMark x1="27618" y1="21292" x2="27618" y2="21292"/>
+                        <a14:backgroundMark x1="62565" y1="21053" x2="62565" y2="21053"/>
+                      </a14:backgroundRemoval>
+                    </a14:imgEffect>
+                  </a14:imgLayer>
+                </a14:imgProps>
+              </a:ext>
+            </a:extLst>
+          </a:blip>
+          <a:srcRect l="15964" t="22518" r="22429" b="22630"/>
+          <a:stretch/>
+        </p:blipFill>
+        <p:spPr>
+          <a:xfrm>
+            <a:off x="355108" y="3045039"/>
+            <a:ext cx="2350958" cy="1145220"/>
+          </a:xfrm>
+          <a:prstGeom prst="rect">
+            <a:avLst/>
+          </a:prstGeom>
+        </p:spPr>
+      </p:pic>
+    </p:spTree>
+    <p:extLst>
+      <p:ext uri="{BB962C8B-B14F-4D97-AF65-F5344CB8AC3E}">
+        <p14:creationId xmlns:p14="http://schemas.microsoft.com/office/powerpoint/2010/main" val="1632716834"/>
+      </p:ext>
+    </p:extLst>
+  </p:cSld>
+  <p:clrMapOvr>
+    <a:masterClrMapping/>
+  </p:clrMapOvr>
+</p:sld>
+</file>
+
+<file path=ppt/slides/slide9.xml><?xml version="1.0" encoding="utf-8"?>
+<p:sld xmlns:a="http://schemas.openxmlformats.org/drawingml/2006/main" xmlns:r="http://schemas.openxmlformats.org/officeDocument/2006/relationships" xmlns:p="http://schemas.openxmlformats.org/presentationml/2006/main">
+  <p:cSld>
+    <p:spTree>
+      <p:nvGrpSpPr>
+        <p:cNvPr id="1" name=""/>
+        <p:cNvGrpSpPr/>
+        <p:nvPr/>
+      </p:nvGrpSpPr>
+      <p:grpSpPr>
+        <a:xfrm>
+          <a:off x="0" y="0"/>
+          <a:ext cx="0" cy="0"/>
+          <a:chOff x="0" y="0"/>
+          <a:chExt cx="0" cy="0"/>
+        </a:xfrm>
+      </p:grpSpPr>
+      <p:pic>
+        <p:nvPicPr>
+          <p:cNvPr id="2" name="내용 개체 틀 4">
+            <a:extLst>
+              <a:ext uri="{FF2B5EF4-FFF2-40B4-BE49-F238E27FC236}">
+                <a16:creationId xmlns:a16="http://schemas.microsoft.com/office/drawing/2014/main" id="{749D80CC-1668-4065-92B2-6F8AACAFBBC3}"/>
+              </a:ext>
+            </a:extLst>
+          </p:cNvPr>
+          <p:cNvPicPr>
+            <a:picLocks noChangeAspect="1"/>
+          </p:cNvPicPr>
+          <p:nvPr/>
+        </p:nvPicPr>
+        <p:blipFill>
+          <a:blip r:embed="rId2"/>
+          <a:stretch>
+            <a:fillRect/>
+          </a:stretch>
+        </p:blipFill>
+        <p:spPr>
+          <a:xfrm>
+            <a:off x="135331" y="992757"/>
+            <a:ext cx="2081424" cy="2652267"/>
+          </a:xfrm>
+          <a:prstGeom prst="rect">
+            <a:avLst/>
+          </a:prstGeom>
+        </p:spPr>
+      </p:pic>
+      <p:pic>
+        <p:nvPicPr>
+          <p:cNvPr id="3" name="그림 2">
+            <a:extLst>
+              <a:ext uri="{FF2B5EF4-FFF2-40B4-BE49-F238E27FC236}">
+                <a16:creationId xmlns:a16="http://schemas.microsoft.com/office/drawing/2014/main" id="{D1CF7C50-E151-4FC2-A9D6-EA946450D35D}"/>
+              </a:ext>
+            </a:extLst>
+          </p:cNvPr>
+          <p:cNvPicPr>
+            <a:picLocks noChangeAspect="1"/>
+          </p:cNvPicPr>
+          <p:nvPr/>
+        </p:nvPicPr>
+        <p:blipFill>
+          <a:blip r:embed="rId3"/>
+          <a:stretch>
+            <a:fillRect/>
+          </a:stretch>
+        </p:blipFill>
+        <p:spPr>
+          <a:xfrm>
+            <a:off x="2916262" y="1046735"/>
+            <a:ext cx="1334452" cy="2153553"/>
+          </a:xfrm>
+          <a:prstGeom prst="rect">
+            <a:avLst/>
+          </a:prstGeom>
+          <a:ln>
+            <a:solidFill>
+              <a:srgbClr val="0000FF"/>
+            </a:solidFill>
+          </a:ln>
+        </p:spPr>
+      </p:pic>
+      <p:pic>
+        <p:nvPicPr>
+          <p:cNvPr id="4" name="그림 3">
+            <a:extLst>
+              <a:ext uri="{FF2B5EF4-FFF2-40B4-BE49-F238E27FC236}">
+                <a16:creationId xmlns:a16="http://schemas.microsoft.com/office/drawing/2014/main" id="{5046F6B6-5928-4C62-9509-A4C074E78391}"/>
+              </a:ext>
+            </a:extLst>
+          </p:cNvPr>
+          <p:cNvPicPr>
+            <a:picLocks noChangeAspect="1"/>
+          </p:cNvPicPr>
+          <p:nvPr/>
+        </p:nvPicPr>
+        <p:blipFill>
+          <a:blip r:embed="rId4"/>
+          <a:stretch>
+            <a:fillRect/>
+          </a:stretch>
+        </p:blipFill>
+        <p:spPr>
+          <a:xfrm>
+            <a:off x="5364088" y="3562591"/>
+            <a:ext cx="1334452" cy="2148101"/>
+          </a:xfrm>
+          <a:prstGeom prst="rect">
+            <a:avLst/>
+          </a:prstGeom>
+          <a:ln>
+            <a:solidFill>
+              <a:srgbClr val="0000FF"/>
+            </a:solidFill>
+          </a:ln>
+        </p:spPr>
+      </p:pic>
+      <p:pic>
+        <p:nvPicPr>
+          <p:cNvPr id="5" name="그림 4">
+            <a:extLst>
+              <a:ext uri="{FF2B5EF4-FFF2-40B4-BE49-F238E27FC236}">
+                <a16:creationId xmlns:a16="http://schemas.microsoft.com/office/drawing/2014/main" id="{494B14B1-110B-4867-811D-429A595FDBA4}"/>
+              </a:ext>
+            </a:extLst>
+          </p:cNvPr>
+          <p:cNvPicPr>
+            <a:picLocks noChangeAspect="1"/>
+          </p:cNvPicPr>
+          <p:nvPr/>
+        </p:nvPicPr>
+        <p:blipFill>
+          <a:blip r:embed="rId5"/>
+          <a:stretch>
+            <a:fillRect/>
+          </a:stretch>
+        </p:blipFill>
+        <p:spPr>
+          <a:xfrm>
+            <a:off x="4375575" y="1050021"/>
+            <a:ext cx="1334452" cy="2141967"/>
+          </a:xfrm>
+          <a:prstGeom prst="rect">
+            <a:avLst/>
+          </a:prstGeom>
+          <a:ln>
+            <a:solidFill>
+              <a:srgbClr val="0000FF"/>
+            </a:solidFill>
+          </a:ln>
+        </p:spPr>
+      </p:pic>
+      <p:sp>
+        <p:nvSpPr>
+          <p:cNvPr id="6" name="타원 5">
+            <a:extLst>
+              <a:ext uri="{FF2B5EF4-FFF2-40B4-BE49-F238E27FC236}">
+                <a16:creationId xmlns:a16="http://schemas.microsoft.com/office/drawing/2014/main" id="{B92031BB-5F29-4173-9844-11BE55A7F7AE}"/>
+              </a:ext>
+            </a:extLst>
+          </p:cNvPr>
+          <p:cNvSpPr/>
+          <p:nvPr/>
+        </p:nvSpPr>
+        <p:spPr>
+          <a:xfrm>
+            <a:off x="4004878" y="1163528"/>
+            <a:ext cx="288034" cy="261610"/>
+          </a:xfrm>
+          <a:prstGeom prst="ellipse">
+            <a:avLst/>
+          </a:prstGeom>
+          <a:noFill/>
+          <a:ln>
+            <a:solidFill>
+              <a:srgbClr val="FF0000"/>
+            </a:solidFill>
+          </a:ln>
+        </p:spPr>
+        <p:style>
+          <a:lnRef idx="2">
+            <a:schemeClr val="accent1">
+              <a:shade val="50000"/>
+            </a:schemeClr>
+          </a:lnRef>
+          <a:fillRef idx="1">
+            <a:schemeClr val="accent1"/>
+          </a:fillRef>
+          <a:effectRef idx="0">
+            <a:schemeClr val="accent1"/>
+          </a:effectRef>
+          <a:fontRef idx="minor">
+            <a:schemeClr val="lt1"/>
+          </a:fontRef>
+        </p:style>
+        <p:txBody>
+          <a:bodyPr rtlCol="0" anchor="ctr"/>
+          <a:lstStyle/>
+          <a:p>
+            <a:pPr algn="ctr"/>
+            <a:endParaRPr lang="ko-KR" altLang="en-US"/>
+          </a:p>
+        </p:txBody>
+      </p:sp>
+      <p:pic>
+        <p:nvPicPr>
+          <p:cNvPr id="7" name="내용 개체 틀 4">
+            <a:extLst>
+              <a:ext uri="{FF2B5EF4-FFF2-40B4-BE49-F238E27FC236}">
+                <a16:creationId xmlns:a16="http://schemas.microsoft.com/office/drawing/2014/main" id="{1F6735FD-A286-42E1-BAD1-AF53A9A41EF4}"/>
+              </a:ext>
+            </a:extLst>
+          </p:cNvPr>
+          <p:cNvPicPr>
+            <a:picLocks noChangeAspect="1"/>
+          </p:cNvPicPr>
+          <p:nvPr/>
+        </p:nvPicPr>
+        <p:blipFill>
+          <a:blip r:embed="rId6"/>
+          <a:stretch>
+            <a:fillRect/>
+          </a:stretch>
+        </p:blipFill>
+        <p:spPr>
+          <a:xfrm>
+            <a:off x="135331" y="3816174"/>
+            <a:ext cx="2437683" cy="2486788"/>
+          </a:xfrm>
+          <a:prstGeom prst="rect">
+            <a:avLst/>
+          </a:prstGeom>
+          <a:ln>
+            <a:solidFill>
+              <a:srgbClr val="0000FF"/>
+            </a:solidFill>
+          </a:ln>
+        </p:spPr>
+      </p:pic>
+      <p:pic>
+        <p:nvPicPr>
+          <p:cNvPr id="8" name="그림 7">
+            <a:extLst>
+              <a:ext uri="{FF2B5EF4-FFF2-40B4-BE49-F238E27FC236}">
+                <a16:creationId xmlns:a16="http://schemas.microsoft.com/office/drawing/2014/main" id="{E4F62A11-5D06-4CDD-A08A-BCB11F4B0861}"/>
+              </a:ext>
+            </a:extLst>
+          </p:cNvPr>
+          <p:cNvPicPr>
+            <a:picLocks noChangeAspect="1"/>
+          </p:cNvPicPr>
+          <p:nvPr/>
+        </p:nvPicPr>
+        <p:blipFill>
+          <a:blip r:embed="rId7">
+            <a:extLst>
+              <a:ext uri="{BEBA8EAE-BF5A-486C-A8C5-ECC9F3942E4B}">
+                <a14:imgProps xmlns:a14="http://schemas.microsoft.com/office/drawing/2010/main">
+                  <a14:imgLayer r:embed="rId8">
+                    <a14:imgEffect>
+                      <a14:backgroundRemoval t="9184" b="89796" l="1692" r="97385">
+                        <a14:foregroundMark x1="9692" y1="18367" x2="18308" y2="25510"/>
+                        <a14:foregroundMark x1="4000" y1="32653" x2="14462" y2="32653"/>
+                        <a14:foregroundMark x1="6769" y1="33673" x2="24615" y2="28571"/>
+                        <a14:foregroundMark x1="4154" y1="42857" x2="45538" y2="44898"/>
+                        <a14:foregroundMark x1="45538" y1="44898" x2="53385" y2="39796"/>
+                        <a14:foregroundMark x1="53385" y1="39796" x2="54154" y2="39796"/>
+                        <a14:foregroundMark x1="45692" y1="38776" x2="89538" y2="40816"/>
+                        <a14:foregroundMark x1="96692" y1="64513" x2="97538" y2="63265"/>
+                        <a14:foregroundMark x1="12338" y1="78913" x2="12246" y2="78927"/>
+                        <a14:foregroundMark x1="32923" y1="16327" x2="13385" y2="9184"/>
+                        <a14:foregroundMark x1="1692" y1="23469" x2="2769" y2="83673"/>
+                        <a14:backgroundMark x1="5538" y1="66327" x2="8000" y2="65306"/>
+                        <a14:backgroundMark x1="5385" y1="63265" x2="10308" y2="67347"/>
+                        <a14:backgroundMark x1="5385" y1="65306" x2="13385" y2="67347"/>
+                        <a14:backgroundMark x1="13385" y1="67347" x2="21385" y2="62245"/>
+                        <a14:backgroundMark x1="21385" y1="62245" x2="17692" y2="67347"/>
+                        <a14:backgroundMark x1="13538" y1="67347" x2="22615" y2="65306"/>
+                        <a14:backgroundMark x1="22615" y1="65306" x2="23231" y2="65306"/>
+                        <a14:backgroundMark x1="26000" y1="65306" x2="34308" y2="65306"/>
+                        <a14:backgroundMark x1="22154" y1="63265" x2="37846" y2="63265"/>
+                        <a14:backgroundMark x1="23077" y1="69388" x2="24462" y2="63265"/>
+                        <a14:backgroundMark x1="40000" y1="67347" x2="39077" y2="67347"/>
+                        <a14:backgroundMark x1="51385" y1="65306" x2="61077" y2="67347"/>
+                        <a14:backgroundMark x1="61077" y1="67347" x2="52308" y2="63265"/>
+                        <a14:backgroundMark x1="50923" y1="57143" x2="60615" y2="69388"/>
+                        <a14:backgroundMark x1="60615" y1="69388" x2="69231" y2="68367"/>
+                        <a14:backgroundMark x1="69231" y1="68367" x2="94923" y2="69388"/>
+                        <a14:backgroundMark x1="94923" y1="69388" x2="50769" y2="60204"/>
+                        <a14:backgroundMark x1="55538" y1="64286" x2="65077" y2="64286"/>
+                        <a14:backgroundMark x1="61692" y1="70408" x2="64923" y2="71429"/>
+                        <a14:backgroundMark x1="60154" y1="67347" x2="64923" y2="69388"/>
+                        <a14:backgroundMark x1="66308" y1="65306" x2="71538" y2="64286"/>
+                        <a14:backgroundMark x1="67692" y1="62245" x2="75692" y2="57143"/>
+                        <a14:backgroundMark x1="75692" y1="57143" x2="75692" y2="59184"/>
+                        <a14:backgroundMark x1="71692" y1="64286" x2="79385" y2="59184"/>
+                        <a14:backgroundMark x1="75692" y1="62245" x2="66462" y2="60204"/>
+                        <a14:backgroundMark x1="72154" y1="66327" x2="59385" y2="60204"/>
+                        <a14:backgroundMark x1="69538" y1="64286" x2="62462" y2="59184"/>
+                        <a14:backgroundMark x1="77538" y1="62245" x2="90308" y2="64286"/>
+                        <a14:backgroundMark x1="77077" y1="67347" x2="84923" y2="60204"/>
+                        <a14:backgroundMark x1="84923" y1="60204" x2="89231" y2="60204"/>
+                        <a14:backgroundMark x1="77538" y1="64286" x2="84000" y2="57143"/>
+                        <a14:backgroundMark x1="74769" y1="65306" x2="80000" y2="63265"/>
+                        <a14:backgroundMark x1="87077" y1="63265" x2="95077" y2="60204"/>
+                        <a14:backgroundMark x1="95077" y1="60204" x2="95077" y2="60204"/>
+                        <a14:backgroundMark x1="89538" y1="65306" x2="96615" y2="65306"/>
+                        <a14:backgroundMark x1="91385" y1="67347" x2="96000" y2="67347"/>
+                        <a14:backgroundMark x1="93846" y1="67347" x2="96308" y2="60204"/>
+                        <a14:backgroundMark x1="37846" y1="67347" x2="51692" y2="68367"/>
+                        <a14:backgroundMark x1="45231" y1="63265" x2="35077" y2="63265"/>
+                        <a14:backgroundMark x1="43692" y1="63265" x2="56000" y2="66327"/>
+                      </a14:backgroundRemoval>
+                    </a14:imgEffect>
+                  </a14:imgLayer>
+                </a14:imgProps>
+              </a:ext>
+            </a:extLst>
+          </a:blip>
+          <a:stretch>
+            <a:fillRect/>
+          </a:stretch>
+        </p:blipFill>
+        <p:spPr>
+          <a:xfrm>
+            <a:off x="1932242" y="4453534"/>
+            <a:ext cx="2428982" cy="366216"/>
+          </a:xfrm>
+          <a:prstGeom prst="rect">
+            <a:avLst/>
+          </a:prstGeom>
+          <a:ln>
+            <a:solidFill>
+              <a:srgbClr val="0000FF"/>
+            </a:solidFill>
+          </a:ln>
+        </p:spPr>
+      </p:pic>
+      <p:sp>
+        <p:nvSpPr>
+          <p:cNvPr id="9" name="직사각형 8">
+            <a:extLst>
+              <a:ext uri="{FF2B5EF4-FFF2-40B4-BE49-F238E27FC236}">
+                <a16:creationId xmlns:a16="http://schemas.microsoft.com/office/drawing/2014/main" id="{CBD6A849-570E-4B09-BAF2-658FF6A05676}"/>
+              </a:ext>
+            </a:extLst>
+          </p:cNvPr>
+          <p:cNvSpPr/>
+          <p:nvPr/>
+        </p:nvSpPr>
+        <p:spPr>
+          <a:xfrm>
+            <a:off x="1050207" y="5345658"/>
+            <a:ext cx="305912" cy="116974"/>
+          </a:xfrm>
+          <a:prstGeom prst="rect">
+            <a:avLst/>
+          </a:prstGeom>
+          <a:noFill/>
+          <a:ln>
+            <a:solidFill>
+              <a:srgbClr val="FF0000"/>
+            </a:solidFill>
+          </a:ln>
+        </p:spPr>
+        <p:style>
+          <a:lnRef idx="2">
+            <a:schemeClr val="accent1">
+              <a:shade val="50000"/>
+            </a:schemeClr>
+          </a:lnRef>
+          <a:fillRef idx="1">
+            <a:schemeClr val="accent1"/>
+          </a:fillRef>
+          <a:effectRef idx="0">
+            <a:schemeClr val="accent1"/>
+          </a:effectRef>
+          <a:fontRef idx="minor">
+            <a:schemeClr val="lt1"/>
+          </a:fontRef>
+        </p:style>
+        <p:txBody>
+          <a:bodyPr rtlCol="0" anchor="ctr"/>
+          <a:lstStyle/>
+          <a:p>
+            <a:pPr algn="ctr"/>
+            <a:endParaRPr lang="ko-KR" altLang="en-US"/>
+          </a:p>
+        </p:txBody>
+      </p:sp>
+      <p:cxnSp>
+        <p:nvCxnSpPr>
+          <p:cNvPr id="10" name="직선 화살표 연결선 9">
+            <a:extLst>
+              <a:ext uri="{FF2B5EF4-FFF2-40B4-BE49-F238E27FC236}">
+                <a16:creationId xmlns:a16="http://schemas.microsoft.com/office/drawing/2014/main" id="{AC51CA56-E21A-4764-A5DE-51037A8FCFC0}"/>
+              </a:ext>
+            </a:extLst>
+          </p:cNvPr>
+          <p:cNvCxnSpPr>
+            <a:stCxn id="9" idx="0"/>
+            <a:endCxn id="8" idx="1"/>
+          </p:cNvCxnSpPr>
+          <p:nvPr/>
+        </p:nvCxnSpPr>
+        <p:spPr>
+          <a:xfrm flipV="1">
+            <a:off x="1203163" y="4636642"/>
+            <a:ext cx="729079" cy="709016"/>
+          </a:xfrm>
+          <a:prstGeom prst="straightConnector1">
+            <a:avLst/>
+          </a:prstGeom>
+          <a:ln>
+            <a:solidFill>
+              <a:srgbClr val="FF0000"/>
+            </a:solidFill>
+            <a:tailEnd type="triangle"/>
+          </a:ln>
+        </p:spPr>
+        <p:style>
+          <a:lnRef idx="1">
+            <a:schemeClr val="accent1"/>
+          </a:lnRef>
+          <a:fillRef idx="0">
+            <a:schemeClr val="accent1"/>
+          </a:fillRef>
+          <a:effectRef idx="0">
+            <a:schemeClr val="accent1"/>
+          </a:effectRef>
+          <a:fontRef idx="minor">
+            <a:schemeClr val="tx1"/>
+          </a:fontRef>
+        </p:style>
+      </p:cxnSp>
+      <p:cxnSp>
+        <p:nvCxnSpPr>
+          <p:cNvPr id="11" name="직선 화살표 연결선 10">
+            <a:extLst>
+              <a:ext uri="{FF2B5EF4-FFF2-40B4-BE49-F238E27FC236}">
+                <a16:creationId xmlns:a16="http://schemas.microsoft.com/office/drawing/2014/main" id="{B3BFA436-72E4-4E8E-8B98-18CD6C5D094F}"/>
+              </a:ext>
+            </a:extLst>
+          </p:cNvPr>
+          <p:cNvCxnSpPr>
+            <a:cxnSpLocks/>
+          </p:cNvCxnSpPr>
+          <p:nvPr/>
+        </p:nvCxnSpPr>
+        <p:spPr>
+          <a:xfrm flipV="1">
+            <a:off x="4200197" y="2204864"/>
+            <a:ext cx="443811" cy="2271351"/>
+          </a:xfrm>
+          <a:prstGeom prst="straightConnector1">
+            <a:avLst/>
+          </a:prstGeom>
+          <a:ln>
+            <a:solidFill>
+              <a:srgbClr val="FF0000"/>
+            </a:solidFill>
+            <a:tailEnd type="triangle"/>
+          </a:ln>
+        </p:spPr>
+        <p:style>
+          <a:lnRef idx="1">
+            <a:schemeClr val="accent1"/>
+          </a:lnRef>
+          <a:fillRef idx="0">
+            <a:schemeClr val="accent1"/>
+          </a:fillRef>
+          <a:effectRef idx="0">
+            <a:schemeClr val="accent1"/>
+          </a:effectRef>
+          <a:fontRef idx="minor">
+            <a:schemeClr val="tx1"/>
+          </a:fontRef>
+        </p:style>
+      </p:cxnSp>
+      <p:sp>
+        <p:nvSpPr>
+          <p:cNvPr id="12" name="TextBox 11">
+            <a:extLst>
+              <a:ext uri="{FF2B5EF4-FFF2-40B4-BE49-F238E27FC236}">
+                <a16:creationId xmlns:a16="http://schemas.microsoft.com/office/drawing/2014/main" id="{1CB921FC-89AE-4325-9CCC-4C0698FB806C}"/>
+              </a:ext>
+            </a:extLst>
+          </p:cNvPr>
+          <p:cNvSpPr txBox="1"/>
+          <p:nvPr/>
+        </p:nvSpPr>
+        <p:spPr>
+          <a:xfrm>
+            <a:off x="2798496" y="3990878"/>
+            <a:ext cx="1569983" cy="430887"/>
+          </a:xfrm>
+          <a:prstGeom prst="rect">
+            <a:avLst/>
+          </a:prstGeom>
+          <a:noFill/>
+        </p:spPr>
+        <p:txBody>
+          <a:bodyPr wrap="square" rtlCol="0">
+            <a:spAutoFit/>
+          </a:bodyPr>
+          <a:lstStyle/>
+          <a:p>
+            <a:pPr algn="just"/>
+            <a:r>
+              <a:rPr lang="ko-KR" altLang="en-US" sz="1100" dirty="0">
+                <a:solidFill>
+                  <a:srgbClr val="FF0000"/>
+                </a:solidFill>
+              </a:rPr>
+              <a:t>④ 비밀키를 복사하여 </a:t>
+            </a:r>
+            <a:endParaRPr lang="en-US" altLang="ko-KR" sz="1100" dirty="0">
+              <a:solidFill>
+                <a:srgbClr val="FF0000"/>
+              </a:solidFill>
+            </a:endParaRPr>
+          </a:p>
+          <a:p>
+            <a:pPr algn="just"/>
+            <a:r>
+              <a:rPr lang="en-US" altLang="ko-KR" sz="1100" dirty="0" err="1">
+                <a:solidFill>
+                  <a:srgbClr val="FF0000"/>
+                </a:solidFill>
+              </a:rPr>
+              <a:t>Authy</a:t>
+            </a:r>
+            <a:r>
+              <a:rPr lang="ko-KR" altLang="en-US" sz="1100" dirty="0">
+                <a:solidFill>
+                  <a:srgbClr val="FF0000"/>
+                </a:solidFill>
+              </a:rPr>
+              <a:t>에 붙여넣기</a:t>
+            </a:r>
+          </a:p>
+        </p:txBody>
+      </p:sp>
+      <p:pic>
+        <p:nvPicPr>
+          <p:cNvPr id="13" name="그림 12">
+            <a:extLst>
+              <a:ext uri="{FF2B5EF4-FFF2-40B4-BE49-F238E27FC236}">
+                <a16:creationId xmlns:a16="http://schemas.microsoft.com/office/drawing/2014/main" id="{A09531EE-7631-4C7C-8C80-529D16C1AAFE}"/>
+              </a:ext>
+            </a:extLst>
+          </p:cNvPr>
+          <p:cNvPicPr>
+            <a:picLocks noChangeAspect="1"/>
+          </p:cNvPicPr>
+          <p:nvPr/>
+        </p:nvPicPr>
+        <p:blipFill>
+          <a:blip r:embed="rId9"/>
+          <a:stretch>
+            <a:fillRect/>
+          </a:stretch>
+        </p:blipFill>
+        <p:spPr>
+          <a:xfrm>
+            <a:off x="5817196" y="1046735"/>
+            <a:ext cx="1334452" cy="2148810"/>
+          </a:xfrm>
+          <a:prstGeom prst="rect">
+            <a:avLst/>
+          </a:prstGeom>
+          <a:ln>
+            <a:solidFill>
+              <a:srgbClr val="0000FF"/>
+            </a:solidFill>
+          </a:ln>
+        </p:spPr>
+      </p:pic>
+      <p:pic>
+        <p:nvPicPr>
+          <p:cNvPr id="14" name="그림 13">
+            <a:extLst>
+              <a:ext uri="{FF2B5EF4-FFF2-40B4-BE49-F238E27FC236}">
+                <a16:creationId xmlns:a16="http://schemas.microsoft.com/office/drawing/2014/main" id="{BB0AC25D-1A7D-476D-A702-32BE6521994F}"/>
+              </a:ext>
+            </a:extLst>
+          </p:cNvPr>
+          <p:cNvPicPr>
+            <a:picLocks noChangeAspect="1"/>
+          </p:cNvPicPr>
+          <p:nvPr/>
+        </p:nvPicPr>
+        <p:blipFill>
+          <a:blip r:embed="rId10"/>
+          <a:stretch>
+            <a:fillRect/>
+          </a:stretch>
+        </p:blipFill>
+        <p:spPr>
+          <a:xfrm>
+            <a:off x="7258817" y="1046112"/>
+            <a:ext cx="1352455" cy="2163238"/>
+          </a:xfrm>
+          <a:prstGeom prst="rect">
+            <a:avLst/>
+          </a:prstGeom>
+          <a:ln>
+            <a:solidFill>
+              <a:srgbClr val="0000FF"/>
+            </a:solidFill>
+          </a:ln>
+        </p:spPr>
+      </p:pic>
+      <p:sp>
+        <p:nvSpPr>
+          <p:cNvPr id="15" name="TextBox 14">
+            <a:extLst>
+              <a:ext uri="{FF2B5EF4-FFF2-40B4-BE49-F238E27FC236}">
+                <a16:creationId xmlns:a16="http://schemas.microsoft.com/office/drawing/2014/main" id="{8A450E84-8BBE-4CF3-B3FB-F37EC4143FB0}"/>
+              </a:ext>
+            </a:extLst>
+          </p:cNvPr>
+          <p:cNvSpPr txBox="1"/>
+          <p:nvPr/>
+        </p:nvSpPr>
+        <p:spPr>
+          <a:xfrm>
+            <a:off x="7272841" y="2103446"/>
+            <a:ext cx="1266113" cy="430887"/>
+          </a:xfrm>
+          <a:prstGeom prst="rect">
+            <a:avLst/>
+          </a:prstGeom>
+          <a:solidFill>
+            <a:schemeClr val="bg1"/>
+          </a:solidFill>
+        </p:spPr>
+        <p:txBody>
+          <a:bodyPr wrap="square" rtlCol="0">
+            <a:spAutoFit/>
+          </a:bodyPr>
+          <a:lstStyle/>
+          <a:p>
+            <a:pPr algn="just"/>
+            <a:r>
+              <a:rPr lang="ko-KR" altLang="en-US" sz="1100" dirty="0">
+                <a:solidFill>
+                  <a:srgbClr val="FF0000"/>
+                </a:solidFill>
+              </a:rPr>
+              <a:t>⑥본인이 생성한 </a:t>
+            </a:r>
+            <a:endParaRPr lang="en-US" altLang="ko-KR" sz="1100" dirty="0">
+              <a:solidFill>
+                <a:srgbClr val="FF0000"/>
+              </a:solidFill>
+            </a:endParaRPr>
+          </a:p>
+          <a:p>
+            <a:pPr algn="just"/>
+            <a:r>
+              <a:rPr lang="ko-KR" altLang="en-US" sz="1100" dirty="0">
+                <a:solidFill>
+                  <a:srgbClr val="FF0000"/>
+                </a:solidFill>
+              </a:rPr>
+              <a:t>계정 클릭</a:t>
+            </a:r>
+          </a:p>
+        </p:txBody>
+      </p:sp>
+      <p:sp>
+        <p:nvSpPr>
+          <p:cNvPr id="16" name="직사각형 15">
+            <a:extLst>
+              <a:ext uri="{FF2B5EF4-FFF2-40B4-BE49-F238E27FC236}">
+                <a16:creationId xmlns:a16="http://schemas.microsoft.com/office/drawing/2014/main" id="{B8839E77-EFD9-42E9-B5BA-0F578D971EDC}"/>
+              </a:ext>
+            </a:extLst>
+          </p:cNvPr>
+          <p:cNvSpPr/>
+          <p:nvPr/>
+        </p:nvSpPr>
+        <p:spPr>
+          <a:xfrm>
+            <a:off x="7274053" y="1662708"/>
+            <a:ext cx="535851" cy="216024"/>
+          </a:xfrm>
+          <a:prstGeom prst="rect">
+            <a:avLst/>
+          </a:prstGeom>
+          <a:noFill/>
+          <a:ln>
+            <a:solidFill>
+              <a:srgbClr val="FF0000"/>
+            </a:solidFill>
+          </a:ln>
+        </p:spPr>
+        <p:style>
+          <a:lnRef idx="2">
+            <a:schemeClr val="accent1">
+              <a:shade val="50000"/>
+            </a:schemeClr>
+          </a:lnRef>
+          <a:fillRef idx="1">
+            <a:schemeClr val="accent1"/>
+          </a:fillRef>
+          <a:effectRef idx="0">
+            <a:schemeClr val="accent1"/>
+          </a:effectRef>
+          <a:fontRef idx="minor">
+            <a:schemeClr val="lt1"/>
+          </a:fontRef>
+        </p:style>
+        <p:txBody>
+          <a:bodyPr rtlCol="0" anchor="ctr"/>
+          <a:lstStyle/>
+          <a:p>
+            <a:pPr algn="ctr"/>
+            <a:endParaRPr lang="ko-KR" altLang="en-US"/>
+          </a:p>
+        </p:txBody>
+      </p:sp>
+      <p:pic>
+        <p:nvPicPr>
+          <p:cNvPr id="17" name="그림 16">
+            <a:extLst>
+              <a:ext uri="{FF2B5EF4-FFF2-40B4-BE49-F238E27FC236}">
+                <a16:creationId xmlns:a16="http://schemas.microsoft.com/office/drawing/2014/main" id="{1232F2CC-7395-4B28-8B11-696AC7AFA729}"/>
+              </a:ext>
+            </a:extLst>
+          </p:cNvPr>
+          <p:cNvPicPr>
+            <a:picLocks noChangeAspect="1"/>
+          </p:cNvPicPr>
+          <p:nvPr/>
+        </p:nvPicPr>
+        <p:blipFill>
+          <a:blip r:embed="rId11"/>
+          <a:stretch>
+            <a:fillRect/>
+          </a:stretch>
+        </p:blipFill>
+        <p:spPr>
+          <a:xfrm>
+            <a:off x="6664592" y="4271607"/>
+            <a:ext cx="1329944" cy="2148101"/>
+          </a:xfrm>
+          <a:prstGeom prst="rect">
+            <a:avLst/>
+          </a:prstGeom>
+          <a:ln>
+            <a:solidFill>
+              <a:srgbClr val="0000FF"/>
+            </a:solidFill>
+          </a:ln>
+        </p:spPr>
+      </p:pic>
+      <p:cxnSp>
+        <p:nvCxnSpPr>
+          <p:cNvPr id="18" name="직선 화살표 연결선 17">
+            <a:extLst>
+              <a:ext uri="{FF2B5EF4-FFF2-40B4-BE49-F238E27FC236}">
+                <a16:creationId xmlns:a16="http://schemas.microsoft.com/office/drawing/2014/main" id="{676F65FD-2E2E-48E5-9035-E9CFEBB327E6}"/>
+              </a:ext>
+            </a:extLst>
+          </p:cNvPr>
+          <p:cNvCxnSpPr>
+            <a:stCxn id="16" idx="2"/>
+            <a:endCxn id="4" idx="0"/>
+          </p:cNvCxnSpPr>
+          <p:nvPr/>
+        </p:nvCxnSpPr>
+        <p:spPr>
+          <a:xfrm flipH="1">
+            <a:off x="6031314" y="1878732"/>
+            <a:ext cx="1510665" cy="1683859"/>
+          </a:xfrm>
+          <a:prstGeom prst="straightConnector1">
+            <a:avLst/>
+          </a:prstGeom>
+          <a:ln>
+            <a:solidFill>
+              <a:srgbClr val="FF0000"/>
+            </a:solidFill>
+            <a:tailEnd type="triangle"/>
+          </a:ln>
+        </p:spPr>
+        <p:style>
+          <a:lnRef idx="1">
+            <a:schemeClr val="accent1"/>
+          </a:lnRef>
+          <a:fillRef idx="0">
+            <a:schemeClr val="accent1"/>
+          </a:fillRef>
+          <a:effectRef idx="0">
+            <a:schemeClr val="accent1"/>
+          </a:effectRef>
+          <a:fontRef idx="minor">
+            <a:schemeClr val="tx1"/>
+          </a:fontRef>
+        </p:style>
+      </p:cxnSp>
+      <p:sp>
+        <p:nvSpPr>
+          <p:cNvPr id="19" name="TextBox 18">
+            <a:extLst>
+              <a:ext uri="{FF2B5EF4-FFF2-40B4-BE49-F238E27FC236}">
+                <a16:creationId xmlns:a16="http://schemas.microsoft.com/office/drawing/2014/main" id="{B60DE8ED-53D9-4612-9C10-46C00AABE6FA}"/>
+              </a:ext>
+            </a:extLst>
+          </p:cNvPr>
+          <p:cNvSpPr txBox="1"/>
+          <p:nvPr/>
+        </p:nvSpPr>
+        <p:spPr>
+          <a:xfrm>
+            <a:off x="6786646" y="3502780"/>
+            <a:ext cx="1872208" cy="600164"/>
+          </a:xfrm>
+          <a:prstGeom prst="rect">
+            <a:avLst/>
+          </a:prstGeom>
+          <a:noFill/>
+        </p:spPr>
+        <p:txBody>
+          <a:bodyPr wrap="square" rtlCol="0">
+            <a:spAutoFit/>
+          </a:bodyPr>
+          <a:lstStyle/>
+          <a:p>
+            <a:r>
+              <a:rPr lang="ko-KR" altLang="en-US" sz="1100" dirty="0">
+                <a:solidFill>
+                  <a:srgbClr val="FF0000"/>
+                </a:solidFill>
+              </a:rPr>
+              <a:t>일회용 비밀번호</a:t>
+            </a:r>
+            <a:r>
+              <a:rPr lang="en-US" altLang="ko-KR" sz="1100" dirty="0">
+                <a:solidFill>
+                  <a:srgbClr val="FF0000"/>
+                </a:solidFill>
+              </a:rPr>
+              <a:t>(OTP)</a:t>
+            </a:r>
+            <a:r>
+              <a:rPr lang="ko-KR" altLang="en-US" sz="1100" dirty="0">
+                <a:solidFill>
+                  <a:srgbClr val="FF0000"/>
+                </a:solidFill>
+              </a:rPr>
+              <a:t>가 </a:t>
+            </a:r>
+            <a:endParaRPr lang="en-US" altLang="ko-KR" sz="1100" dirty="0">
+              <a:solidFill>
+                <a:srgbClr val="FF0000"/>
+              </a:solidFill>
+            </a:endParaRPr>
+          </a:p>
+          <a:p>
+            <a:r>
+              <a:rPr lang="en-US" altLang="ko-KR" sz="1100" dirty="0">
+                <a:solidFill>
+                  <a:srgbClr val="FF0000"/>
+                </a:solidFill>
+              </a:rPr>
+              <a:t>30</a:t>
+            </a:r>
+            <a:r>
+              <a:rPr lang="ko-KR" altLang="en-US" sz="1100" dirty="0">
+                <a:solidFill>
+                  <a:srgbClr val="FF0000"/>
+                </a:solidFill>
+              </a:rPr>
+              <a:t>초에 한번씩 </a:t>
+            </a:r>
+            <a:endParaRPr lang="en-US" altLang="ko-KR" sz="1100" dirty="0">
+              <a:solidFill>
+                <a:srgbClr val="FF0000"/>
+              </a:solidFill>
+            </a:endParaRPr>
+          </a:p>
+          <a:p>
+            <a:r>
+              <a:rPr lang="ko-KR" altLang="en-US" sz="1100" dirty="0">
+                <a:solidFill>
+                  <a:srgbClr val="FF0000"/>
+                </a:solidFill>
+              </a:rPr>
+              <a:t>갱신되면서 제공</a:t>
+            </a:r>
+          </a:p>
+        </p:txBody>
+      </p:sp>
+      <p:sp>
+        <p:nvSpPr>
+          <p:cNvPr id="20" name="직사각형 19">
+            <a:extLst>
+              <a:ext uri="{FF2B5EF4-FFF2-40B4-BE49-F238E27FC236}">
+                <a16:creationId xmlns:a16="http://schemas.microsoft.com/office/drawing/2014/main" id="{651055BD-1319-4B53-BE6A-187AF66AF64E}"/>
+              </a:ext>
+            </a:extLst>
+          </p:cNvPr>
+          <p:cNvSpPr/>
+          <p:nvPr/>
+        </p:nvSpPr>
+        <p:spPr>
+          <a:xfrm>
+            <a:off x="5530835" y="4463656"/>
+            <a:ext cx="985381" cy="356094"/>
+          </a:xfrm>
+          <a:prstGeom prst="rect">
+            <a:avLst/>
+          </a:prstGeom>
+          <a:noFill/>
+          <a:ln>
+            <a:solidFill>
+              <a:srgbClr val="FF0000"/>
+            </a:solidFill>
+          </a:ln>
+        </p:spPr>
+        <p:style>
+          <a:lnRef idx="2">
+            <a:schemeClr val="accent1">
+              <a:shade val="50000"/>
+            </a:schemeClr>
+          </a:lnRef>
+          <a:fillRef idx="1">
+            <a:schemeClr val="accent1"/>
+          </a:fillRef>
+          <a:effectRef idx="0">
+            <a:schemeClr val="accent1"/>
+          </a:effectRef>
+          <a:fontRef idx="minor">
+            <a:schemeClr val="lt1"/>
+          </a:fontRef>
+        </p:style>
+        <p:txBody>
+          <a:bodyPr rtlCol="0" anchor="ctr"/>
+          <a:lstStyle/>
+          <a:p>
+            <a:pPr algn="ctr"/>
+            <a:endParaRPr lang="ko-KR" altLang="en-US"/>
+          </a:p>
+        </p:txBody>
+      </p:sp>
+      <p:sp>
+        <p:nvSpPr>
+          <p:cNvPr id="21" name="직사각형 20">
+            <a:extLst>
+              <a:ext uri="{FF2B5EF4-FFF2-40B4-BE49-F238E27FC236}">
+                <a16:creationId xmlns:a16="http://schemas.microsoft.com/office/drawing/2014/main" id="{2E55B56E-5EA1-41B9-903F-91E857C13E19}"/>
+              </a:ext>
+            </a:extLst>
+          </p:cNvPr>
+          <p:cNvSpPr/>
+          <p:nvPr/>
+        </p:nvSpPr>
+        <p:spPr>
+          <a:xfrm>
+            <a:off x="6876612" y="5199202"/>
+            <a:ext cx="985381" cy="318030"/>
+          </a:xfrm>
+          <a:prstGeom prst="rect">
+            <a:avLst/>
+          </a:prstGeom>
+          <a:noFill/>
+          <a:ln>
+            <a:solidFill>
+              <a:srgbClr val="FF0000"/>
+            </a:solidFill>
+          </a:ln>
+        </p:spPr>
+        <p:style>
+          <a:lnRef idx="2">
+            <a:schemeClr val="accent1">
+              <a:shade val="50000"/>
+            </a:schemeClr>
+          </a:lnRef>
+          <a:fillRef idx="1">
+            <a:schemeClr val="accent1"/>
+          </a:fillRef>
+          <a:effectRef idx="0">
+            <a:schemeClr val="accent1"/>
+          </a:effectRef>
+          <a:fontRef idx="minor">
+            <a:schemeClr val="lt1"/>
+          </a:fontRef>
+        </p:style>
+        <p:txBody>
+          <a:bodyPr rtlCol="0" anchor="ctr"/>
+          <a:lstStyle/>
+          <a:p>
+            <a:pPr algn="ctr"/>
+            <a:endParaRPr lang="ko-KR" altLang="en-US"/>
+          </a:p>
+        </p:txBody>
+      </p:sp>
+      <p:cxnSp>
+        <p:nvCxnSpPr>
+          <p:cNvPr id="22" name="직선 화살표 연결선 21">
+            <a:extLst>
+              <a:ext uri="{FF2B5EF4-FFF2-40B4-BE49-F238E27FC236}">
+                <a16:creationId xmlns:a16="http://schemas.microsoft.com/office/drawing/2014/main" id="{A0B99FA8-2F2F-4A21-8798-22016A1ACBD7}"/>
+              </a:ext>
+            </a:extLst>
+          </p:cNvPr>
+          <p:cNvCxnSpPr>
+            <a:stCxn id="20" idx="1"/>
+          </p:cNvCxnSpPr>
+          <p:nvPr/>
+        </p:nvCxnSpPr>
+        <p:spPr>
+          <a:xfrm flipH="1">
+            <a:off x="1356119" y="4641703"/>
+            <a:ext cx="4174716" cy="1019545"/>
+          </a:xfrm>
+          <a:prstGeom prst="straightConnector1">
+            <a:avLst/>
+          </a:prstGeom>
+          <a:ln>
+            <a:solidFill>
+              <a:srgbClr val="FF0000"/>
+            </a:solidFill>
+            <a:tailEnd type="triangle"/>
+          </a:ln>
+        </p:spPr>
+        <p:style>
+          <a:lnRef idx="1">
+            <a:schemeClr val="accent1"/>
+          </a:lnRef>
+          <a:fillRef idx="0">
+            <a:schemeClr val="accent1"/>
+          </a:fillRef>
+          <a:effectRef idx="0">
+            <a:schemeClr val="accent1"/>
+          </a:effectRef>
+          <a:fontRef idx="minor">
+            <a:schemeClr val="tx1"/>
+          </a:fontRef>
+        </p:style>
+      </p:cxnSp>
+      <p:cxnSp>
+        <p:nvCxnSpPr>
+          <p:cNvPr id="23" name="직선 화살표 연결선 22">
+            <a:extLst>
+              <a:ext uri="{FF2B5EF4-FFF2-40B4-BE49-F238E27FC236}">
+                <a16:creationId xmlns:a16="http://schemas.microsoft.com/office/drawing/2014/main" id="{DB6FE6EA-6123-43EC-BFFB-62035390CD46}"/>
+              </a:ext>
+            </a:extLst>
+          </p:cNvPr>
+          <p:cNvCxnSpPr>
+            <a:stCxn id="21" idx="1"/>
+          </p:cNvCxnSpPr>
+          <p:nvPr/>
+        </p:nvCxnSpPr>
+        <p:spPr>
+          <a:xfrm flipH="1">
+            <a:off x="1356119" y="5358217"/>
+            <a:ext cx="5520493" cy="519055"/>
+          </a:xfrm>
+          <a:prstGeom prst="straightConnector1">
+            <a:avLst/>
+          </a:prstGeom>
+          <a:ln>
+            <a:solidFill>
+              <a:srgbClr val="FF0000"/>
+            </a:solidFill>
+            <a:tailEnd type="triangle"/>
+          </a:ln>
+        </p:spPr>
+        <p:style>
+          <a:lnRef idx="1">
+            <a:schemeClr val="accent1"/>
+          </a:lnRef>
+          <a:fillRef idx="0">
+            <a:schemeClr val="accent1"/>
+          </a:fillRef>
+          <a:effectRef idx="0">
+            <a:schemeClr val="accent1"/>
+          </a:effectRef>
+          <a:fontRef idx="minor">
+            <a:schemeClr val="tx1"/>
+          </a:fontRef>
+        </p:style>
+      </p:cxnSp>
+      <p:sp>
+        <p:nvSpPr>
+          <p:cNvPr id="24" name="TextBox 23">
+            <a:extLst>
+              <a:ext uri="{FF2B5EF4-FFF2-40B4-BE49-F238E27FC236}">
+                <a16:creationId xmlns:a16="http://schemas.microsoft.com/office/drawing/2014/main" id="{BA5EB2D8-6A33-4BC2-B4FC-8F92842BE307}"/>
+              </a:ext>
+            </a:extLst>
+          </p:cNvPr>
+          <p:cNvSpPr txBox="1"/>
+          <p:nvPr/>
+        </p:nvSpPr>
+        <p:spPr>
+          <a:xfrm>
+            <a:off x="1675413" y="1999843"/>
+            <a:ext cx="1769452" cy="600164"/>
+          </a:xfrm>
+          <a:prstGeom prst="rect">
+            <a:avLst/>
+          </a:prstGeom>
+          <a:solidFill>
+            <a:schemeClr val="bg1"/>
+          </a:solidFill>
+          <a:ln>
+            <a:solidFill>
+              <a:srgbClr val="0000FF"/>
+            </a:solidFill>
+          </a:ln>
+        </p:spPr>
+        <p:txBody>
+          <a:bodyPr wrap="square" rtlCol="0">
+            <a:spAutoFit/>
+          </a:bodyPr>
+          <a:lstStyle/>
+          <a:p>
+            <a:r>
+              <a:rPr lang="en-US" altLang="ko-KR" sz="1100" dirty="0">
+                <a:solidFill>
+                  <a:srgbClr val="FF0000"/>
+                </a:solidFill>
+              </a:rPr>
+              <a:t>① Download </a:t>
+            </a:r>
+            <a:r>
+              <a:rPr lang="en-US" altLang="ko-KR" sz="1100" dirty="0">
+                <a:solidFill>
+                  <a:srgbClr val="FF0000"/>
+                </a:solidFill>
+                <a:sym typeface="Wingdings" panose="05000000000000000000" pitchFamily="2" charset="2"/>
+              </a:rPr>
+              <a:t> </a:t>
+            </a:r>
+            <a:r>
+              <a:rPr lang="ko-KR" altLang="en-US" sz="1100" dirty="0">
+                <a:solidFill>
+                  <a:srgbClr val="FF0000"/>
+                </a:solidFill>
+                <a:sym typeface="Wingdings" panose="05000000000000000000" pitchFamily="2" charset="2"/>
+              </a:rPr>
+              <a:t>설치 </a:t>
+            </a:r>
+            <a:endParaRPr lang="en-US" altLang="ko-KR" sz="1100" dirty="0">
+              <a:solidFill>
+                <a:srgbClr val="FF0000"/>
+              </a:solidFill>
+              <a:sym typeface="Wingdings" panose="05000000000000000000" pitchFamily="2" charset="2"/>
+            </a:endParaRPr>
+          </a:p>
+          <a:p>
+            <a:pPr marL="171450" indent="-171450">
+              <a:buFont typeface="Wingdings" panose="05000000000000000000" pitchFamily="2" charset="2"/>
+              <a:buChar char="à"/>
+            </a:pPr>
+            <a:r>
+              <a:rPr lang="ko-KR" altLang="en-US" sz="1100" dirty="0">
+                <a:solidFill>
+                  <a:srgbClr val="FF0000"/>
+                </a:solidFill>
+                <a:sym typeface="Wingdings" panose="05000000000000000000" pitchFamily="2" charset="2"/>
+              </a:rPr>
+              <a:t>계정설정</a:t>
+            </a:r>
+            <a:r>
+              <a:rPr lang="en-US" altLang="ko-KR" sz="1100" dirty="0">
+                <a:solidFill>
+                  <a:srgbClr val="FF0000"/>
+                </a:solidFill>
+                <a:sym typeface="Wingdings" panose="05000000000000000000" pitchFamily="2" charset="2"/>
+              </a:rPr>
+              <a:t>(</a:t>
+            </a:r>
+            <a:r>
+              <a:rPr lang="ko-KR" altLang="en-US" sz="1100" dirty="0">
+                <a:solidFill>
+                  <a:srgbClr val="FF0000"/>
+                </a:solidFill>
+                <a:sym typeface="Wingdings" panose="05000000000000000000" pitchFamily="2" charset="2"/>
+              </a:rPr>
+              <a:t>이메일</a:t>
+            </a:r>
+            <a:r>
+              <a:rPr lang="en-US" altLang="ko-KR" sz="1100" dirty="0">
+                <a:solidFill>
+                  <a:srgbClr val="FF0000"/>
+                </a:solidFill>
+                <a:sym typeface="Wingdings" panose="05000000000000000000" pitchFamily="2" charset="2"/>
+              </a:rPr>
+              <a:t>) </a:t>
+            </a:r>
+            <a:r>
+              <a:rPr lang="ko-KR" altLang="en-US" sz="1100" dirty="0">
+                <a:solidFill>
+                  <a:srgbClr val="FF0000"/>
+                </a:solidFill>
+                <a:sym typeface="Wingdings" panose="05000000000000000000" pitchFamily="2" charset="2"/>
+              </a:rPr>
+              <a:t>및 휴대폰 인증</a:t>
+            </a:r>
+            <a:endParaRPr lang="en-US" altLang="ko-KR" sz="1100" dirty="0">
+              <a:solidFill>
+                <a:srgbClr val="FF0000"/>
+              </a:solidFill>
+              <a:sym typeface="Wingdings" panose="05000000000000000000" pitchFamily="2" charset="2"/>
+            </a:endParaRPr>
+          </a:p>
+        </p:txBody>
+      </p:sp>
+      <p:sp>
+        <p:nvSpPr>
+          <p:cNvPr id="25" name="TextBox 24">
+            <a:extLst>
+              <a:ext uri="{FF2B5EF4-FFF2-40B4-BE49-F238E27FC236}">
+                <a16:creationId xmlns:a16="http://schemas.microsoft.com/office/drawing/2014/main" id="{55535206-5568-4A94-B879-AEAC6F71196A}"/>
+              </a:ext>
+            </a:extLst>
+          </p:cNvPr>
+          <p:cNvSpPr txBox="1"/>
+          <p:nvPr/>
+        </p:nvSpPr>
+        <p:spPr>
+          <a:xfrm>
+            <a:off x="3225558" y="1464449"/>
+            <a:ext cx="989373" cy="430887"/>
+          </a:xfrm>
+          <a:prstGeom prst="rect">
+            <a:avLst/>
+          </a:prstGeom>
+          <a:solidFill>
+            <a:schemeClr val="bg1"/>
+          </a:solidFill>
+          <a:ln>
+            <a:solidFill>
+              <a:srgbClr val="0000FF"/>
+            </a:solidFill>
+          </a:ln>
+        </p:spPr>
+        <p:txBody>
+          <a:bodyPr wrap="none" rtlCol="0">
+            <a:spAutoFit/>
+          </a:bodyPr>
+          <a:lstStyle/>
+          <a:p>
+            <a:r>
+              <a:rPr lang="ko-KR" altLang="en-US" sz="1100" dirty="0">
+                <a:solidFill>
+                  <a:srgbClr val="FF0000"/>
+                </a:solidFill>
+              </a:rPr>
+              <a:t>② 추가하기 </a:t>
+            </a:r>
+            <a:endParaRPr lang="en-US" altLang="ko-KR" sz="1100" dirty="0">
+              <a:solidFill>
+                <a:srgbClr val="FF0000"/>
+              </a:solidFill>
+            </a:endParaRPr>
+          </a:p>
+          <a:p>
+            <a:r>
+              <a:rPr lang="ko-KR" altLang="en-US" sz="1100" dirty="0">
+                <a:solidFill>
+                  <a:srgbClr val="FF0000"/>
+                </a:solidFill>
+              </a:rPr>
+              <a:t>아이콘 클릭</a:t>
+            </a:r>
+          </a:p>
+        </p:txBody>
+      </p:sp>
+      <p:sp>
+        <p:nvSpPr>
+          <p:cNvPr id="26" name="TextBox 25">
+            <a:extLst>
+              <a:ext uri="{FF2B5EF4-FFF2-40B4-BE49-F238E27FC236}">
+                <a16:creationId xmlns:a16="http://schemas.microsoft.com/office/drawing/2014/main" id="{6EB8C175-B4E3-400A-B88D-698DE7436675}"/>
+              </a:ext>
+            </a:extLst>
+          </p:cNvPr>
+          <p:cNvSpPr txBox="1"/>
+          <p:nvPr/>
+        </p:nvSpPr>
+        <p:spPr>
+          <a:xfrm>
+            <a:off x="255437" y="5084047"/>
+            <a:ext cx="1841211" cy="261610"/>
+          </a:xfrm>
+          <a:prstGeom prst="rect">
+            <a:avLst/>
+          </a:prstGeom>
+          <a:noFill/>
+        </p:spPr>
+        <p:txBody>
+          <a:bodyPr wrap="square" rtlCol="0">
+            <a:spAutoFit/>
+          </a:bodyPr>
+          <a:lstStyle/>
+          <a:p>
+            <a:pPr algn="just"/>
+            <a:r>
+              <a:rPr lang="ko-KR" altLang="en-US" sz="1100" dirty="0">
+                <a:solidFill>
+                  <a:srgbClr val="FF0000"/>
+                </a:solidFill>
+              </a:rPr>
+              <a:t>③ </a:t>
+            </a:r>
+            <a:r>
+              <a:rPr lang="en-US" altLang="ko-KR" sz="1100" dirty="0">
+                <a:solidFill>
+                  <a:srgbClr val="FF0000"/>
+                </a:solidFill>
+              </a:rPr>
+              <a:t>AWS </a:t>
+            </a:r>
+            <a:r>
+              <a:rPr lang="ko-KR" altLang="en-US" sz="1100" dirty="0">
+                <a:solidFill>
+                  <a:srgbClr val="FF0000"/>
+                </a:solidFill>
+              </a:rPr>
+              <a:t>비밀키 생성</a:t>
+            </a:r>
+          </a:p>
+        </p:txBody>
+      </p:sp>
+      <p:sp>
+        <p:nvSpPr>
+          <p:cNvPr id="27" name="TextBox 26">
+            <a:extLst>
+              <a:ext uri="{FF2B5EF4-FFF2-40B4-BE49-F238E27FC236}">
+                <a16:creationId xmlns:a16="http://schemas.microsoft.com/office/drawing/2014/main" id="{FAF2F226-0582-4394-8CD5-BB067FE5FA56}"/>
+              </a:ext>
+            </a:extLst>
+          </p:cNvPr>
+          <p:cNvSpPr txBox="1"/>
+          <p:nvPr/>
+        </p:nvSpPr>
+        <p:spPr>
+          <a:xfrm>
+            <a:off x="6134865" y="569366"/>
+            <a:ext cx="1635384" cy="261610"/>
+          </a:xfrm>
+          <a:prstGeom prst="rect">
+            <a:avLst/>
+          </a:prstGeom>
+          <a:solidFill>
+            <a:schemeClr val="bg1"/>
+          </a:solidFill>
+        </p:spPr>
+        <p:txBody>
+          <a:bodyPr wrap="none" rtlCol="0">
+            <a:spAutoFit/>
+          </a:bodyPr>
+          <a:lstStyle/>
+          <a:p>
+            <a:r>
+              <a:rPr lang="ko-KR" altLang="en-US" sz="1100" dirty="0">
+                <a:solidFill>
+                  <a:srgbClr val="FF0000"/>
+                </a:solidFill>
+              </a:rPr>
+              <a:t>⑤ </a:t>
+            </a:r>
+            <a:r>
+              <a:rPr lang="en-US" altLang="ko-KR" sz="1100" dirty="0">
+                <a:solidFill>
+                  <a:srgbClr val="FF0000"/>
+                </a:solidFill>
+              </a:rPr>
+              <a:t>OTP </a:t>
+            </a:r>
+            <a:r>
+              <a:rPr lang="ko-KR" altLang="en-US" sz="1100" dirty="0">
+                <a:solidFill>
+                  <a:srgbClr val="FF0000"/>
+                </a:solidFill>
+              </a:rPr>
+              <a:t>계정 이름 입력</a:t>
+            </a:r>
+          </a:p>
+        </p:txBody>
+      </p:sp>
+      <p:cxnSp>
+        <p:nvCxnSpPr>
+          <p:cNvPr id="28" name="직선 화살표 연결선 27">
+            <a:extLst>
+              <a:ext uri="{FF2B5EF4-FFF2-40B4-BE49-F238E27FC236}">
+                <a16:creationId xmlns:a16="http://schemas.microsoft.com/office/drawing/2014/main" id="{3844E9D2-B0B8-47A9-A8D0-69359DE7E742}"/>
+              </a:ext>
+            </a:extLst>
+          </p:cNvPr>
+          <p:cNvCxnSpPr>
+            <a:stCxn id="27" idx="2"/>
+          </p:cNvCxnSpPr>
+          <p:nvPr/>
+        </p:nvCxnSpPr>
+        <p:spPr>
+          <a:xfrm flipH="1">
+            <a:off x="6300193" y="830976"/>
+            <a:ext cx="652364" cy="644378"/>
+          </a:xfrm>
+          <a:prstGeom prst="straightConnector1">
+            <a:avLst/>
+          </a:prstGeom>
+          <a:ln>
+            <a:solidFill>
+              <a:srgbClr val="FF0000"/>
+            </a:solidFill>
+            <a:tailEnd type="triangle"/>
+          </a:ln>
+        </p:spPr>
+        <p:style>
+          <a:lnRef idx="1">
+            <a:schemeClr val="accent1"/>
+          </a:lnRef>
+          <a:fillRef idx="0">
+            <a:schemeClr val="accent1"/>
+          </a:fillRef>
+          <a:effectRef idx="0">
+            <a:schemeClr val="accent1"/>
+          </a:effectRef>
+          <a:fontRef idx="minor">
+            <a:schemeClr val="tx1"/>
+          </a:fontRef>
+        </p:style>
+      </p:cxnSp>
+      <p:sp>
+        <p:nvSpPr>
+          <p:cNvPr id="29" name="TextBox 28">
+            <a:extLst>
+              <a:ext uri="{FF2B5EF4-FFF2-40B4-BE49-F238E27FC236}">
+                <a16:creationId xmlns:a16="http://schemas.microsoft.com/office/drawing/2014/main" id="{6582D310-ADC8-4F2F-8C39-E9D0FC639CD3}"/>
+              </a:ext>
+            </a:extLst>
+          </p:cNvPr>
+          <p:cNvSpPr txBox="1"/>
+          <p:nvPr/>
+        </p:nvSpPr>
+        <p:spPr>
+          <a:xfrm>
+            <a:off x="2780058" y="5241666"/>
+            <a:ext cx="1415664" cy="430887"/>
+          </a:xfrm>
+          <a:prstGeom prst="rect">
+            <a:avLst/>
+          </a:prstGeom>
+          <a:noFill/>
+        </p:spPr>
+        <p:txBody>
+          <a:bodyPr wrap="square" rtlCol="0">
+            <a:spAutoFit/>
+          </a:bodyPr>
+          <a:lstStyle/>
+          <a:p>
+            <a:pPr algn="just"/>
+            <a:r>
+              <a:rPr lang="ko-KR" altLang="en-US" sz="1100" dirty="0">
+                <a:solidFill>
+                  <a:srgbClr val="FF0000"/>
+                </a:solidFill>
+              </a:rPr>
+              <a:t>⑦일회용 비밀번호</a:t>
+            </a:r>
+            <a:r>
+              <a:rPr lang="en-US" altLang="ko-KR" sz="1100" dirty="0">
+                <a:solidFill>
+                  <a:srgbClr val="FF0000"/>
+                </a:solidFill>
+              </a:rPr>
+              <a:t> 2</a:t>
+            </a:r>
+            <a:r>
+              <a:rPr lang="ko-KR" altLang="en-US" sz="1100" dirty="0">
+                <a:solidFill>
+                  <a:srgbClr val="FF0000"/>
+                </a:solidFill>
+              </a:rPr>
+              <a:t>개를 차례로 입력</a:t>
+            </a:r>
+          </a:p>
+        </p:txBody>
+      </p:sp>
+      <p:sp>
+        <p:nvSpPr>
+          <p:cNvPr id="30" name="TextBox 29">
+            <a:extLst>
+              <a:ext uri="{FF2B5EF4-FFF2-40B4-BE49-F238E27FC236}">
+                <a16:creationId xmlns:a16="http://schemas.microsoft.com/office/drawing/2014/main" id="{7A3155FD-FB36-434C-9D0C-5BBA3675C582}"/>
+              </a:ext>
+            </a:extLst>
+          </p:cNvPr>
+          <p:cNvSpPr txBox="1"/>
+          <p:nvPr/>
+        </p:nvSpPr>
+        <p:spPr>
+          <a:xfrm>
+            <a:off x="3689267" y="1177126"/>
+            <a:ext cx="313647" cy="261610"/>
+          </a:xfrm>
+          <a:prstGeom prst="rect">
+            <a:avLst/>
+          </a:prstGeom>
+          <a:noFill/>
+        </p:spPr>
+        <p:txBody>
+          <a:bodyPr wrap="square">
+            <a:spAutoFit/>
+          </a:bodyPr>
+          <a:lstStyle/>
+          <a:p>
+            <a:r>
+              <a:rPr lang="en-US" altLang="ko-KR" sz="1100" dirty="0">
+                <a:solidFill>
+                  <a:srgbClr val="FF0000"/>
+                </a:solidFill>
+              </a:rPr>
+              <a:t>②</a:t>
+            </a:r>
+            <a:endParaRPr lang="ko-KR" altLang="en-US" sz="1100" dirty="0"/>
+          </a:p>
+        </p:txBody>
+      </p:sp>
+    </p:spTree>
+    <p:extLst>
+      <p:ext uri="{BB962C8B-B14F-4D97-AF65-F5344CB8AC3E}">
+        <p14:creationId xmlns:p14="http://schemas.microsoft.com/office/powerpoint/2010/main" val="1816864247"/>
       </p:ext>
     </p:extLst>
   </p:cSld>

--- a/tutorial_flask/imgs/imgs_in_tutorial_flask.pptx
+++ b/tutorial_flask/imgs/imgs_in_tutorial_flask.pptx
@@ -20,6 +20,13 @@
     <p:sldId id="267" r:id="rId14"/>
     <p:sldId id="271" r:id="rId15"/>
     <p:sldId id="272" r:id="rId16"/>
+    <p:sldId id="273" r:id="rId17"/>
+    <p:sldId id="274" r:id="rId18"/>
+    <p:sldId id="275" r:id="rId19"/>
+    <p:sldId id="276" r:id="rId20"/>
+    <p:sldId id="277" r:id="rId21"/>
+    <p:sldId id="278" r:id="rId22"/>
+    <p:sldId id="279" r:id="rId23"/>
   </p:sldIdLst>
   <p:sldSz cx="9144000" cy="6858000" type="screen4x3"/>
   <p:notesSz cx="6858000" cy="9144000"/>
@@ -257,7 +264,7 @@
           <a:p>
             <a:fld id="{CBCF5070-AD38-4C1F-B396-B6E70032DF8C}" type="datetimeFigureOut">
               <a:rPr lang="ko-KR" altLang="en-US" smtClean="0"/>
-              <a:t>2022-02-23</a:t>
+              <a:t>2022-03-01</a:t>
             </a:fld>
             <a:endParaRPr lang="ko-KR" altLang="en-US"/>
           </a:p>
@@ -427,7 +434,7 @@
           <a:p>
             <a:fld id="{CBCF5070-AD38-4C1F-B396-B6E70032DF8C}" type="datetimeFigureOut">
               <a:rPr lang="ko-KR" altLang="en-US" smtClean="0"/>
-              <a:t>2022-02-23</a:t>
+              <a:t>2022-03-01</a:t>
             </a:fld>
             <a:endParaRPr lang="ko-KR" altLang="en-US"/>
           </a:p>
@@ -607,7 +614,7 @@
           <a:p>
             <a:fld id="{CBCF5070-AD38-4C1F-B396-B6E70032DF8C}" type="datetimeFigureOut">
               <a:rPr lang="ko-KR" altLang="en-US" smtClean="0"/>
-              <a:t>2022-02-23</a:t>
+              <a:t>2022-03-01</a:t>
             </a:fld>
             <a:endParaRPr lang="ko-KR" altLang="en-US"/>
           </a:p>
@@ -702,7 +709,7 @@
           <a:p>
             <a:fld id="{CBCF5070-AD38-4C1F-B396-B6E70032DF8C}" type="datetimeFigureOut">
               <a:rPr lang="ko-KR" altLang="en-US" smtClean="0"/>
-              <a:t>2022-02-23</a:t>
+              <a:t>2022-03-01</a:t>
             </a:fld>
             <a:endParaRPr lang="ko-KR" altLang="en-US"/>
           </a:p>
@@ -946,7 +953,7 @@
           <a:p>
             <a:fld id="{CBCF5070-AD38-4C1F-B396-B6E70032DF8C}" type="datetimeFigureOut">
               <a:rPr lang="ko-KR" altLang="en-US" smtClean="0"/>
-              <a:t>2022-02-23</a:t>
+              <a:t>2022-03-01</a:t>
             </a:fld>
             <a:endParaRPr lang="ko-KR" altLang="en-US"/>
           </a:p>
@@ -1178,7 +1185,7 @@
           <a:p>
             <a:fld id="{CBCF5070-AD38-4C1F-B396-B6E70032DF8C}" type="datetimeFigureOut">
               <a:rPr lang="ko-KR" altLang="en-US" smtClean="0"/>
-              <a:t>2022-02-23</a:t>
+              <a:t>2022-03-01</a:t>
             </a:fld>
             <a:endParaRPr lang="ko-KR" altLang="en-US"/>
           </a:p>
@@ -1545,7 +1552,7 @@
           <a:p>
             <a:fld id="{CBCF5070-AD38-4C1F-B396-B6E70032DF8C}" type="datetimeFigureOut">
               <a:rPr lang="ko-KR" altLang="en-US" smtClean="0"/>
-              <a:t>2022-02-23</a:t>
+              <a:t>2022-03-01</a:t>
             </a:fld>
             <a:endParaRPr lang="ko-KR" altLang="en-US"/>
           </a:p>
@@ -1663,7 +1670,7 @@
           <a:p>
             <a:fld id="{CBCF5070-AD38-4C1F-B396-B6E70032DF8C}" type="datetimeFigureOut">
               <a:rPr lang="ko-KR" altLang="en-US" smtClean="0"/>
-              <a:t>2022-02-23</a:t>
+              <a:t>2022-03-01</a:t>
             </a:fld>
             <a:endParaRPr lang="ko-KR" altLang="en-US"/>
           </a:p>
@@ -1758,7 +1765,7 @@
           <a:p>
             <a:fld id="{CBCF5070-AD38-4C1F-B396-B6E70032DF8C}" type="datetimeFigureOut">
               <a:rPr lang="ko-KR" altLang="en-US" smtClean="0"/>
-              <a:t>2022-02-23</a:t>
+              <a:t>2022-03-01</a:t>
             </a:fld>
             <a:endParaRPr lang="ko-KR" altLang="en-US"/>
           </a:p>
@@ -2035,7 +2042,7 @@
           <a:p>
             <a:fld id="{CBCF5070-AD38-4C1F-B396-B6E70032DF8C}" type="datetimeFigureOut">
               <a:rPr lang="ko-KR" altLang="en-US" smtClean="0"/>
-              <a:t>2022-02-23</a:t>
+              <a:t>2022-03-01</a:t>
             </a:fld>
             <a:endParaRPr lang="ko-KR" altLang="en-US"/>
           </a:p>
@@ -2292,7 +2299,7 @@
           <a:p>
             <a:fld id="{CBCF5070-AD38-4C1F-B396-B6E70032DF8C}" type="datetimeFigureOut">
               <a:rPr lang="ko-KR" altLang="en-US" smtClean="0"/>
-              <a:t>2022-02-23</a:t>
+              <a:t>2022-03-01</a:t>
             </a:fld>
             <a:endParaRPr lang="ko-KR" altLang="en-US"/>
           </a:p>
@@ -2505,7 +2512,7 @@
           <a:p>
             <a:fld id="{CBCF5070-AD38-4C1F-B396-B6E70032DF8C}" type="datetimeFigureOut">
               <a:rPr lang="ko-KR" altLang="en-US" smtClean="0"/>
-              <a:t>2022-02-23</a:t>
+              <a:t>2022-03-01</a:t>
             </a:fld>
             <a:endParaRPr lang="ko-KR" altLang="en-US"/>
           </a:p>
@@ -4768,10 +4775,10 @@
       </p:grpSpPr>
       <p:pic>
         <p:nvPicPr>
-          <p:cNvPr id="29" name="그림 28">
-            <a:extLst>
-              <a:ext uri="{FF2B5EF4-FFF2-40B4-BE49-F238E27FC236}">
-                <a16:creationId xmlns:a16="http://schemas.microsoft.com/office/drawing/2014/main" id="{BAC04F9A-2B42-4C94-8288-E2F4F2C933FB}"/>
+          <p:cNvPr id="14" name="그림 13">
+            <a:extLst>
+              <a:ext uri="{FF2B5EF4-FFF2-40B4-BE49-F238E27FC236}">
+                <a16:creationId xmlns:a16="http://schemas.microsoft.com/office/drawing/2014/main" id="{62C10E0B-8288-4E67-A17E-202F81976FA7}"/>
               </a:ext>
             </a:extLst>
           </p:cNvPr>
@@ -4780,27 +4787,33 @@
           </p:cNvPicPr>
           <p:nvPr/>
         </p:nvPicPr>
-        <p:blipFill rotWithShape="1">
+        <p:blipFill>
           <a:blip r:embed="rId2"/>
-          <a:srcRect b="4857"/>
-          <a:stretch/>
+          <a:stretch>
+            <a:fillRect/>
+          </a:stretch>
         </p:blipFill>
         <p:spPr>
           <a:xfrm>
-            <a:off x="2043120" y="3901640"/>
-            <a:ext cx="6699564" cy="2947307"/>
-          </a:xfrm>
-          <a:prstGeom prst="rect">
-            <a:avLst/>
-          </a:prstGeom>
+            <a:off x="176029" y="46777"/>
+            <a:ext cx="5140108" cy="4230056"/>
+          </a:xfrm>
+          <a:prstGeom prst="rect">
+            <a:avLst/>
+          </a:prstGeom>
+          <a:ln>
+            <a:solidFill>
+              <a:srgbClr val="0000FF"/>
+            </a:solidFill>
+          </a:ln>
         </p:spPr>
       </p:pic>
       <p:pic>
         <p:nvPicPr>
-          <p:cNvPr id="14" name="그림 13">
-            <a:extLst>
-              <a:ext uri="{FF2B5EF4-FFF2-40B4-BE49-F238E27FC236}">
-                <a16:creationId xmlns:a16="http://schemas.microsoft.com/office/drawing/2014/main" id="{62C10E0B-8288-4E67-A17E-202F81976FA7}"/>
+          <p:cNvPr id="4" name="그림 3">
+            <a:extLst>
+              <a:ext uri="{FF2B5EF4-FFF2-40B4-BE49-F238E27FC236}">
+                <a16:creationId xmlns:a16="http://schemas.microsoft.com/office/drawing/2014/main" id="{4F5E79F2-D290-4275-AB3B-4E29E3C8861E}"/>
               </a:ext>
             </a:extLst>
           </p:cNvPr>
@@ -4817,25 +4830,25 @@
         </p:blipFill>
         <p:spPr>
           <a:xfrm>
-            <a:off x="176029" y="111666"/>
-            <a:ext cx="5140108" cy="4230056"/>
+            <a:off x="2831959" y="1254092"/>
+            <a:ext cx="6155218" cy="3123257"/>
           </a:xfrm>
           <a:prstGeom prst="rect">
             <a:avLst/>
           </a:prstGeom>
           <a:ln>
             <a:solidFill>
-              <a:srgbClr val="0000FF"/>
+              <a:schemeClr val="accent1"/>
             </a:solidFill>
           </a:ln>
         </p:spPr>
       </p:pic>
       <p:pic>
         <p:nvPicPr>
-          <p:cNvPr id="18" name="그림 17">
-            <a:extLst>
-              <a:ext uri="{FF2B5EF4-FFF2-40B4-BE49-F238E27FC236}">
-                <a16:creationId xmlns:a16="http://schemas.microsoft.com/office/drawing/2014/main" id="{AC2E2A51-C04D-461B-9870-E3F75CC92CD2}"/>
+          <p:cNvPr id="29" name="그림 28">
+            <a:extLst>
+              <a:ext uri="{FF2B5EF4-FFF2-40B4-BE49-F238E27FC236}">
+                <a16:creationId xmlns:a16="http://schemas.microsoft.com/office/drawing/2014/main" id="{BAC04F9A-2B42-4C94-8288-E2F4F2C933FB}"/>
               </a:ext>
             </a:extLst>
           </p:cNvPr>
@@ -4844,23 +4857,22 @@
           </p:cNvPicPr>
           <p:nvPr/>
         </p:nvPicPr>
-        <p:blipFill>
+        <p:blipFill rotWithShape="1">
           <a:blip r:embed="rId4"/>
-          <a:stretch>
-            <a:fillRect/>
-          </a:stretch>
+          <a:srcRect t="13149" b="4856"/>
+          <a:stretch/>
         </p:blipFill>
         <p:spPr>
           <a:xfrm>
-            <a:off x="3133901" y="719008"/>
-            <a:ext cx="5762692" cy="2964294"/>
+            <a:off x="2043120" y="4244056"/>
+            <a:ext cx="6699564" cy="2540002"/>
           </a:xfrm>
           <a:prstGeom prst="rect">
             <a:avLst/>
           </a:prstGeom>
           <a:ln>
             <a:solidFill>
-              <a:srgbClr val="0000FF"/>
+              <a:schemeClr val="accent1"/>
             </a:solidFill>
           </a:ln>
         </p:spPr>
@@ -4879,7 +4891,7 @@
         </p:nvSpPr>
         <p:spPr>
           <a:xfrm>
-            <a:off x="1801640" y="3595453"/>
+            <a:off x="1801640" y="3530564"/>
             <a:ext cx="936477" cy="513243"/>
           </a:xfrm>
           <a:prstGeom prst="rect">
@@ -4931,7 +4943,7 @@
         </p:nvSpPr>
         <p:spPr>
           <a:xfrm>
-            <a:off x="8062498" y="2453617"/>
+            <a:off x="8062498" y="2388728"/>
             <a:ext cx="640393" cy="456870"/>
           </a:xfrm>
           <a:prstGeom prst="rect">
@@ -4987,7 +4999,7 @@
         </p:nvCxnSpPr>
         <p:spPr>
           <a:xfrm flipV="1">
-            <a:off x="2738117" y="2682052"/>
+            <a:off x="2738117" y="2617163"/>
             <a:ext cx="5324381" cy="1170023"/>
           </a:xfrm>
           <a:prstGeom prst="straightConnector1">
@@ -5029,7 +5041,7 @@
         </p:nvSpPr>
         <p:spPr>
           <a:xfrm>
-            <a:off x="2105690" y="5866053"/>
+            <a:off x="2105690" y="5801164"/>
             <a:ext cx="6486048" cy="228435"/>
           </a:xfrm>
           <a:prstGeom prst="rect">
@@ -5081,7 +5093,7 @@
         </p:nvSpPr>
         <p:spPr>
           <a:xfrm>
-            <a:off x="6974573" y="6524527"/>
+            <a:off x="6974573" y="6459638"/>
             <a:ext cx="603177" cy="228435"/>
           </a:xfrm>
           <a:prstGeom prst="rect">
@@ -5137,7 +5149,7 @@
         </p:nvCxnSpPr>
         <p:spPr>
           <a:xfrm flipH="1">
-            <a:off x="5348714" y="2910487"/>
+            <a:off x="5348714" y="2845598"/>
             <a:ext cx="3033981" cy="2955566"/>
           </a:xfrm>
           <a:prstGeom prst="straightConnector1">
@@ -5183,7 +5195,7 @@
         </p:nvCxnSpPr>
         <p:spPr>
           <a:xfrm>
-            <a:off x="5348714" y="6094488"/>
+            <a:off x="5348714" y="6029599"/>
             <a:ext cx="1625859" cy="544257"/>
           </a:xfrm>
           <a:prstGeom prst="straightConnector1">
@@ -5225,7 +5237,7 @@
         </p:nvSpPr>
         <p:spPr>
           <a:xfrm>
-            <a:off x="1332535" y="3625913"/>
+            <a:off x="1332535" y="3561024"/>
             <a:ext cx="484694" cy="369332"/>
           </a:xfrm>
           <a:prstGeom prst="rect">
@@ -5265,7 +5277,7 @@
         </p:nvSpPr>
         <p:spPr>
           <a:xfrm>
-            <a:off x="8218197" y="2041743"/>
+            <a:off x="8218197" y="1976854"/>
             <a:ext cx="484694" cy="369332"/>
           </a:xfrm>
           <a:prstGeom prst="rect">
@@ -5305,7 +5317,7 @@
         </p:nvSpPr>
         <p:spPr>
           <a:xfrm>
-            <a:off x="4979084" y="6060778"/>
+            <a:off x="4979084" y="5995889"/>
             <a:ext cx="484694" cy="369332"/>
           </a:xfrm>
           <a:prstGeom prst="rect">
@@ -5345,7 +5357,7 @@
         </p:nvSpPr>
         <p:spPr>
           <a:xfrm>
-            <a:off x="7029299" y="6152972"/>
+            <a:off x="7029299" y="6088083"/>
             <a:ext cx="484694" cy="369332"/>
           </a:xfrm>
           <a:prstGeom prst="rect">
@@ -5401,10 +5413,2207 @@
           <a:chExt cx="0" cy="0"/>
         </a:xfrm>
       </p:grpSpPr>
+      <p:pic>
+        <p:nvPicPr>
+          <p:cNvPr id="3" name="그림 2">
+            <a:extLst>
+              <a:ext uri="{FF2B5EF4-FFF2-40B4-BE49-F238E27FC236}">
+                <a16:creationId xmlns:a16="http://schemas.microsoft.com/office/drawing/2014/main" id="{6538808D-9464-4938-ABBC-4799503D906E}"/>
+              </a:ext>
+            </a:extLst>
+          </p:cNvPr>
+          <p:cNvPicPr>
+            <a:picLocks noChangeAspect="1"/>
+          </p:cNvPicPr>
+          <p:nvPr/>
+        </p:nvPicPr>
+        <p:blipFill>
+          <a:blip r:embed="rId2"/>
+          <a:stretch>
+            <a:fillRect/>
+          </a:stretch>
+        </p:blipFill>
+        <p:spPr>
+          <a:xfrm>
+            <a:off x="0" y="624840"/>
+            <a:ext cx="9144000" cy="5608320"/>
+          </a:xfrm>
+          <a:prstGeom prst="rect">
+            <a:avLst/>
+          </a:prstGeom>
+        </p:spPr>
+      </p:pic>
+      <p:pic>
+        <p:nvPicPr>
+          <p:cNvPr id="5" name="그림 4">
+            <a:extLst>
+              <a:ext uri="{FF2B5EF4-FFF2-40B4-BE49-F238E27FC236}">
+                <a16:creationId xmlns:a16="http://schemas.microsoft.com/office/drawing/2014/main" id="{1F5CE8C2-46CC-454A-8F26-85D7FBFFCED0}"/>
+              </a:ext>
+            </a:extLst>
+          </p:cNvPr>
+          <p:cNvPicPr>
+            <a:picLocks noChangeAspect="1"/>
+          </p:cNvPicPr>
+          <p:nvPr/>
+        </p:nvPicPr>
+        <p:blipFill>
+          <a:blip r:embed="rId3"/>
+          <a:stretch>
+            <a:fillRect/>
+          </a:stretch>
+        </p:blipFill>
+        <p:spPr>
+          <a:xfrm>
+            <a:off x="3433086" y="2369328"/>
+            <a:ext cx="3209925" cy="1600200"/>
+          </a:xfrm>
+          <a:prstGeom prst="rect">
+            <a:avLst/>
+          </a:prstGeom>
+        </p:spPr>
+      </p:pic>
+      <p:sp>
+        <p:nvSpPr>
+          <p:cNvPr id="6" name="직사각형 5">
+            <a:extLst>
+              <a:ext uri="{FF2B5EF4-FFF2-40B4-BE49-F238E27FC236}">
+                <a16:creationId xmlns:a16="http://schemas.microsoft.com/office/drawing/2014/main" id="{D1060E88-B493-4350-846F-2D7C430758CA}"/>
+              </a:ext>
+            </a:extLst>
+          </p:cNvPr>
+          <p:cNvSpPr/>
+          <p:nvPr/>
+        </p:nvSpPr>
+        <p:spPr>
+          <a:xfrm>
+            <a:off x="2041178" y="1937735"/>
+            <a:ext cx="1109078" cy="357114"/>
+          </a:xfrm>
+          <a:prstGeom prst="rect">
+            <a:avLst/>
+          </a:prstGeom>
+          <a:noFill/>
+          <a:ln w="28575">
+            <a:solidFill>
+              <a:srgbClr val="FF0000"/>
+            </a:solidFill>
+          </a:ln>
+        </p:spPr>
+        <p:style>
+          <a:lnRef idx="2">
+            <a:schemeClr val="accent1">
+              <a:shade val="50000"/>
+            </a:schemeClr>
+          </a:lnRef>
+          <a:fillRef idx="1">
+            <a:schemeClr val="accent1"/>
+          </a:fillRef>
+          <a:effectRef idx="0">
+            <a:schemeClr val="accent1"/>
+          </a:effectRef>
+          <a:fontRef idx="minor">
+            <a:schemeClr val="lt1"/>
+          </a:fontRef>
+        </p:style>
+        <p:txBody>
+          <a:bodyPr rtlCol="0" anchor="ctr"/>
+          <a:lstStyle/>
+          <a:p>
+            <a:pPr algn="ctr"/>
+            <a:endParaRPr lang="ko-KR" altLang="en-US"/>
+          </a:p>
+        </p:txBody>
+      </p:sp>
+      <p:sp>
+        <p:nvSpPr>
+          <p:cNvPr id="7" name="TextBox 6">
+            <a:extLst>
+              <a:ext uri="{FF2B5EF4-FFF2-40B4-BE49-F238E27FC236}">
+                <a16:creationId xmlns:a16="http://schemas.microsoft.com/office/drawing/2014/main" id="{A7C298FE-E3F5-4022-8900-4405206CF498}"/>
+              </a:ext>
+            </a:extLst>
+          </p:cNvPr>
+          <p:cNvSpPr txBox="1"/>
+          <p:nvPr/>
+        </p:nvSpPr>
+        <p:spPr>
+          <a:xfrm>
+            <a:off x="977879" y="2607515"/>
+            <a:ext cx="492443" cy="276999"/>
+          </a:xfrm>
+          <a:prstGeom prst="rect">
+            <a:avLst/>
+          </a:prstGeom>
+          <a:noFill/>
+        </p:spPr>
+        <p:txBody>
+          <a:bodyPr wrap="none" rtlCol="0">
+            <a:spAutoFit/>
+          </a:bodyPr>
+          <a:lstStyle/>
+          <a:p>
+            <a:pPr algn="l"/>
+            <a:r>
+              <a:rPr lang="ko-KR" altLang="en-US" sz="1200" dirty="0">
+                <a:solidFill>
+                  <a:srgbClr val="FF0000"/>
+                </a:solidFill>
+              </a:rPr>
+              <a:t>클릭</a:t>
+            </a:r>
+          </a:p>
+        </p:txBody>
+      </p:sp>
+      <p:cxnSp>
+        <p:nvCxnSpPr>
+          <p:cNvPr id="10" name="직선 화살표 연결선 9">
+            <a:extLst>
+              <a:ext uri="{FF2B5EF4-FFF2-40B4-BE49-F238E27FC236}">
+                <a16:creationId xmlns:a16="http://schemas.microsoft.com/office/drawing/2014/main" id="{ACA0ECB6-60D4-418E-B6C7-F788B7430B6D}"/>
+              </a:ext>
+            </a:extLst>
+          </p:cNvPr>
+          <p:cNvCxnSpPr>
+            <a:cxnSpLocks/>
+            <a:stCxn id="7" idx="0"/>
+          </p:cNvCxnSpPr>
+          <p:nvPr/>
+        </p:nvCxnSpPr>
+        <p:spPr>
+          <a:xfrm flipV="1">
+            <a:off x="1224101" y="2165063"/>
+            <a:ext cx="963077" cy="442452"/>
+          </a:xfrm>
+          <a:prstGeom prst="straightConnector1">
+            <a:avLst/>
+          </a:prstGeom>
+          <a:ln w="28575">
+            <a:solidFill>
+              <a:srgbClr val="FF0000"/>
+            </a:solidFill>
+            <a:tailEnd type="triangle"/>
+          </a:ln>
+        </p:spPr>
+        <p:style>
+          <a:lnRef idx="1">
+            <a:schemeClr val="accent1"/>
+          </a:lnRef>
+          <a:fillRef idx="0">
+            <a:schemeClr val="accent1"/>
+          </a:fillRef>
+          <a:effectRef idx="0">
+            <a:schemeClr val="accent1"/>
+          </a:effectRef>
+          <a:fontRef idx="minor">
+            <a:schemeClr val="tx1"/>
+          </a:fontRef>
+        </p:style>
+      </p:cxnSp>
+      <p:cxnSp>
+        <p:nvCxnSpPr>
+          <p:cNvPr id="13" name="직선 화살표 연결선 12">
+            <a:extLst>
+              <a:ext uri="{FF2B5EF4-FFF2-40B4-BE49-F238E27FC236}">
+                <a16:creationId xmlns:a16="http://schemas.microsoft.com/office/drawing/2014/main" id="{1BDB1F20-62D1-46BA-A6EC-BE9EB197FE26}"/>
+              </a:ext>
+            </a:extLst>
+          </p:cNvPr>
+          <p:cNvCxnSpPr>
+            <a:cxnSpLocks/>
+          </p:cNvCxnSpPr>
+          <p:nvPr/>
+        </p:nvCxnSpPr>
+        <p:spPr>
+          <a:xfrm>
+            <a:off x="3150255" y="2212258"/>
+            <a:ext cx="926815" cy="672256"/>
+          </a:xfrm>
+          <a:prstGeom prst="straightConnector1">
+            <a:avLst/>
+          </a:prstGeom>
+          <a:ln w="28575">
+            <a:solidFill>
+              <a:srgbClr val="FF0000"/>
+            </a:solidFill>
+            <a:tailEnd type="triangle"/>
+          </a:ln>
+        </p:spPr>
+        <p:style>
+          <a:lnRef idx="1">
+            <a:schemeClr val="accent1"/>
+          </a:lnRef>
+          <a:fillRef idx="0">
+            <a:schemeClr val="accent1"/>
+          </a:fillRef>
+          <a:effectRef idx="0">
+            <a:schemeClr val="accent1"/>
+          </a:effectRef>
+          <a:fontRef idx="minor">
+            <a:schemeClr val="tx1"/>
+          </a:fontRef>
+        </p:style>
+      </p:cxnSp>
+      <p:sp>
+        <p:nvSpPr>
+          <p:cNvPr id="16" name="TextBox 15">
+            <a:extLst>
+              <a:ext uri="{FF2B5EF4-FFF2-40B4-BE49-F238E27FC236}">
+                <a16:creationId xmlns:a16="http://schemas.microsoft.com/office/drawing/2014/main" id="{3726F56F-66FA-4F39-8888-83B8F08E1E0E}"/>
+              </a:ext>
+            </a:extLst>
+          </p:cNvPr>
+          <p:cNvSpPr txBox="1"/>
+          <p:nvPr/>
+        </p:nvSpPr>
+        <p:spPr>
+          <a:xfrm>
+            <a:off x="1856942" y="3323197"/>
+            <a:ext cx="3034805" cy="646331"/>
+          </a:xfrm>
+          <a:prstGeom prst="rect">
+            <a:avLst/>
+          </a:prstGeom>
+          <a:noFill/>
+        </p:spPr>
+        <p:txBody>
+          <a:bodyPr wrap="none" rtlCol="0">
+            <a:spAutoFit/>
+          </a:bodyPr>
+          <a:lstStyle/>
+          <a:p>
+            <a:pPr algn="l"/>
+            <a:r>
+              <a:rPr lang="ko-KR" altLang="en-US" sz="1200" dirty="0">
+                <a:solidFill>
+                  <a:srgbClr val="FF0000"/>
+                </a:solidFill>
+              </a:rPr>
+              <a:t>여러분이 만든 인스턴스</a:t>
+            </a:r>
+            <a:r>
+              <a:rPr lang="en-US" altLang="ko-KR" sz="1200" dirty="0">
+                <a:solidFill>
+                  <a:srgbClr val="FF0000"/>
+                </a:solidFill>
+              </a:rPr>
+              <a:t>(</a:t>
+            </a:r>
+            <a:r>
+              <a:rPr lang="ko-KR" altLang="en-US" sz="1200" dirty="0">
+                <a:solidFill>
+                  <a:srgbClr val="FF0000"/>
+                </a:solidFill>
+              </a:rPr>
+              <a:t>클라우드 서버</a:t>
+            </a:r>
+            <a:r>
+              <a:rPr lang="en-US" altLang="ko-KR" sz="1200" dirty="0">
+                <a:solidFill>
+                  <a:srgbClr val="FF0000"/>
+                </a:solidFill>
+              </a:rPr>
+              <a:t>)</a:t>
+            </a:r>
+            <a:r>
+              <a:rPr lang="ko-KR" altLang="en-US" sz="1200" dirty="0">
+                <a:solidFill>
+                  <a:srgbClr val="FF0000"/>
+                </a:solidFill>
+              </a:rPr>
+              <a:t>의</a:t>
+            </a:r>
+            <a:r>
+              <a:rPr lang="en-US" altLang="ko-KR" sz="1200" dirty="0">
+                <a:solidFill>
+                  <a:srgbClr val="FF0000"/>
+                </a:solidFill>
+              </a:rPr>
+              <a:t> </a:t>
+            </a:r>
+          </a:p>
+          <a:p>
+            <a:pPr algn="l"/>
+            <a:r>
+              <a:rPr lang="ko-KR" altLang="en-US" sz="1200" dirty="0">
+                <a:solidFill>
+                  <a:srgbClr val="FF0000"/>
+                </a:solidFill>
+              </a:rPr>
+              <a:t>이름을 지어</a:t>
+            </a:r>
+            <a:r>
+              <a:rPr lang="en-US" altLang="ko-KR" sz="1200" dirty="0">
+                <a:solidFill>
+                  <a:srgbClr val="FF0000"/>
+                </a:solidFill>
+              </a:rPr>
+              <a:t>(</a:t>
+            </a:r>
+            <a:r>
+              <a:rPr lang="ko-KR" altLang="en-US" sz="1200" dirty="0">
+                <a:solidFill>
+                  <a:srgbClr val="FF0000"/>
+                </a:solidFill>
+              </a:rPr>
+              <a:t>입력</a:t>
+            </a:r>
+            <a:r>
+              <a:rPr lang="en-US" altLang="ko-KR" sz="1200" dirty="0">
+                <a:solidFill>
+                  <a:srgbClr val="FF0000"/>
+                </a:solidFill>
+              </a:rPr>
+              <a:t>)</a:t>
+            </a:r>
+            <a:r>
+              <a:rPr lang="ko-KR" altLang="en-US" sz="1200" dirty="0">
+                <a:solidFill>
+                  <a:srgbClr val="FF0000"/>
+                </a:solidFill>
+              </a:rPr>
+              <a:t> 줍니다</a:t>
+            </a:r>
+            <a:r>
+              <a:rPr lang="en-US" altLang="ko-KR" sz="1200" dirty="0">
+                <a:solidFill>
+                  <a:srgbClr val="FF0000"/>
+                </a:solidFill>
+              </a:rPr>
+              <a:t>.</a:t>
+            </a:r>
+          </a:p>
+          <a:p>
+            <a:pPr algn="l"/>
+            <a:r>
+              <a:rPr lang="ko-KR" altLang="en-US" sz="1200" dirty="0">
+                <a:solidFill>
+                  <a:srgbClr val="FF0000"/>
+                </a:solidFill>
+              </a:rPr>
+              <a:t>이름이 없어도 상관 없습니다</a:t>
+            </a:r>
+            <a:r>
+              <a:rPr lang="en-US" altLang="ko-KR" sz="1200" dirty="0">
+                <a:solidFill>
+                  <a:srgbClr val="FF0000"/>
+                </a:solidFill>
+              </a:rPr>
+              <a:t>. </a:t>
+            </a:r>
+            <a:endParaRPr lang="ko-KR" altLang="en-US" sz="1200" dirty="0">
+              <a:solidFill>
+                <a:srgbClr val="FF0000"/>
+              </a:solidFill>
+            </a:endParaRPr>
+          </a:p>
+        </p:txBody>
+      </p:sp>
+      <p:cxnSp>
+        <p:nvCxnSpPr>
+          <p:cNvPr id="17" name="직선 화살표 연결선 16">
+            <a:extLst>
+              <a:ext uri="{FF2B5EF4-FFF2-40B4-BE49-F238E27FC236}">
+                <a16:creationId xmlns:a16="http://schemas.microsoft.com/office/drawing/2014/main" id="{66E3A775-F27A-4E77-8FB0-1586A1FAEC3E}"/>
+              </a:ext>
+            </a:extLst>
+          </p:cNvPr>
+          <p:cNvCxnSpPr>
+            <a:cxnSpLocks/>
+          </p:cNvCxnSpPr>
+          <p:nvPr/>
+        </p:nvCxnSpPr>
+        <p:spPr>
+          <a:xfrm flipV="1">
+            <a:off x="3681795" y="3041584"/>
+            <a:ext cx="630633" cy="320419"/>
+          </a:xfrm>
+          <a:prstGeom prst="straightConnector1">
+            <a:avLst/>
+          </a:prstGeom>
+          <a:ln w="28575">
+            <a:solidFill>
+              <a:srgbClr val="FF0000"/>
+            </a:solidFill>
+            <a:tailEnd type="triangle"/>
+          </a:ln>
+        </p:spPr>
+        <p:style>
+          <a:lnRef idx="1">
+            <a:schemeClr val="accent1"/>
+          </a:lnRef>
+          <a:fillRef idx="0">
+            <a:schemeClr val="accent1"/>
+          </a:fillRef>
+          <a:effectRef idx="0">
+            <a:schemeClr val="accent1"/>
+          </a:effectRef>
+          <a:fontRef idx="minor">
+            <a:schemeClr val="tx1"/>
+          </a:fontRef>
+        </p:style>
+      </p:cxnSp>
+      <p:sp>
+        <p:nvSpPr>
+          <p:cNvPr id="21" name="직사각형 20">
+            <a:extLst>
+              <a:ext uri="{FF2B5EF4-FFF2-40B4-BE49-F238E27FC236}">
+                <a16:creationId xmlns:a16="http://schemas.microsoft.com/office/drawing/2014/main" id="{5848E372-5189-46F7-ABEA-BAFB8DF60512}"/>
+              </a:ext>
+            </a:extLst>
+          </p:cNvPr>
+          <p:cNvSpPr/>
+          <p:nvPr/>
+        </p:nvSpPr>
+        <p:spPr>
+          <a:xfrm>
+            <a:off x="5745433" y="3409195"/>
+            <a:ext cx="796952" cy="357114"/>
+          </a:xfrm>
+          <a:prstGeom prst="rect">
+            <a:avLst/>
+          </a:prstGeom>
+          <a:noFill/>
+          <a:ln w="28575">
+            <a:solidFill>
+              <a:srgbClr val="FF0000"/>
+            </a:solidFill>
+          </a:ln>
+        </p:spPr>
+        <p:style>
+          <a:lnRef idx="2">
+            <a:schemeClr val="accent1">
+              <a:shade val="50000"/>
+            </a:schemeClr>
+          </a:lnRef>
+          <a:fillRef idx="1">
+            <a:schemeClr val="accent1"/>
+          </a:fillRef>
+          <a:effectRef idx="0">
+            <a:schemeClr val="accent1"/>
+          </a:effectRef>
+          <a:fontRef idx="minor">
+            <a:schemeClr val="lt1"/>
+          </a:fontRef>
+        </p:style>
+        <p:txBody>
+          <a:bodyPr rtlCol="0" anchor="ctr"/>
+          <a:lstStyle/>
+          <a:p>
+            <a:pPr algn="ctr"/>
+            <a:endParaRPr lang="ko-KR" altLang="en-US"/>
+          </a:p>
+        </p:txBody>
+      </p:sp>
     </p:spTree>
     <p:extLst>
       <p:ext uri="{BB962C8B-B14F-4D97-AF65-F5344CB8AC3E}">
         <p14:creationId xmlns:p14="http://schemas.microsoft.com/office/powerpoint/2010/main" val="773497706"/>
+      </p:ext>
+    </p:extLst>
+  </p:cSld>
+  <p:clrMapOvr>
+    <a:masterClrMapping/>
+  </p:clrMapOvr>
+</p:sld>
+</file>
+
+<file path=ppt/slides/slide16.xml><?xml version="1.0" encoding="utf-8"?>
+<p:sld xmlns:a="http://schemas.openxmlformats.org/drawingml/2006/main" xmlns:r="http://schemas.openxmlformats.org/officeDocument/2006/relationships" xmlns:p="http://schemas.openxmlformats.org/presentationml/2006/main">
+  <p:cSld>
+    <p:spTree>
+      <p:nvGrpSpPr>
+        <p:cNvPr id="1" name=""/>
+        <p:cNvGrpSpPr/>
+        <p:nvPr/>
+      </p:nvGrpSpPr>
+      <p:grpSpPr>
+        <a:xfrm>
+          <a:off x="0" y="0"/>
+          <a:ext cx="0" cy="0"/>
+          <a:chOff x="0" y="0"/>
+          <a:chExt cx="0" cy="0"/>
+        </a:xfrm>
+      </p:grpSpPr>
+      <p:pic>
+        <p:nvPicPr>
+          <p:cNvPr id="3" name="그림 2">
+            <a:extLst>
+              <a:ext uri="{FF2B5EF4-FFF2-40B4-BE49-F238E27FC236}">
+                <a16:creationId xmlns:a16="http://schemas.microsoft.com/office/drawing/2014/main" id="{5C3AA16F-0285-43DF-B819-5DE4B82DB238}"/>
+              </a:ext>
+            </a:extLst>
+          </p:cNvPr>
+          <p:cNvPicPr>
+            <a:picLocks noChangeAspect="1"/>
+          </p:cNvPicPr>
+          <p:nvPr/>
+        </p:nvPicPr>
+        <p:blipFill rotWithShape="1">
+          <a:blip r:embed="rId2"/>
+          <a:srcRect b="16268"/>
+          <a:stretch/>
+        </p:blipFill>
+        <p:spPr>
+          <a:xfrm>
+            <a:off x="377559" y="337439"/>
+            <a:ext cx="6695768" cy="2588641"/>
+          </a:xfrm>
+          <a:prstGeom prst="rect">
+            <a:avLst/>
+          </a:prstGeom>
+          <a:ln>
+            <a:solidFill>
+              <a:srgbClr val="0000FF"/>
+            </a:solidFill>
+          </a:ln>
+        </p:spPr>
+      </p:pic>
+      <p:sp>
+        <p:nvSpPr>
+          <p:cNvPr id="4" name="직사각형 3">
+            <a:extLst>
+              <a:ext uri="{FF2B5EF4-FFF2-40B4-BE49-F238E27FC236}">
+                <a16:creationId xmlns:a16="http://schemas.microsoft.com/office/drawing/2014/main" id="{4AFB37EA-13B3-4EBE-93E0-74E435F9AE3A}"/>
+              </a:ext>
+            </a:extLst>
+          </p:cNvPr>
+          <p:cNvSpPr/>
+          <p:nvPr/>
+        </p:nvSpPr>
+        <p:spPr>
+          <a:xfrm>
+            <a:off x="471948" y="1893693"/>
+            <a:ext cx="584037" cy="159282"/>
+          </a:xfrm>
+          <a:prstGeom prst="rect">
+            <a:avLst/>
+          </a:prstGeom>
+          <a:noFill/>
+          <a:ln w="28575">
+            <a:solidFill>
+              <a:srgbClr val="FF0000"/>
+            </a:solidFill>
+          </a:ln>
+        </p:spPr>
+        <p:style>
+          <a:lnRef idx="2">
+            <a:schemeClr val="accent1">
+              <a:shade val="50000"/>
+            </a:schemeClr>
+          </a:lnRef>
+          <a:fillRef idx="1">
+            <a:schemeClr val="accent1"/>
+          </a:fillRef>
+          <a:effectRef idx="0">
+            <a:schemeClr val="accent1"/>
+          </a:effectRef>
+          <a:fontRef idx="minor">
+            <a:schemeClr val="lt1"/>
+          </a:fontRef>
+        </p:style>
+        <p:txBody>
+          <a:bodyPr rtlCol="0" anchor="ctr"/>
+          <a:lstStyle/>
+          <a:p>
+            <a:pPr algn="ctr"/>
+            <a:endParaRPr lang="ko-KR" altLang="en-US"/>
+          </a:p>
+        </p:txBody>
+      </p:sp>
+      <p:sp>
+        <p:nvSpPr>
+          <p:cNvPr id="5" name="타원 4">
+            <a:extLst>
+              <a:ext uri="{FF2B5EF4-FFF2-40B4-BE49-F238E27FC236}">
+                <a16:creationId xmlns:a16="http://schemas.microsoft.com/office/drawing/2014/main" id="{C1351662-8E61-43EB-AADE-246560116C7A}"/>
+              </a:ext>
+            </a:extLst>
+          </p:cNvPr>
+          <p:cNvSpPr/>
+          <p:nvPr/>
+        </p:nvSpPr>
+        <p:spPr>
+          <a:xfrm>
+            <a:off x="1669517" y="1309657"/>
+            <a:ext cx="200578" cy="206477"/>
+          </a:xfrm>
+          <a:prstGeom prst="ellipse">
+            <a:avLst/>
+          </a:prstGeom>
+          <a:noFill/>
+          <a:ln w="28575">
+            <a:solidFill>
+              <a:srgbClr val="FF0000"/>
+            </a:solidFill>
+          </a:ln>
+        </p:spPr>
+        <p:style>
+          <a:lnRef idx="2">
+            <a:schemeClr val="accent1">
+              <a:shade val="50000"/>
+            </a:schemeClr>
+          </a:lnRef>
+          <a:fillRef idx="1">
+            <a:schemeClr val="accent1"/>
+          </a:fillRef>
+          <a:effectRef idx="0">
+            <a:schemeClr val="accent1"/>
+          </a:effectRef>
+          <a:fontRef idx="minor">
+            <a:schemeClr val="lt1"/>
+          </a:fontRef>
+        </p:style>
+        <p:txBody>
+          <a:bodyPr rtlCol="0" anchor="ctr"/>
+          <a:lstStyle/>
+          <a:p>
+            <a:pPr algn="ctr"/>
+            <a:endParaRPr lang="ko-KR" altLang="en-US"/>
+          </a:p>
+        </p:txBody>
+      </p:sp>
+      <p:sp>
+        <p:nvSpPr>
+          <p:cNvPr id="6" name="직사각형 5">
+            <a:extLst>
+              <a:ext uri="{FF2B5EF4-FFF2-40B4-BE49-F238E27FC236}">
+                <a16:creationId xmlns:a16="http://schemas.microsoft.com/office/drawing/2014/main" id="{B5FD371A-C3BB-4370-84A1-76D816CB8459}"/>
+              </a:ext>
+            </a:extLst>
+          </p:cNvPr>
+          <p:cNvSpPr/>
+          <p:nvPr/>
+        </p:nvSpPr>
+        <p:spPr>
+          <a:xfrm>
+            <a:off x="4147246" y="578137"/>
+            <a:ext cx="383459" cy="206477"/>
+          </a:xfrm>
+          <a:prstGeom prst="rect">
+            <a:avLst/>
+          </a:prstGeom>
+          <a:noFill/>
+          <a:ln w="28575">
+            <a:solidFill>
+              <a:srgbClr val="FF0000"/>
+            </a:solidFill>
+          </a:ln>
+        </p:spPr>
+        <p:style>
+          <a:lnRef idx="2">
+            <a:schemeClr val="accent1">
+              <a:shade val="50000"/>
+            </a:schemeClr>
+          </a:lnRef>
+          <a:fillRef idx="1">
+            <a:schemeClr val="accent1"/>
+          </a:fillRef>
+          <a:effectRef idx="0">
+            <a:schemeClr val="accent1"/>
+          </a:effectRef>
+          <a:fontRef idx="minor">
+            <a:schemeClr val="lt1"/>
+          </a:fontRef>
+        </p:style>
+        <p:txBody>
+          <a:bodyPr rtlCol="0" anchor="ctr"/>
+          <a:lstStyle/>
+          <a:p>
+            <a:pPr algn="ctr"/>
+            <a:endParaRPr lang="ko-KR" altLang="en-US"/>
+          </a:p>
+        </p:txBody>
+      </p:sp>
+      <p:cxnSp>
+        <p:nvCxnSpPr>
+          <p:cNvPr id="8" name="직선 화살표 연결선 7">
+            <a:extLst>
+              <a:ext uri="{FF2B5EF4-FFF2-40B4-BE49-F238E27FC236}">
+                <a16:creationId xmlns:a16="http://schemas.microsoft.com/office/drawing/2014/main" id="{C58E0075-696F-477F-89A2-EF7924C7FF2A}"/>
+              </a:ext>
+            </a:extLst>
+          </p:cNvPr>
+          <p:cNvCxnSpPr>
+            <a:cxnSpLocks/>
+            <a:stCxn id="4" idx="3"/>
+            <a:endCxn id="5" idx="3"/>
+          </p:cNvCxnSpPr>
+          <p:nvPr/>
+        </p:nvCxnSpPr>
+        <p:spPr>
+          <a:xfrm flipV="1">
+            <a:off x="1055985" y="1485896"/>
+            <a:ext cx="642906" cy="487438"/>
+          </a:xfrm>
+          <a:prstGeom prst="straightConnector1">
+            <a:avLst/>
+          </a:prstGeom>
+          <a:ln w="12700">
+            <a:solidFill>
+              <a:srgbClr val="FF0000"/>
+            </a:solidFill>
+            <a:tailEnd type="triangle"/>
+          </a:ln>
+        </p:spPr>
+        <p:style>
+          <a:lnRef idx="1">
+            <a:schemeClr val="accent1"/>
+          </a:lnRef>
+          <a:fillRef idx="0">
+            <a:schemeClr val="accent1"/>
+          </a:fillRef>
+          <a:effectRef idx="0">
+            <a:schemeClr val="accent1"/>
+          </a:effectRef>
+          <a:fontRef idx="minor">
+            <a:schemeClr val="tx1"/>
+          </a:fontRef>
+        </p:style>
+      </p:cxnSp>
+      <p:cxnSp>
+        <p:nvCxnSpPr>
+          <p:cNvPr id="11" name="직선 화살표 연결선 10">
+            <a:extLst>
+              <a:ext uri="{FF2B5EF4-FFF2-40B4-BE49-F238E27FC236}">
+                <a16:creationId xmlns:a16="http://schemas.microsoft.com/office/drawing/2014/main" id="{07E3BD88-6CE3-4F26-9C53-752AC7E2C848}"/>
+              </a:ext>
+            </a:extLst>
+          </p:cNvPr>
+          <p:cNvCxnSpPr>
+            <a:stCxn id="5" idx="7"/>
+            <a:endCxn id="6" idx="1"/>
+          </p:cNvCxnSpPr>
+          <p:nvPr/>
+        </p:nvCxnSpPr>
+        <p:spPr>
+          <a:xfrm flipV="1">
+            <a:off x="1840721" y="681376"/>
+            <a:ext cx="2306525" cy="658519"/>
+          </a:xfrm>
+          <a:prstGeom prst="straightConnector1">
+            <a:avLst/>
+          </a:prstGeom>
+          <a:ln w="12700">
+            <a:solidFill>
+              <a:srgbClr val="FF0000"/>
+            </a:solidFill>
+            <a:tailEnd type="triangle"/>
+          </a:ln>
+        </p:spPr>
+        <p:style>
+          <a:lnRef idx="1">
+            <a:schemeClr val="accent1"/>
+          </a:lnRef>
+          <a:fillRef idx="0">
+            <a:schemeClr val="accent1"/>
+          </a:fillRef>
+          <a:effectRef idx="0">
+            <a:schemeClr val="accent1"/>
+          </a:effectRef>
+          <a:fontRef idx="minor">
+            <a:schemeClr val="tx1"/>
+          </a:fontRef>
+        </p:style>
+      </p:cxnSp>
+      <p:pic>
+        <p:nvPicPr>
+          <p:cNvPr id="13" name="그림 12">
+            <a:extLst>
+              <a:ext uri="{FF2B5EF4-FFF2-40B4-BE49-F238E27FC236}">
+                <a16:creationId xmlns:a16="http://schemas.microsoft.com/office/drawing/2014/main" id="{4C23C047-C4DE-4E76-999C-C6B2BCD63A36}"/>
+              </a:ext>
+            </a:extLst>
+          </p:cNvPr>
+          <p:cNvPicPr>
+            <a:picLocks noChangeAspect="1"/>
+          </p:cNvPicPr>
+          <p:nvPr/>
+        </p:nvPicPr>
+        <p:blipFill>
+          <a:blip r:embed="rId3"/>
+          <a:stretch>
+            <a:fillRect/>
+          </a:stretch>
+        </p:blipFill>
+        <p:spPr>
+          <a:xfrm>
+            <a:off x="377559" y="3429000"/>
+            <a:ext cx="6695768" cy="1860807"/>
+          </a:xfrm>
+          <a:prstGeom prst="rect">
+            <a:avLst/>
+          </a:prstGeom>
+          <a:ln>
+            <a:solidFill>
+              <a:srgbClr val="0000FF"/>
+            </a:solidFill>
+          </a:ln>
+        </p:spPr>
+      </p:pic>
+      <p:sp>
+        <p:nvSpPr>
+          <p:cNvPr id="23" name="직사각형 22">
+            <a:extLst>
+              <a:ext uri="{FF2B5EF4-FFF2-40B4-BE49-F238E27FC236}">
+                <a16:creationId xmlns:a16="http://schemas.microsoft.com/office/drawing/2014/main" id="{0EC47E94-1510-48BE-96CD-1B78306FB6D6}"/>
+              </a:ext>
+            </a:extLst>
+          </p:cNvPr>
+          <p:cNvSpPr/>
+          <p:nvPr/>
+        </p:nvSpPr>
+        <p:spPr>
+          <a:xfrm>
+            <a:off x="471947" y="4994299"/>
+            <a:ext cx="584037" cy="159282"/>
+          </a:xfrm>
+          <a:prstGeom prst="rect">
+            <a:avLst/>
+          </a:prstGeom>
+          <a:noFill/>
+          <a:ln w="28575">
+            <a:solidFill>
+              <a:srgbClr val="FF0000"/>
+            </a:solidFill>
+          </a:ln>
+        </p:spPr>
+        <p:style>
+          <a:lnRef idx="2">
+            <a:schemeClr val="accent1">
+              <a:shade val="50000"/>
+            </a:schemeClr>
+          </a:lnRef>
+          <a:fillRef idx="1">
+            <a:schemeClr val="accent1"/>
+          </a:fillRef>
+          <a:effectRef idx="0">
+            <a:schemeClr val="accent1"/>
+          </a:effectRef>
+          <a:fontRef idx="minor">
+            <a:schemeClr val="lt1"/>
+          </a:fontRef>
+        </p:style>
+        <p:txBody>
+          <a:bodyPr rtlCol="0" anchor="ctr"/>
+          <a:lstStyle/>
+          <a:p>
+            <a:pPr algn="ctr"/>
+            <a:endParaRPr lang="ko-KR" altLang="en-US"/>
+          </a:p>
+        </p:txBody>
+      </p:sp>
+      <p:cxnSp>
+        <p:nvCxnSpPr>
+          <p:cNvPr id="26" name="직선 화살표 연결선 25">
+            <a:extLst>
+              <a:ext uri="{FF2B5EF4-FFF2-40B4-BE49-F238E27FC236}">
+                <a16:creationId xmlns:a16="http://schemas.microsoft.com/office/drawing/2014/main" id="{D04C0A12-F2FE-415D-BC88-FAADD70CDC7D}"/>
+              </a:ext>
+            </a:extLst>
+          </p:cNvPr>
+          <p:cNvCxnSpPr>
+            <a:cxnSpLocks/>
+            <a:stCxn id="23" idx="3"/>
+          </p:cNvCxnSpPr>
+          <p:nvPr/>
+        </p:nvCxnSpPr>
+        <p:spPr>
+          <a:xfrm flipV="1">
+            <a:off x="1055984" y="4506861"/>
+            <a:ext cx="1522033" cy="567079"/>
+          </a:xfrm>
+          <a:prstGeom prst="straightConnector1">
+            <a:avLst/>
+          </a:prstGeom>
+          <a:ln w="12700">
+            <a:solidFill>
+              <a:srgbClr val="FF0000"/>
+            </a:solidFill>
+            <a:tailEnd type="triangle"/>
+          </a:ln>
+        </p:spPr>
+        <p:style>
+          <a:lnRef idx="1">
+            <a:schemeClr val="accent1"/>
+          </a:lnRef>
+          <a:fillRef idx="0">
+            <a:schemeClr val="accent1"/>
+          </a:fillRef>
+          <a:effectRef idx="0">
+            <a:schemeClr val="accent1"/>
+          </a:effectRef>
+          <a:fontRef idx="minor">
+            <a:schemeClr val="tx1"/>
+          </a:fontRef>
+        </p:style>
+      </p:cxnSp>
+      <p:sp>
+        <p:nvSpPr>
+          <p:cNvPr id="28" name="직사각형 27">
+            <a:extLst>
+              <a:ext uri="{FF2B5EF4-FFF2-40B4-BE49-F238E27FC236}">
+                <a16:creationId xmlns:a16="http://schemas.microsoft.com/office/drawing/2014/main" id="{229EC369-5A55-4B17-8697-DA623E9FA227}"/>
+              </a:ext>
+            </a:extLst>
+          </p:cNvPr>
+          <p:cNvSpPr/>
+          <p:nvPr/>
+        </p:nvSpPr>
+        <p:spPr>
+          <a:xfrm>
+            <a:off x="2625212" y="4417141"/>
+            <a:ext cx="1008790" cy="169361"/>
+          </a:xfrm>
+          <a:prstGeom prst="rect">
+            <a:avLst/>
+          </a:prstGeom>
+          <a:noFill/>
+          <a:ln w="28575">
+            <a:solidFill>
+              <a:srgbClr val="FF0000"/>
+            </a:solidFill>
+          </a:ln>
+        </p:spPr>
+        <p:style>
+          <a:lnRef idx="2">
+            <a:schemeClr val="accent1">
+              <a:shade val="50000"/>
+            </a:schemeClr>
+          </a:lnRef>
+          <a:fillRef idx="1">
+            <a:schemeClr val="accent1"/>
+          </a:fillRef>
+          <a:effectRef idx="0">
+            <a:schemeClr val="accent1"/>
+          </a:effectRef>
+          <a:fontRef idx="minor">
+            <a:schemeClr val="lt1"/>
+          </a:fontRef>
+        </p:style>
+        <p:txBody>
+          <a:bodyPr rtlCol="0" anchor="ctr"/>
+          <a:lstStyle/>
+          <a:p>
+            <a:pPr algn="ctr"/>
+            <a:endParaRPr lang="ko-KR" altLang="en-US"/>
+          </a:p>
+        </p:txBody>
+      </p:sp>
+      <p:pic>
+        <p:nvPicPr>
+          <p:cNvPr id="32" name="그림 31">
+            <a:extLst>
+              <a:ext uri="{FF2B5EF4-FFF2-40B4-BE49-F238E27FC236}">
+                <a16:creationId xmlns:a16="http://schemas.microsoft.com/office/drawing/2014/main" id="{54F58AAC-89EC-4336-B40D-03EBDC0BEC2D}"/>
+              </a:ext>
+            </a:extLst>
+          </p:cNvPr>
+          <p:cNvPicPr>
+            <a:picLocks noChangeAspect="1"/>
+          </p:cNvPicPr>
+          <p:nvPr/>
+        </p:nvPicPr>
+        <p:blipFill>
+          <a:blip r:embed="rId4"/>
+          <a:stretch>
+            <a:fillRect/>
+          </a:stretch>
+        </p:blipFill>
+        <p:spPr>
+          <a:xfrm>
+            <a:off x="3901131" y="4417141"/>
+            <a:ext cx="3961048" cy="2107197"/>
+          </a:xfrm>
+          <a:prstGeom prst="rect">
+            <a:avLst/>
+          </a:prstGeom>
+          <a:ln>
+            <a:solidFill>
+              <a:srgbClr val="0000FF"/>
+            </a:solidFill>
+          </a:ln>
+        </p:spPr>
+      </p:pic>
+      <p:sp>
+        <p:nvSpPr>
+          <p:cNvPr id="33" name="직사각형 32">
+            <a:extLst>
+              <a:ext uri="{FF2B5EF4-FFF2-40B4-BE49-F238E27FC236}">
+                <a16:creationId xmlns:a16="http://schemas.microsoft.com/office/drawing/2014/main" id="{CD8A429C-0596-4576-B1E1-196B00C30D48}"/>
+              </a:ext>
+            </a:extLst>
+          </p:cNvPr>
+          <p:cNvSpPr/>
+          <p:nvPr/>
+        </p:nvSpPr>
+        <p:spPr>
+          <a:xfrm>
+            <a:off x="6445250" y="4603750"/>
+            <a:ext cx="330200" cy="184150"/>
+          </a:xfrm>
+          <a:prstGeom prst="rect">
+            <a:avLst/>
+          </a:prstGeom>
+          <a:noFill/>
+          <a:ln w="28575">
+            <a:solidFill>
+              <a:srgbClr val="FF0000"/>
+            </a:solidFill>
+          </a:ln>
+        </p:spPr>
+        <p:style>
+          <a:lnRef idx="2">
+            <a:schemeClr val="accent1">
+              <a:shade val="50000"/>
+            </a:schemeClr>
+          </a:lnRef>
+          <a:fillRef idx="1">
+            <a:schemeClr val="accent1"/>
+          </a:fillRef>
+          <a:effectRef idx="0">
+            <a:schemeClr val="accent1"/>
+          </a:effectRef>
+          <a:fontRef idx="minor">
+            <a:schemeClr val="lt1"/>
+          </a:fontRef>
+        </p:style>
+        <p:txBody>
+          <a:bodyPr rtlCol="0" anchor="ctr"/>
+          <a:lstStyle/>
+          <a:p>
+            <a:pPr algn="ctr"/>
+            <a:endParaRPr lang="ko-KR" altLang="en-US"/>
+          </a:p>
+        </p:txBody>
+      </p:sp>
+      <p:cxnSp>
+        <p:nvCxnSpPr>
+          <p:cNvPr id="35" name="직선 화살표 연결선 34">
+            <a:extLst>
+              <a:ext uri="{FF2B5EF4-FFF2-40B4-BE49-F238E27FC236}">
+                <a16:creationId xmlns:a16="http://schemas.microsoft.com/office/drawing/2014/main" id="{A06F8BE3-E782-4A37-B4D7-65132E3D2954}"/>
+              </a:ext>
+            </a:extLst>
+          </p:cNvPr>
+          <p:cNvCxnSpPr>
+            <a:stCxn id="28" idx="3"/>
+            <a:endCxn id="33" idx="1"/>
+          </p:cNvCxnSpPr>
+          <p:nvPr/>
+        </p:nvCxnSpPr>
+        <p:spPr>
+          <a:xfrm>
+            <a:off x="3634002" y="4501822"/>
+            <a:ext cx="2811248" cy="194003"/>
+          </a:xfrm>
+          <a:prstGeom prst="straightConnector1">
+            <a:avLst/>
+          </a:prstGeom>
+          <a:ln w="12700">
+            <a:solidFill>
+              <a:srgbClr val="FF0000"/>
+            </a:solidFill>
+            <a:tailEnd type="triangle"/>
+          </a:ln>
+        </p:spPr>
+        <p:style>
+          <a:lnRef idx="1">
+            <a:schemeClr val="accent1"/>
+          </a:lnRef>
+          <a:fillRef idx="0">
+            <a:schemeClr val="accent1"/>
+          </a:fillRef>
+          <a:effectRef idx="0">
+            <a:schemeClr val="accent1"/>
+          </a:effectRef>
+          <a:fontRef idx="minor">
+            <a:schemeClr val="tx1"/>
+          </a:fontRef>
+        </p:style>
+      </p:cxnSp>
+    </p:spTree>
+    <p:extLst>
+      <p:ext uri="{BB962C8B-B14F-4D97-AF65-F5344CB8AC3E}">
+        <p14:creationId xmlns:p14="http://schemas.microsoft.com/office/powerpoint/2010/main" val="2064931677"/>
+      </p:ext>
+    </p:extLst>
+  </p:cSld>
+  <p:clrMapOvr>
+    <a:masterClrMapping/>
+  </p:clrMapOvr>
+</p:sld>
+</file>
+
+<file path=ppt/slides/slide17.xml><?xml version="1.0" encoding="utf-8"?>
+<p:sld xmlns:a="http://schemas.openxmlformats.org/drawingml/2006/main" xmlns:r="http://schemas.openxmlformats.org/officeDocument/2006/relationships" xmlns:p="http://schemas.openxmlformats.org/presentationml/2006/main">
+  <p:cSld>
+    <p:spTree>
+      <p:nvGrpSpPr>
+        <p:cNvPr id="1" name=""/>
+        <p:cNvGrpSpPr/>
+        <p:nvPr/>
+      </p:nvGrpSpPr>
+      <p:grpSpPr>
+        <a:xfrm>
+          <a:off x="0" y="0"/>
+          <a:ext cx="0" cy="0"/>
+          <a:chOff x="0" y="0"/>
+          <a:chExt cx="0" cy="0"/>
+        </a:xfrm>
+      </p:grpSpPr>
+      <p:pic>
+        <p:nvPicPr>
+          <p:cNvPr id="3" name="그림 2">
+            <a:extLst>
+              <a:ext uri="{FF2B5EF4-FFF2-40B4-BE49-F238E27FC236}">
+                <a16:creationId xmlns:a16="http://schemas.microsoft.com/office/drawing/2014/main" id="{DAC3EB19-9131-4E93-9A11-33EB6FA8BAC2}"/>
+              </a:ext>
+            </a:extLst>
+          </p:cNvPr>
+          <p:cNvPicPr>
+            <a:picLocks noChangeAspect="1"/>
+          </p:cNvPicPr>
+          <p:nvPr/>
+        </p:nvPicPr>
+        <p:blipFill>
+          <a:blip r:embed="rId2"/>
+          <a:stretch>
+            <a:fillRect/>
+          </a:stretch>
+        </p:blipFill>
+        <p:spPr>
+          <a:xfrm>
+            <a:off x="257438" y="222249"/>
+            <a:ext cx="2437999" cy="3298469"/>
+          </a:xfrm>
+          <a:prstGeom prst="rect">
+            <a:avLst/>
+          </a:prstGeom>
+          <a:ln>
+            <a:solidFill>
+              <a:srgbClr val="0000FF"/>
+            </a:solidFill>
+          </a:ln>
+        </p:spPr>
+      </p:pic>
+      <p:pic>
+        <p:nvPicPr>
+          <p:cNvPr id="5" name="그림 4">
+            <a:extLst>
+              <a:ext uri="{FF2B5EF4-FFF2-40B4-BE49-F238E27FC236}">
+                <a16:creationId xmlns:a16="http://schemas.microsoft.com/office/drawing/2014/main" id="{048E8078-9FC6-4C72-9FDF-66171DD0E302}"/>
+              </a:ext>
+            </a:extLst>
+          </p:cNvPr>
+          <p:cNvPicPr>
+            <a:picLocks noChangeAspect="1"/>
+          </p:cNvPicPr>
+          <p:nvPr/>
+        </p:nvPicPr>
+        <p:blipFill rotWithShape="1">
+          <a:blip r:embed="rId3"/>
+          <a:srcRect l="1367" t="1345" r="1778" b="1086"/>
+          <a:stretch/>
+        </p:blipFill>
+        <p:spPr>
+          <a:xfrm>
+            <a:off x="2413000" y="965891"/>
+            <a:ext cx="2736850" cy="3227927"/>
+          </a:xfrm>
+          <a:prstGeom prst="rect">
+            <a:avLst/>
+          </a:prstGeom>
+          <a:ln>
+            <a:solidFill>
+              <a:srgbClr val="0000FF"/>
+            </a:solidFill>
+          </a:ln>
+        </p:spPr>
+      </p:pic>
+    </p:spTree>
+    <p:extLst>
+      <p:ext uri="{BB962C8B-B14F-4D97-AF65-F5344CB8AC3E}">
+        <p14:creationId xmlns:p14="http://schemas.microsoft.com/office/powerpoint/2010/main" val="3035076219"/>
+      </p:ext>
+    </p:extLst>
+  </p:cSld>
+  <p:clrMapOvr>
+    <a:masterClrMapping/>
+  </p:clrMapOvr>
+</p:sld>
+</file>
+
+<file path=ppt/slides/slide18.xml><?xml version="1.0" encoding="utf-8"?>
+<p:sld xmlns:a="http://schemas.openxmlformats.org/drawingml/2006/main" xmlns:r="http://schemas.openxmlformats.org/officeDocument/2006/relationships" xmlns:p="http://schemas.openxmlformats.org/presentationml/2006/main">
+  <p:cSld>
+    <p:spTree>
+      <p:nvGrpSpPr>
+        <p:cNvPr id="1" name=""/>
+        <p:cNvGrpSpPr/>
+        <p:nvPr/>
+      </p:nvGrpSpPr>
+      <p:grpSpPr>
+        <a:xfrm>
+          <a:off x="0" y="0"/>
+          <a:ext cx="0" cy="0"/>
+          <a:chOff x="0" y="0"/>
+          <a:chExt cx="0" cy="0"/>
+        </a:xfrm>
+      </p:grpSpPr>
+      <p:pic>
+        <p:nvPicPr>
+          <p:cNvPr id="17" name="그림 16">
+            <a:extLst>
+              <a:ext uri="{FF2B5EF4-FFF2-40B4-BE49-F238E27FC236}">
+                <a16:creationId xmlns:a16="http://schemas.microsoft.com/office/drawing/2014/main" id="{5E8CF6A8-94D4-4209-9C43-B2D905C137FC}"/>
+              </a:ext>
+            </a:extLst>
+          </p:cNvPr>
+          <p:cNvPicPr>
+            <a:picLocks noChangeAspect="1"/>
+          </p:cNvPicPr>
+          <p:nvPr/>
+        </p:nvPicPr>
+        <p:blipFill>
+          <a:blip r:embed="rId2"/>
+          <a:stretch>
+            <a:fillRect/>
+          </a:stretch>
+        </p:blipFill>
+        <p:spPr>
+          <a:xfrm>
+            <a:off x="6324600" y="3698023"/>
+            <a:ext cx="2705100" cy="1814671"/>
+          </a:xfrm>
+          <a:prstGeom prst="rect">
+            <a:avLst/>
+          </a:prstGeom>
+          <a:ln>
+            <a:solidFill>
+              <a:srgbClr val="0000FF"/>
+            </a:solidFill>
+          </a:ln>
+        </p:spPr>
+      </p:pic>
+      <p:pic>
+        <p:nvPicPr>
+          <p:cNvPr id="3" name="그림 2">
+            <a:extLst>
+              <a:ext uri="{FF2B5EF4-FFF2-40B4-BE49-F238E27FC236}">
+                <a16:creationId xmlns:a16="http://schemas.microsoft.com/office/drawing/2014/main" id="{E9F69A57-9CF4-4D19-9146-4137389657D3}"/>
+              </a:ext>
+            </a:extLst>
+          </p:cNvPr>
+          <p:cNvPicPr>
+            <a:picLocks noChangeAspect="1"/>
+          </p:cNvPicPr>
+          <p:nvPr/>
+        </p:nvPicPr>
+        <p:blipFill>
+          <a:blip r:embed="rId3"/>
+          <a:stretch>
+            <a:fillRect/>
+          </a:stretch>
+        </p:blipFill>
+        <p:spPr>
+          <a:xfrm>
+            <a:off x="498878" y="292099"/>
+            <a:ext cx="3311122" cy="3320889"/>
+          </a:xfrm>
+          <a:prstGeom prst="rect">
+            <a:avLst/>
+          </a:prstGeom>
+          <a:ln>
+            <a:solidFill>
+              <a:srgbClr val="0000FF"/>
+            </a:solidFill>
+          </a:ln>
+        </p:spPr>
+      </p:pic>
+      <p:pic>
+        <p:nvPicPr>
+          <p:cNvPr id="5" name="그림 4">
+            <a:extLst>
+              <a:ext uri="{FF2B5EF4-FFF2-40B4-BE49-F238E27FC236}">
+                <a16:creationId xmlns:a16="http://schemas.microsoft.com/office/drawing/2014/main" id="{63A0DAD5-059F-4B67-87B1-890D35579D0F}"/>
+              </a:ext>
+            </a:extLst>
+          </p:cNvPr>
+          <p:cNvPicPr>
+            <a:picLocks noChangeAspect="1"/>
+          </p:cNvPicPr>
+          <p:nvPr/>
+        </p:nvPicPr>
+        <p:blipFill>
+          <a:blip r:embed="rId4"/>
+          <a:stretch>
+            <a:fillRect/>
+          </a:stretch>
+        </p:blipFill>
+        <p:spPr>
+          <a:xfrm>
+            <a:off x="4062935" y="216810"/>
+            <a:ext cx="4769451" cy="3212190"/>
+          </a:xfrm>
+          <a:prstGeom prst="rect">
+            <a:avLst/>
+          </a:prstGeom>
+        </p:spPr>
+      </p:pic>
+      <p:cxnSp>
+        <p:nvCxnSpPr>
+          <p:cNvPr id="6" name="직선 화살표 연결선 5">
+            <a:extLst>
+              <a:ext uri="{FF2B5EF4-FFF2-40B4-BE49-F238E27FC236}">
+                <a16:creationId xmlns:a16="http://schemas.microsoft.com/office/drawing/2014/main" id="{A64FC247-3CF5-49F0-BDCF-05A31105CE83}"/>
+              </a:ext>
+            </a:extLst>
+          </p:cNvPr>
+          <p:cNvCxnSpPr>
+            <a:cxnSpLocks/>
+          </p:cNvCxnSpPr>
+          <p:nvPr/>
+        </p:nvCxnSpPr>
+        <p:spPr>
+          <a:xfrm flipV="1">
+            <a:off x="3702050" y="1016000"/>
+            <a:ext cx="2286000" cy="1625600"/>
+          </a:xfrm>
+          <a:prstGeom prst="straightConnector1">
+            <a:avLst/>
+          </a:prstGeom>
+          <a:ln w="12700">
+            <a:solidFill>
+              <a:srgbClr val="FF0000"/>
+            </a:solidFill>
+            <a:tailEnd type="triangle"/>
+          </a:ln>
+        </p:spPr>
+        <p:style>
+          <a:lnRef idx="1">
+            <a:schemeClr val="accent1"/>
+          </a:lnRef>
+          <a:fillRef idx="0">
+            <a:schemeClr val="accent1"/>
+          </a:fillRef>
+          <a:effectRef idx="0">
+            <a:schemeClr val="accent1"/>
+          </a:effectRef>
+          <a:fontRef idx="minor">
+            <a:schemeClr val="tx1"/>
+          </a:fontRef>
+        </p:style>
+      </p:cxnSp>
+      <p:cxnSp>
+        <p:nvCxnSpPr>
+          <p:cNvPr id="14" name="직선 화살표 연결선 13">
+            <a:extLst>
+              <a:ext uri="{FF2B5EF4-FFF2-40B4-BE49-F238E27FC236}">
+                <a16:creationId xmlns:a16="http://schemas.microsoft.com/office/drawing/2014/main" id="{5DB27312-7F74-4C36-ABE1-65D9498049A0}"/>
+              </a:ext>
+            </a:extLst>
+          </p:cNvPr>
+          <p:cNvCxnSpPr>
+            <a:cxnSpLocks/>
+          </p:cNvCxnSpPr>
+          <p:nvPr/>
+        </p:nvCxnSpPr>
+        <p:spPr>
+          <a:xfrm flipH="1">
+            <a:off x="7594600" y="3321050"/>
+            <a:ext cx="82550" cy="571500"/>
+          </a:xfrm>
+          <a:prstGeom prst="straightConnector1">
+            <a:avLst/>
+          </a:prstGeom>
+          <a:ln w="12700">
+            <a:solidFill>
+              <a:srgbClr val="FF0000"/>
+            </a:solidFill>
+            <a:tailEnd type="triangle"/>
+          </a:ln>
+        </p:spPr>
+        <p:style>
+          <a:lnRef idx="1">
+            <a:schemeClr val="accent1"/>
+          </a:lnRef>
+          <a:fillRef idx="0">
+            <a:schemeClr val="accent1"/>
+          </a:fillRef>
+          <a:effectRef idx="0">
+            <a:schemeClr val="accent1"/>
+          </a:effectRef>
+          <a:fontRef idx="minor">
+            <a:schemeClr val="tx1"/>
+          </a:fontRef>
+        </p:style>
+      </p:cxnSp>
+      <p:sp>
+        <p:nvSpPr>
+          <p:cNvPr id="21" name="직사각형 20">
+            <a:extLst>
+              <a:ext uri="{FF2B5EF4-FFF2-40B4-BE49-F238E27FC236}">
+                <a16:creationId xmlns:a16="http://schemas.microsoft.com/office/drawing/2014/main" id="{ED6E072E-0E8F-4751-AAE9-EEAB5AE5A1F7}"/>
+              </a:ext>
+            </a:extLst>
+          </p:cNvPr>
+          <p:cNvSpPr/>
+          <p:nvPr/>
+        </p:nvSpPr>
+        <p:spPr>
+          <a:xfrm>
+            <a:off x="8350482" y="4097554"/>
+            <a:ext cx="679218" cy="133350"/>
+          </a:xfrm>
+          <a:prstGeom prst="rect">
+            <a:avLst/>
+          </a:prstGeom>
+          <a:noFill/>
+          <a:ln w="28575">
+            <a:solidFill>
+              <a:srgbClr val="FF0000"/>
+            </a:solidFill>
+          </a:ln>
+        </p:spPr>
+        <p:style>
+          <a:lnRef idx="2">
+            <a:schemeClr val="accent1">
+              <a:shade val="50000"/>
+            </a:schemeClr>
+          </a:lnRef>
+          <a:fillRef idx="1">
+            <a:schemeClr val="accent1"/>
+          </a:fillRef>
+          <a:effectRef idx="0">
+            <a:schemeClr val="accent1"/>
+          </a:effectRef>
+          <a:fontRef idx="minor">
+            <a:schemeClr val="lt1"/>
+          </a:fontRef>
+        </p:style>
+        <p:txBody>
+          <a:bodyPr rtlCol="0" anchor="ctr"/>
+          <a:lstStyle/>
+          <a:p>
+            <a:pPr algn="ctr"/>
+            <a:endParaRPr lang="ko-KR" altLang="en-US"/>
+          </a:p>
+        </p:txBody>
+      </p:sp>
+      <p:pic>
+        <p:nvPicPr>
+          <p:cNvPr id="23" name="그림 22">
+            <a:extLst>
+              <a:ext uri="{FF2B5EF4-FFF2-40B4-BE49-F238E27FC236}">
+                <a16:creationId xmlns:a16="http://schemas.microsoft.com/office/drawing/2014/main" id="{7A519B5D-9DCB-462A-8C7C-26C93FF422F6}"/>
+              </a:ext>
+            </a:extLst>
+          </p:cNvPr>
+          <p:cNvPicPr>
+            <a:picLocks noChangeAspect="1"/>
+          </p:cNvPicPr>
+          <p:nvPr/>
+        </p:nvPicPr>
+        <p:blipFill>
+          <a:blip r:embed="rId5"/>
+          <a:stretch>
+            <a:fillRect/>
+          </a:stretch>
+        </p:blipFill>
+        <p:spPr>
+          <a:xfrm>
+            <a:off x="4070983" y="4412177"/>
+            <a:ext cx="2203182" cy="2298485"/>
+          </a:xfrm>
+          <a:prstGeom prst="rect">
+            <a:avLst/>
+          </a:prstGeom>
+          <a:ln>
+            <a:solidFill>
+              <a:srgbClr val="0000FF"/>
+            </a:solidFill>
+          </a:ln>
+        </p:spPr>
+      </p:pic>
+      <p:sp>
+        <p:nvSpPr>
+          <p:cNvPr id="25" name="직사각형 24">
+            <a:extLst>
+              <a:ext uri="{FF2B5EF4-FFF2-40B4-BE49-F238E27FC236}">
+                <a16:creationId xmlns:a16="http://schemas.microsoft.com/office/drawing/2014/main" id="{C5E439DF-B536-478D-BD28-8CDE26103A56}"/>
+              </a:ext>
+            </a:extLst>
+          </p:cNvPr>
+          <p:cNvSpPr/>
+          <p:nvPr/>
+        </p:nvSpPr>
+        <p:spPr>
+          <a:xfrm>
+            <a:off x="6324600" y="3900704"/>
+            <a:ext cx="1956031" cy="330200"/>
+          </a:xfrm>
+          <a:prstGeom prst="rect">
+            <a:avLst/>
+          </a:prstGeom>
+          <a:noFill/>
+          <a:ln w="28575">
+            <a:solidFill>
+              <a:srgbClr val="FF0000"/>
+            </a:solidFill>
+          </a:ln>
+        </p:spPr>
+        <p:style>
+          <a:lnRef idx="2">
+            <a:schemeClr val="accent1">
+              <a:shade val="50000"/>
+            </a:schemeClr>
+          </a:lnRef>
+          <a:fillRef idx="1">
+            <a:schemeClr val="accent1"/>
+          </a:fillRef>
+          <a:effectRef idx="0">
+            <a:schemeClr val="accent1"/>
+          </a:effectRef>
+          <a:fontRef idx="minor">
+            <a:schemeClr val="lt1"/>
+          </a:fontRef>
+        </p:style>
+        <p:txBody>
+          <a:bodyPr rtlCol="0" anchor="ctr"/>
+          <a:lstStyle/>
+          <a:p>
+            <a:pPr algn="ctr"/>
+            <a:endParaRPr lang="ko-KR" altLang="en-US"/>
+          </a:p>
+        </p:txBody>
+      </p:sp>
+      <p:cxnSp>
+        <p:nvCxnSpPr>
+          <p:cNvPr id="28" name="직선 화살표 연결선 27">
+            <a:extLst>
+              <a:ext uri="{FF2B5EF4-FFF2-40B4-BE49-F238E27FC236}">
+                <a16:creationId xmlns:a16="http://schemas.microsoft.com/office/drawing/2014/main" id="{E2AA2F9E-F1A3-4E59-A4D5-ABBA35D994C0}"/>
+              </a:ext>
+            </a:extLst>
+          </p:cNvPr>
+          <p:cNvCxnSpPr>
+            <a:cxnSpLocks/>
+          </p:cNvCxnSpPr>
+          <p:nvPr/>
+        </p:nvCxnSpPr>
+        <p:spPr>
+          <a:xfrm flipH="1">
+            <a:off x="6172200" y="4228190"/>
+            <a:ext cx="2190248" cy="1931647"/>
+          </a:xfrm>
+          <a:prstGeom prst="straightConnector1">
+            <a:avLst/>
+          </a:prstGeom>
+          <a:ln w="12700">
+            <a:solidFill>
+              <a:srgbClr val="FF0000"/>
+            </a:solidFill>
+            <a:tailEnd type="triangle"/>
+          </a:ln>
+        </p:spPr>
+        <p:style>
+          <a:lnRef idx="1">
+            <a:schemeClr val="accent1"/>
+          </a:lnRef>
+          <a:fillRef idx="0">
+            <a:schemeClr val="accent1"/>
+          </a:fillRef>
+          <a:effectRef idx="0">
+            <a:schemeClr val="accent1"/>
+          </a:effectRef>
+          <a:fontRef idx="minor">
+            <a:schemeClr val="tx1"/>
+          </a:fontRef>
+        </p:style>
+      </p:cxnSp>
+      <p:pic>
+        <p:nvPicPr>
+          <p:cNvPr id="30" name="그림 29">
+            <a:extLst>
+              <a:ext uri="{FF2B5EF4-FFF2-40B4-BE49-F238E27FC236}">
+                <a16:creationId xmlns:a16="http://schemas.microsoft.com/office/drawing/2014/main" id="{705466E0-AE9F-4A3D-9F9F-4ECB562E399E}"/>
+              </a:ext>
+            </a:extLst>
+          </p:cNvPr>
+          <p:cNvPicPr>
+            <a:picLocks noChangeAspect="1"/>
+          </p:cNvPicPr>
+          <p:nvPr/>
+        </p:nvPicPr>
+        <p:blipFill>
+          <a:blip r:embed="rId6"/>
+          <a:stretch>
+            <a:fillRect/>
+          </a:stretch>
+        </p:blipFill>
+        <p:spPr>
+          <a:xfrm>
+            <a:off x="2341380" y="5535365"/>
+            <a:ext cx="1672590" cy="1037223"/>
+          </a:xfrm>
+          <a:prstGeom prst="rect">
+            <a:avLst/>
+          </a:prstGeom>
+          <a:ln>
+            <a:solidFill>
+              <a:srgbClr val="0000FF"/>
+            </a:solidFill>
+          </a:ln>
+        </p:spPr>
+      </p:pic>
+      <p:cxnSp>
+        <p:nvCxnSpPr>
+          <p:cNvPr id="32" name="직선 화살표 연결선 31">
+            <a:extLst>
+              <a:ext uri="{FF2B5EF4-FFF2-40B4-BE49-F238E27FC236}">
+                <a16:creationId xmlns:a16="http://schemas.microsoft.com/office/drawing/2014/main" id="{6D8C2FCF-76CA-4B70-B52F-286C3F072756}"/>
+              </a:ext>
+            </a:extLst>
+          </p:cNvPr>
+          <p:cNvCxnSpPr>
+            <a:cxnSpLocks/>
+          </p:cNvCxnSpPr>
+          <p:nvPr/>
+        </p:nvCxnSpPr>
+        <p:spPr>
+          <a:xfrm flipH="1" flipV="1">
+            <a:off x="3968750" y="6159837"/>
+            <a:ext cx="1476240" cy="133350"/>
+          </a:xfrm>
+          <a:prstGeom prst="straightConnector1">
+            <a:avLst/>
+          </a:prstGeom>
+          <a:ln w="12700">
+            <a:solidFill>
+              <a:srgbClr val="FF0000"/>
+            </a:solidFill>
+            <a:tailEnd type="triangle"/>
+          </a:ln>
+        </p:spPr>
+        <p:style>
+          <a:lnRef idx="1">
+            <a:schemeClr val="accent1"/>
+          </a:lnRef>
+          <a:fillRef idx="0">
+            <a:schemeClr val="accent1"/>
+          </a:fillRef>
+          <a:effectRef idx="0">
+            <a:schemeClr val="accent1"/>
+          </a:effectRef>
+          <a:fontRef idx="minor">
+            <a:schemeClr val="tx1"/>
+          </a:fontRef>
+        </p:style>
+      </p:cxnSp>
+      <p:pic>
+        <p:nvPicPr>
+          <p:cNvPr id="34" name="그림 33">
+            <a:extLst>
+              <a:ext uri="{FF2B5EF4-FFF2-40B4-BE49-F238E27FC236}">
+                <a16:creationId xmlns:a16="http://schemas.microsoft.com/office/drawing/2014/main" id="{AAEB0D23-C620-4AAD-89BA-EFB8A8AD3A2E}"/>
+              </a:ext>
+            </a:extLst>
+          </p:cNvPr>
+          <p:cNvPicPr>
+            <a:picLocks noChangeAspect="1"/>
+          </p:cNvPicPr>
+          <p:nvPr/>
+        </p:nvPicPr>
+        <p:blipFill>
+          <a:blip r:embed="rId7"/>
+          <a:stretch>
+            <a:fillRect/>
+          </a:stretch>
+        </p:blipFill>
+        <p:spPr>
+          <a:xfrm>
+            <a:off x="177992" y="3827977"/>
+            <a:ext cx="2016304" cy="2055162"/>
+          </a:xfrm>
+          <a:prstGeom prst="rect">
+            <a:avLst/>
+          </a:prstGeom>
+          <a:ln>
+            <a:solidFill>
+              <a:srgbClr val="0000FF"/>
+            </a:solidFill>
+          </a:ln>
+        </p:spPr>
+      </p:pic>
+      <p:cxnSp>
+        <p:nvCxnSpPr>
+          <p:cNvPr id="39" name="직선 화살표 연결선 38">
+            <a:extLst>
+              <a:ext uri="{FF2B5EF4-FFF2-40B4-BE49-F238E27FC236}">
+                <a16:creationId xmlns:a16="http://schemas.microsoft.com/office/drawing/2014/main" id="{3002DB12-26F2-4604-8AFC-649A59B75DAF}"/>
+              </a:ext>
+            </a:extLst>
+          </p:cNvPr>
+          <p:cNvCxnSpPr/>
+          <p:nvPr/>
+        </p:nvCxnSpPr>
+        <p:spPr>
+          <a:xfrm flipH="1" flipV="1">
+            <a:off x="1758950" y="5238750"/>
+            <a:ext cx="1156797" cy="1231900"/>
+          </a:xfrm>
+          <a:prstGeom prst="straightConnector1">
+            <a:avLst/>
+          </a:prstGeom>
+          <a:ln w="12700">
+            <a:solidFill>
+              <a:srgbClr val="FF0000"/>
+            </a:solidFill>
+            <a:tailEnd type="triangle"/>
+          </a:ln>
+        </p:spPr>
+        <p:style>
+          <a:lnRef idx="1">
+            <a:schemeClr val="accent1"/>
+          </a:lnRef>
+          <a:fillRef idx="0">
+            <a:schemeClr val="accent1"/>
+          </a:fillRef>
+          <a:effectRef idx="0">
+            <a:schemeClr val="accent1"/>
+          </a:effectRef>
+          <a:fontRef idx="minor">
+            <a:schemeClr val="tx1"/>
+          </a:fontRef>
+        </p:style>
+      </p:cxnSp>
+    </p:spTree>
+    <p:extLst>
+      <p:ext uri="{BB962C8B-B14F-4D97-AF65-F5344CB8AC3E}">
+        <p14:creationId xmlns:p14="http://schemas.microsoft.com/office/powerpoint/2010/main" val="2517366233"/>
+      </p:ext>
+    </p:extLst>
+  </p:cSld>
+  <p:clrMapOvr>
+    <a:masterClrMapping/>
+  </p:clrMapOvr>
+</p:sld>
+</file>
+
+<file path=ppt/slides/slide19.xml><?xml version="1.0" encoding="utf-8"?>
+<p:sld xmlns:a="http://schemas.openxmlformats.org/drawingml/2006/main" xmlns:r="http://schemas.openxmlformats.org/officeDocument/2006/relationships" xmlns:p="http://schemas.openxmlformats.org/presentationml/2006/main">
+  <p:cSld>
+    <p:spTree>
+      <p:nvGrpSpPr>
+        <p:cNvPr id="1" name=""/>
+        <p:cNvGrpSpPr/>
+        <p:nvPr/>
+      </p:nvGrpSpPr>
+      <p:grpSpPr>
+        <a:xfrm>
+          <a:off x="0" y="0"/>
+          <a:ext cx="0" cy="0"/>
+          <a:chOff x="0" y="0"/>
+          <a:chExt cx="0" cy="0"/>
+        </a:xfrm>
+      </p:grpSpPr>
+      <p:pic>
+        <p:nvPicPr>
+          <p:cNvPr id="3" name="그림 2">
+            <a:extLst>
+              <a:ext uri="{FF2B5EF4-FFF2-40B4-BE49-F238E27FC236}">
+                <a16:creationId xmlns:a16="http://schemas.microsoft.com/office/drawing/2014/main" id="{D19367A0-1DA7-40F3-9758-53F52DC67BB6}"/>
+              </a:ext>
+            </a:extLst>
+          </p:cNvPr>
+          <p:cNvPicPr>
+            <a:picLocks noChangeAspect="1"/>
+          </p:cNvPicPr>
+          <p:nvPr/>
+        </p:nvPicPr>
+        <p:blipFill>
+          <a:blip r:embed="rId2"/>
+          <a:stretch>
+            <a:fillRect/>
+          </a:stretch>
+        </p:blipFill>
+        <p:spPr>
+          <a:xfrm>
+            <a:off x="190500" y="456512"/>
+            <a:ext cx="7842250" cy="4782773"/>
+          </a:xfrm>
+          <a:prstGeom prst="rect">
+            <a:avLst/>
+          </a:prstGeom>
+        </p:spPr>
+      </p:pic>
+      <p:pic>
+        <p:nvPicPr>
+          <p:cNvPr id="7" name="그림 6">
+            <a:extLst>
+              <a:ext uri="{FF2B5EF4-FFF2-40B4-BE49-F238E27FC236}">
+                <a16:creationId xmlns:a16="http://schemas.microsoft.com/office/drawing/2014/main" id="{9DF5E410-6A10-4144-8C9D-CC3DF7A7FD19}"/>
+              </a:ext>
+            </a:extLst>
+          </p:cNvPr>
+          <p:cNvPicPr>
+            <a:picLocks noChangeAspect="1"/>
+          </p:cNvPicPr>
+          <p:nvPr/>
+        </p:nvPicPr>
+        <p:blipFill>
+          <a:blip r:embed="rId3"/>
+          <a:stretch>
+            <a:fillRect/>
+          </a:stretch>
+        </p:blipFill>
+        <p:spPr>
+          <a:xfrm>
+            <a:off x="2508685" y="682735"/>
+            <a:ext cx="3683529" cy="935979"/>
+          </a:xfrm>
+          <a:prstGeom prst="rect">
+            <a:avLst/>
+          </a:prstGeom>
+          <a:ln>
+            <a:solidFill>
+              <a:srgbClr val="FFFF00"/>
+            </a:solidFill>
+          </a:ln>
+        </p:spPr>
+      </p:pic>
+      <p:cxnSp>
+        <p:nvCxnSpPr>
+          <p:cNvPr id="9" name="직선 화살표 연결선 8">
+            <a:extLst>
+              <a:ext uri="{FF2B5EF4-FFF2-40B4-BE49-F238E27FC236}">
+                <a16:creationId xmlns:a16="http://schemas.microsoft.com/office/drawing/2014/main" id="{8E9373F2-9F56-47A3-B68A-1F2630C5AEC2}"/>
+              </a:ext>
+            </a:extLst>
+          </p:cNvPr>
+          <p:cNvCxnSpPr/>
+          <p:nvPr/>
+        </p:nvCxnSpPr>
+        <p:spPr>
+          <a:xfrm flipV="1">
+            <a:off x="463550" y="1181100"/>
+            <a:ext cx="889000" cy="1352550"/>
+          </a:xfrm>
+          <a:prstGeom prst="straightConnector1">
+            <a:avLst/>
+          </a:prstGeom>
+          <a:ln w="12700">
+            <a:solidFill>
+              <a:srgbClr val="FF0000"/>
+            </a:solidFill>
+            <a:tailEnd type="triangle"/>
+          </a:ln>
+        </p:spPr>
+        <p:style>
+          <a:lnRef idx="1">
+            <a:schemeClr val="accent1"/>
+          </a:lnRef>
+          <a:fillRef idx="0">
+            <a:schemeClr val="accent1"/>
+          </a:fillRef>
+          <a:effectRef idx="0">
+            <a:schemeClr val="accent1"/>
+          </a:effectRef>
+          <a:fontRef idx="minor">
+            <a:schemeClr val="tx1"/>
+          </a:fontRef>
+        </p:style>
+      </p:cxnSp>
+      <p:cxnSp>
+        <p:nvCxnSpPr>
+          <p:cNvPr id="11" name="직선 화살표 연결선 10">
+            <a:extLst>
+              <a:ext uri="{FF2B5EF4-FFF2-40B4-BE49-F238E27FC236}">
+                <a16:creationId xmlns:a16="http://schemas.microsoft.com/office/drawing/2014/main" id="{264763B6-3638-4341-9490-B6C296713F35}"/>
+              </a:ext>
+            </a:extLst>
+          </p:cNvPr>
+          <p:cNvCxnSpPr/>
+          <p:nvPr/>
+        </p:nvCxnSpPr>
+        <p:spPr>
+          <a:xfrm>
+            <a:off x="1574800" y="1028700"/>
+            <a:ext cx="933886" cy="80758"/>
+          </a:xfrm>
+          <a:prstGeom prst="straightConnector1">
+            <a:avLst/>
+          </a:prstGeom>
+          <a:ln w="12700">
+            <a:solidFill>
+              <a:srgbClr val="FF0000"/>
+            </a:solidFill>
+            <a:tailEnd type="triangle"/>
+          </a:ln>
+        </p:spPr>
+        <p:style>
+          <a:lnRef idx="1">
+            <a:schemeClr val="accent1"/>
+          </a:lnRef>
+          <a:fillRef idx="0">
+            <a:schemeClr val="accent1"/>
+          </a:fillRef>
+          <a:effectRef idx="0">
+            <a:schemeClr val="accent1"/>
+          </a:effectRef>
+          <a:fontRef idx="minor">
+            <a:schemeClr val="tx1"/>
+          </a:fontRef>
+        </p:style>
+      </p:cxnSp>
+      <p:pic>
+        <p:nvPicPr>
+          <p:cNvPr id="13" name="그림 12">
+            <a:extLst>
+              <a:ext uri="{FF2B5EF4-FFF2-40B4-BE49-F238E27FC236}">
+                <a16:creationId xmlns:a16="http://schemas.microsoft.com/office/drawing/2014/main" id="{BB801517-B948-46CB-823F-1500F2BA00C9}"/>
+              </a:ext>
+            </a:extLst>
+          </p:cNvPr>
+          <p:cNvPicPr>
+            <a:picLocks noChangeAspect="1"/>
+          </p:cNvPicPr>
+          <p:nvPr/>
+        </p:nvPicPr>
+        <p:blipFill>
+          <a:blip r:embed="rId4"/>
+          <a:stretch>
+            <a:fillRect/>
+          </a:stretch>
+        </p:blipFill>
+        <p:spPr>
+          <a:xfrm>
+            <a:off x="2844386" y="1857375"/>
+            <a:ext cx="5013256" cy="2479675"/>
+          </a:xfrm>
+          <a:prstGeom prst="rect">
+            <a:avLst/>
+          </a:prstGeom>
+          <a:ln>
+            <a:solidFill>
+              <a:srgbClr val="FFFF00"/>
+            </a:solidFill>
+          </a:ln>
+        </p:spPr>
+      </p:pic>
+      <p:cxnSp>
+        <p:nvCxnSpPr>
+          <p:cNvPr id="15" name="직선 화살표 연결선 14">
+            <a:extLst>
+              <a:ext uri="{FF2B5EF4-FFF2-40B4-BE49-F238E27FC236}">
+                <a16:creationId xmlns:a16="http://schemas.microsoft.com/office/drawing/2014/main" id="{C7D8E2A2-C20E-4C19-9CA6-2FEE3F6C9397}"/>
+              </a:ext>
+            </a:extLst>
+          </p:cNvPr>
+          <p:cNvCxnSpPr/>
+          <p:nvPr/>
+        </p:nvCxnSpPr>
+        <p:spPr>
+          <a:xfrm>
+            <a:off x="3175000" y="1181100"/>
+            <a:ext cx="222250" cy="663837"/>
+          </a:xfrm>
+          <a:prstGeom prst="straightConnector1">
+            <a:avLst/>
+          </a:prstGeom>
+          <a:ln w="12700">
+            <a:solidFill>
+              <a:srgbClr val="FF0000"/>
+            </a:solidFill>
+            <a:tailEnd type="triangle"/>
+          </a:ln>
+        </p:spPr>
+        <p:style>
+          <a:lnRef idx="1">
+            <a:schemeClr val="accent1"/>
+          </a:lnRef>
+          <a:fillRef idx="0">
+            <a:schemeClr val="accent1"/>
+          </a:fillRef>
+          <a:effectRef idx="0">
+            <a:schemeClr val="accent1"/>
+          </a:effectRef>
+          <a:fontRef idx="minor">
+            <a:schemeClr val="tx1"/>
+          </a:fontRef>
+        </p:style>
+      </p:cxnSp>
+      <p:pic>
+        <p:nvPicPr>
+          <p:cNvPr id="17" name="그림 16">
+            <a:extLst>
+              <a:ext uri="{FF2B5EF4-FFF2-40B4-BE49-F238E27FC236}">
+                <a16:creationId xmlns:a16="http://schemas.microsoft.com/office/drawing/2014/main" id="{54BD75D0-C6A9-4B13-B5A8-DD3DB2063B94}"/>
+              </a:ext>
+            </a:extLst>
+          </p:cNvPr>
+          <p:cNvPicPr>
+            <a:picLocks noChangeAspect="1"/>
+          </p:cNvPicPr>
+          <p:nvPr/>
+        </p:nvPicPr>
+        <p:blipFill rotWithShape="1">
+          <a:blip r:embed="rId5"/>
+          <a:srcRect l="30417" t="12592" r="18888" b="59862"/>
+          <a:stretch/>
+        </p:blipFill>
+        <p:spPr>
+          <a:xfrm>
+            <a:off x="3033264" y="2325687"/>
+            <a:ext cx="4635500" cy="1543050"/>
+          </a:xfrm>
+          <a:prstGeom prst="rect">
+            <a:avLst/>
+          </a:prstGeom>
+        </p:spPr>
+      </p:pic>
+      <p:pic>
+        <p:nvPicPr>
+          <p:cNvPr id="22" name="그림 21">
+            <a:extLst>
+              <a:ext uri="{FF2B5EF4-FFF2-40B4-BE49-F238E27FC236}">
+                <a16:creationId xmlns:a16="http://schemas.microsoft.com/office/drawing/2014/main" id="{16BAC50B-F494-4015-8A0A-A834503BF475}"/>
+              </a:ext>
+            </a:extLst>
+          </p:cNvPr>
+          <p:cNvPicPr>
+            <a:picLocks noChangeAspect="1"/>
+          </p:cNvPicPr>
+          <p:nvPr/>
+        </p:nvPicPr>
+        <p:blipFill>
+          <a:blip r:embed="rId6"/>
+          <a:stretch>
+            <a:fillRect/>
+          </a:stretch>
+        </p:blipFill>
+        <p:spPr>
+          <a:xfrm>
+            <a:off x="812895" y="2325687"/>
+            <a:ext cx="1695790" cy="1844172"/>
+          </a:xfrm>
+          <a:prstGeom prst="rect">
+            <a:avLst/>
+          </a:prstGeom>
+          <a:ln>
+            <a:solidFill>
+              <a:srgbClr val="FFFF00"/>
+            </a:solidFill>
+          </a:ln>
+        </p:spPr>
+      </p:pic>
+      <p:cxnSp>
+        <p:nvCxnSpPr>
+          <p:cNvPr id="24" name="연결선: 꺾임 23">
+            <a:extLst>
+              <a:ext uri="{FF2B5EF4-FFF2-40B4-BE49-F238E27FC236}">
+                <a16:creationId xmlns:a16="http://schemas.microsoft.com/office/drawing/2014/main" id="{9C16B8E4-466E-4E12-9DF7-EC15227B1A35}"/>
+              </a:ext>
+            </a:extLst>
+          </p:cNvPr>
+          <p:cNvCxnSpPr>
+            <a:cxnSpLocks/>
+          </p:cNvCxnSpPr>
+          <p:nvPr/>
+        </p:nvCxnSpPr>
+        <p:spPr>
+          <a:xfrm rot="10800000">
+            <a:off x="1475236" y="2834944"/>
+            <a:ext cx="2398264" cy="854407"/>
+          </a:xfrm>
+          <a:prstGeom prst="bentConnector3">
+            <a:avLst>
+              <a:gd name="adj1" fmla="val 100042"/>
+            </a:avLst>
+          </a:prstGeom>
+          <a:ln w="12700">
+            <a:solidFill>
+              <a:srgbClr val="FF0000"/>
+            </a:solidFill>
+            <a:tailEnd type="triangle"/>
+          </a:ln>
+        </p:spPr>
+        <p:style>
+          <a:lnRef idx="1">
+            <a:schemeClr val="accent1"/>
+          </a:lnRef>
+          <a:fillRef idx="0">
+            <a:schemeClr val="accent1"/>
+          </a:fillRef>
+          <a:effectRef idx="0">
+            <a:schemeClr val="accent1"/>
+          </a:effectRef>
+          <a:fontRef idx="minor">
+            <a:schemeClr val="tx1"/>
+          </a:fontRef>
+        </p:style>
+      </p:cxnSp>
+      <p:sp>
+        <p:nvSpPr>
+          <p:cNvPr id="28" name="TextBox 27">
+            <a:extLst>
+              <a:ext uri="{FF2B5EF4-FFF2-40B4-BE49-F238E27FC236}">
+                <a16:creationId xmlns:a16="http://schemas.microsoft.com/office/drawing/2014/main" id="{1C7F8756-ED52-46CA-AC30-EB68926D3556}"/>
+              </a:ext>
+            </a:extLst>
+          </p:cNvPr>
+          <p:cNvSpPr txBox="1"/>
+          <p:nvPr/>
+        </p:nvSpPr>
+        <p:spPr>
+          <a:xfrm>
+            <a:off x="1065051" y="3744939"/>
+            <a:ext cx="1531188" cy="369332"/>
+          </a:xfrm>
+          <a:prstGeom prst="rect">
+            <a:avLst/>
+          </a:prstGeom>
+          <a:noFill/>
+        </p:spPr>
+        <p:txBody>
+          <a:bodyPr wrap="none" rtlCol="0">
+            <a:spAutoFit/>
+          </a:bodyPr>
+          <a:lstStyle/>
+          <a:p>
+            <a:pPr algn="l"/>
+            <a:r>
+              <a:rPr lang="ko-KR" altLang="en-US" sz="900" dirty="0">
+                <a:solidFill>
+                  <a:srgbClr val="FFFF00"/>
+                </a:solidFill>
+              </a:rPr>
+              <a:t>설정 파일을 저장하면</a:t>
+            </a:r>
+            <a:endParaRPr lang="en-US" altLang="ko-KR" sz="900" dirty="0">
+              <a:solidFill>
+                <a:srgbClr val="FFFF00"/>
+              </a:solidFill>
+            </a:endParaRPr>
+          </a:p>
+          <a:p>
+            <a:pPr algn="l"/>
+            <a:r>
+              <a:rPr lang="ko-KR" altLang="en-US" sz="900" dirty="0">
+                <a:solidFill>
+                  <a:srgbClr val="FFFF00"/>
+                </a:solidFill>
+              </a:rPr>
+              <a:t>원격 컴퓨터 목록이 생성됨</a:t>
+            </a:r>
+          </a:p>
+        </p:txBody>
+      </p:sp>
+    </p:spTree>
+    <p:extLst>
+      <p:ext uri="{BB962C8B-B14F-4D97-AF65-F5344CB8AC3E}">
+        <p14:creationId xmlns:p14="http://schemas.microsoft.com/office/powerpoint/2010/main" val="1603542345"/>
       </p:ext>
     </p:extLst>
   </p:cSld>
@@ -5732,6 +7941,526 @@
     <p:extLst>
       <p:ext uri="{BB962C8B-B14F-4D97-AF65-F5344CB8AC3E}">
         <p14:creationId xmlns:p14="http://schemas.microsoft.com/office/powerpoint/2010/main" val="18548485"/>
+      </p:ext>
+    </p:extLst>
+  </p:cSld>
+  <p:clrMapOvr>
+    <a:masterClrMapping/>
+  </p:clrMapOvr>
+</p:sld>
+</file>
+
+<file path=ppt/slides/slide20.xml><?xml version="1.0" encoding="utf-8"?>
+<p:sld xmlns:a="http://schemas.openxmlformats.org/drawingml/2006/main" xmlns:r="http://schemas.openxmlformats.org/officeDocument/2006/relationships" xmlns:p="http://schemas.openxmlformats.org/presentationml/2006/main">
+  <p:cSld>
+    <p:spTree>
+      <p:nvGrpSpPr>
+        <p:cNvPr id="1" name=""/>
+        <p:cNvGrpSpPr/>
+        <p:nvPr/>
+      </p:nvGrpSpPr>
+      <p:grpSpPr>
+        <a:xfrm>
+          <a:off x="0" y="0"/>
+          <a:ext cx="0" cy="0"/>
+          <a:chOff x="0" y="0"/>
+          <a:chExt cx="0" cy="0"/>
+        </a:xfrm>
+      </p:grpSpPr>
+      <p:pic>
+        <p:nvPicPr>
+          <p:cNvPr id="3" name="그림 2">
+            <a:extLst>
+              <a:ext uri="{FF2B5EF4-FFF2-40B4-BE49-F238E27FC236}">
+                <a16:creationId xmlns:a16="http://schemas.microsoft.com/office/drawing/2014/main" id="{2FBADE88-5AE6-4AA6-AA5C-214DC204AA8E}"/>
+              </a:ext>
+            </a:extLst>
+          </p:cNvPr>
+          <p:cNvPicPr>
+            <a:picLocks noChangeAspect="1"/>
+          </p:cNvPicPr>
+          <p:nvPr/>
+        </p:nvPicPr>
+        <p:blipFill>
+          <a:blip r:embed="rId2"/>
+          <a:stretch>
+            <a:fillRect/>
+          </a:stretch>
+        </p:blipFill>
+        <p:spPr>
+          <a:xfrm>
+            <a:off x="822524" y="587508"/>
+            <a:ext cx="1806376" cy="2044342"/>
+          </a:xfrm>
+          <a:prstGeom prst="rect">
+            <a:avLst/>
+          </a:prstGeom>
+        </p:spPr>
+      </p:pic>
+      <p:pic>
+        <p:nvPicPr>
+          <p:cNvPr id="5" name="그림 4">
+            <a:extLst>
+              <a:ext uri="{FF2B5EF4-FFF2-40B4-BE49-F238E27FC236}">
+                <a16:creationId xmlns:a16="http://schemas.microsoft.com/office/drawing/2014/main" id="{6984A53A-9B6C-4943-89E0-E3B52C8AE8B0}"/>
+              </a:ext>
+            </a:extLst>
+          </p:cNvPr>
+          <p:cNvPicPr>
+            <a:picLocks noChangeAspect="1"/>
+          </p:cNvPicPr>
+          <p:nvPr/>
+        </p:nvPicPr>
+        <p:blipFill>
+          <a:blip r:embed="rId3"/>
+          <a:stretch>
+            <a:fillRect/>
+          </a:stretch>
+        </p:blipFill>
+        <p:spPr>
+          <a:xfrm>
+            <a:off x="3370779" y="779569"/>
+            <a:ext cx="4757222" cy="982172"/>
+          </a:xfrm>
+          <a:prstGeom prst="rect">
+            <a:avLst/>
+          </a:prstGeom>
+        </p:spPr>
+      </p:pic>
+      <p:pic>
+        <p:nvPicPr>
+          <p:cNvPr id="7" name="그림 6">
+            <a:extLst>
+              <a:ext uri="{FF2B5EF4-FFF2-40B4-BE49-F238E27FC236}">
+                <a16:creationId xmlns:a16="http://schemas.microsoft.com/office/drawing/2014/main" id="{FE7C9AA7-A5D3-45B1-B6C4-DDE0DA15CE5E}"/>
+              </a:ext>
+            </a:extLst>
+          </p:cNvPr>
+          <p:cNvPicPr>
+            <a:picLocks noChangeAspect="1"/>
+          </p:cNvPicPr>
+          <p:nvPr/>
+        </p:nvPicPr>
+        <p:blipFill>
+          <a:blip r:embed="rId4"/>
+          <a:stretch>
+            <a:fillRect/>
+          </a:stretch>
+        </p:blipFill>
+        <p:spPr>
+          <a:xfrm>
+            <a:off x="3603639" y="2049172"/>
+            <a:ext cx="4467211" cy="1144041"/>
+          </a:xfrm>
+          <a:prstGeom prst="rect">
+            <a:avLst/>
+          </a:prstGeom>
+        </p:spPr>
+      </p:pic>
+    </p:spTree>
+    <p:extLst>
+      <p:ext uri="{BB962C8B-B14F-4D97-AF65-F5344CB8AC3E}">
+        <p14:creationId xmlns:p14="http://schemas.microsoft.com/office/powerpoint/2010/main" val="995501793"/>
+      </p:ext>
+    </p:extLst>
+  </p:cSld>
+  <p:clrMapOvr>
+    <a:masterClrMapping/>
+  </p:clrMapOvr>
+</p:sld>
+</file>
+
+<file path=ppt/slides/slide21.xml><?xml version="1.0" encoding="utf-8"?>
+<p:sld xmlns:a="http://schemas.openxmlformats.org/drawingml/2006/main" xmlns:r="http://schemas.openxmlformats.org/officeDocument/2006/relationships" xmlns:p="http://schemas.openxmlformats.org/presentationml/2006/main">
+  <p:cSld>
+    <p:spTree>
+      <p:nvGrpSpPr>
+        <p:cNvPr id="1" name=""/>
+        <p:cNvGrpSpPr/>
+        <p:nvPr/>
+      </p:nvGrpSpPr>
+      <p:grpSpPr>
+        <a:xfrm>
+          <a:off x="0" y="0"/>
+          <a:ext cx="0" cy="0"/>
+          <a:chOff x="0" y="0"/>
+          <a:chExt cx="0" cy="0"/>
+        </a:xfrm>
+      </p:grpSpPr>
+      <p:pic>
+        <p:nvPicPr>
+          <p:cNvPr id="3" name="그림 2">
+            <a:extLst>
+              <a:ext uri="{FF2B5EF4-FFF2-40B4-BE49-F238E27FC236}">
+                <a16:creationId xmlns:a16="http://schemas.microsoft.com/office/drawing/2014/main" id="{1241B2A5-3925-41E2-A568-4433B17025DF}"/>
+              </a:ext>
+            </a:extLst>
+          </p:cNvPr>
+          <p:cNvPicPr>
+            <a:picLocks noChangeAspect="1"/>
+          </p:cNvPicPr>
+          <p:nvPr/>
+        </p:nvPicPr>
+        <p:blipFill>
+          <a:blip r:embed="rId2"/>
+          <a:stretch>
+            <a:fillRect/>
+          </a:stretch>
+        </p:blipFill>
+        <p:spPr>
+          <a:xfrm>
+            <a:off x="337074" y="497403"/>
+            <a:ext cx="4050776" cy="2932209"/>
+          </a:xfrm>
+          <a:prstGeom prst="rect">
+            <a:avLst/>
+          </a:prstGeom>
+          <a:ln>
+            <a:solidFill>
+              <a:srgbClr val="0000FF"/>
+            </a:solidFill>
+          </a:ln>
+        </p:spPr>
+      </p:pic>
+      <p:pic>
+        <p:nvPicPr>
+          <p:cNvPr id="5" name="그림 4">
+            <a:extLst>
+              <a:ext uri="{FF2B5EF4-FFF2-40B4-BE49-F238E27FC236}">
+                <a16:creationId xmlns:a16="http://schemas.microsoft.com/office/drawing/2014/main" id="{6BEEBA17-2FB0-4715-A044-83A2503B5DAC}"/>
+              </a:ext>
+            </a:extLst>
+          </p:cNvPr>
+          <p:cNvPicPr>
+            <a:picLocks noChangeAspect="1"/>
+          </p:cNvPicPr>
+          <p:nvPr/>
+        </p:nvPicPr>
+        <p:blipFill>
+          <a:blip r:embed="rId3"/>
+          <a:stretch>
+            <a:fillRect/>
+          </a:stretch>
+        </p:blipFill>
+        <p:spPr>
+          <a:xfrm>
+            <a:off x="4704124" y="497403"/>
+            <a:ext cx="3544632" cy="2639496"/>
+          </a:xfrm>
+          <a:prstGeom prst="rect">
+            <a:avLst/>
+          </a:prstGeom>
+          <a:ln>
+            <a:solidFill>
+              <a:srgbClr val="0000FF"/>
+            </a:solidFill>
+          </a:ln>
+        </p:spPr>
+      </p:pic>
+    </p:spTree>
+    <p:extLst>
+      <p:ext uri="{BB962C8B-B14F-4D97-AF65-F5344CB8AC3E}">
+        <p14:creationId xmlns:p14="http://schemas.microsoft.com/office/powerpoint/2010/main" val="2108057372"/>
+      </p:ext>
+    </p:extLst>
+  </p:cSld>
+  <p:clrMapOvr>
+    <a:masterClrMapping/>
+  </p:clrMapOvr>
+</p:sld>
+</file>
+
+<file path=ppt/slides/slide22.xml><?xml version="1.0" encoding="utf-8"?>
+<p:sld xmlns:a="http://schemas.openxmlformats.org/drawingml/2006/main" xmlns:r="http://schemas.openxmlformats.org/officeDocument/2006/relationships" xmlns:p="http://schemas.openxmlformats.org/presentationml/2006/main">
+  <p:cSld>
+    <p:spTree>
+      <p:nvGrpSpPr>
+        <p:cNvPr id="1" name=""/>
+        <p:cNvGrpSpPr/>
+        <p:nvPr/>
+      </p:nvGrpSpPr>
+      <p:grpSpPr>
+        <a:xfrm>
+          <a:off x="0" y="0"/>
+          <a:ext cx="0" cy="0"/>
+          <a:chOff x="0" y="0"/>
+          <a:chExt cx="0" cy="0"/>
+        </a:xfrm>
+      </p:grpSpPr>
+      <p:pic>
+        <p:nvPicPr>
+          <p:cNvPr id="3" name="그림 2">
+            <a:extLst>
+              <a:ext uri="{FF2B5EF4-FFF2-40B4-BE49-F238E27FC236}">
+                <a16:creationId xmlns:a16="http://schemas.microsoft.com/office/drawing/2014/main" id="{35F5E388-025D-4221-99B2-7162D5C9C654}"/>
+              </a:ext>
+            </a:extLst>
+          </p:cNvPr>
+          <p:cNvPicPr>
+            <a:picLocks noChangeAspect="1"/>
+          </p:cNvPicPr>
+          <p:nvPr/>
+        </p:nvPicPr>
+        <p:blipFill>
+          <a:blip r:embed="rId2"/>
+          <a:stretch>
+            <a:fillRect/>
+          </a:stretch>
+        </p:blipFill>
+        <p:spPr>
+          <a:xfrm>
+            <a:off x="2017579" y="644505"/>
+            <a:ext cx="4689987" cy="3517490"/>
+          </a:xfrm>
+          <a:prstGeom prst="rect">
+            <a:avLst/>
+          </a:prstGeom>
+          <a:ln>
+            <a:solidFill>
+              <a:srgbClr val="0000FF"/>
+            </a:solidFill>
+          </a:ln>
+        </p:spPr>
+      </p:pic>
+      <p:pic>
+        <p:nvPicPr>
+          <p:cNvPr id="5" name="그림 4">
+            <a:extLst>
+              <a:ext uri="{FF2B5EF4-FFF2-40B4-BE49-F238E27FC236}">
+                <a16:creationId xmlns:a16="http://schemas.microsoft.com/office/drawing/2014/main" id="{D487F2CE-4FC6-4299-990C-9A79A30C993F}"/>
+              </a:ext>
+            </a:extLst>
+          </p:cNvPr>
+          <p:cNvPicPr>
+            <a:picLocks noChangeAspect="1"/>
+          </p:cNvPicPr>
+          <p:nvPr/>
+        </p:nvPicPr>
+        <p:blipFill>
+          <a:blip r:embed="rId3"/>
+          <a:stretch>
+            <a:fillRect/>
+          </a:stretch>
+        </p:blipFill>
+        <p:spPr>
+          <a:xfrm>
+            <a:off x="5498196" y="1415844"/>
+            <a:ext cx="1683114" cy="2628500"/>
+          </a:xfrm>
+          <a:prstGeom prst="rect">
+            <a:avLst/>
+          </a:prstGeom>
+          <a:ln>
+            <a:solidFill>
+              <a:srgbClr val="FFFF00"/>
+            </a:solidFill>
+          </a:ln>
+        </p:spPr>
+      </p:pic>
+      <p:sp>
+        <p:nvSpPr>
+          <p:cNvPr id="6" name="직사각형 5">
+            <a:extLst>
+              <a:ext uri="{FF2B5EF4-FFF2-40B4-BE49-F238E27FC236}">
+                <a16:creationId xmlns:a16="http://schemas.microsoft.com/office/drawing/2014/main" id="{BD8F2544-4482-4DDC-A0E5-1F93ECB44D19}"/>
+              </a:ext>
+            </a:extLst>
+          </p:cNvPr>
+          <p:cNvSpPr/>
+          <p:nvPr/>
+        </p:nvSpPr>
+        <p:spPr>
+          <a:xfrm>
+            <a:off x="2054919" y="831810"/>
+            <a:ext cx="188779" cy="218276"/>
+          </a:xfrm>
+          <a:prstGeom prst="rect">
+            <a:avLst/>
+          </a:prstGeom>
+          <a:noFill/>
+          <a:ln w="19050">
+            <a:solidFill>
+              <a:srgbClr val="FF0000"/>
+            </a:solidFill>
+          </a:ln>
+        </p:spPr>
+        <p:style>
+          <a:lnRef idx="2">
+            <a:schemeClr val="accent1">
+              <a:shade val="50000"/>
+            </a:schemeClr>
+          </a:lnRef>
+          <a:fillRef idx="1">
+            <a:schemeClr val="accent1"/>
+          </a:fillRef>
+          <a:effectRef idx="0">
+            <a:schemeClr val="accent1"/>
+          </a:effectRef>
+          <a:fontRef idx="minor">
+            <a:schemeClr val="lt1"/>
+          </a:fontRef>
+        </p:style>
+        <p:txBody>
+          <a:bodyPr rtlCol="0" anchor="ctr"/>
+          <a:lstStyle/>
+          <a:p>
+            <a:pPr algn="ctr"/>
+            <a:endParaRPr lang="ko-KR" altLang="en-US"/>
+          </a:p>
+        </p:txBody>
+      </p:sp>
+      <p:sp>
+        <p:nvSpPr>
+          <p:cNvPr id="7" name="직사각형 6">
+            <a:extLst>
+              <a:ext uri="{FF2B5EF4-FFF2-40B4-BE49-F238E27FC236}">
+                <a16:creationId xmlns:a16="http://schemas.microsoft.com/office/drawing/2014/main" id="{E5831FE7-C6FD-4087-9883-9A5C163770B9}"/>
+              </a:ext>
+            </a:extLst>
+          </p:cNvPr>
+          <p:cNvSpPr/>
+          <p:nvPr/>
+        </p:nvSpPr>
+        <p:spPr>
+          <a:xfrm>
+            <a:off x="2914280" y="1327355"/>
+            <a:ext cx="1787505" cy="171081"/>
+          </a:xfrm>
+          <a:prstGeom prst="rect">
+            <a:avLst/>
+          </a:prstGeom>
+          <a:noFill/>
+          <a:ln w="19050">
+            <a:solidFill>
+              <a:srgbClr val="FF0000"/>
+            </a:solidFill>
+          </a:ln>
+        </p:spPr>
+        <p:style>
+          <a:lnRef idx="2">
+            <a:schemeClr val="accent1">
+              <a:shade val="50000"/>
+            </a:schemeClr>
+          </a:lnRef>
+          <a:fillRef idx="1">
+            <a:schemeClr val="accent1"/>
+          </a:fillRef>
+          <a:effectRef idx="0">
+            <a:schemeClr val="accent1"/>
+          </a:effectRef>
+          <a:fontRef idx="minor">
+            <a:schemeClr val="lt1"/>
+          </a:fontRef>
+        </p:style>
+        <p:txBody>
+          <a:bodyPr rtlCol="0" anchor="ctr"/>
+          <a:lstStyle/>
+          <a:p>
+            <a:pPr algn="ctr"/>
+            <a:endParaRPr lang="ko-KR" altLang="en-US"/>
+          </a:p>
+        </p:txBody>
+      </p:sp>
+      <p:sp>
+        <p:nvSpPr>
+          <p:cNvPr id="8" name="직사각형 7">
+            <a:extLst>
+              <a:ext uri="{FF2B5EF4-FFF2-40B4-BE49-F238E27FC236}">
+                <a16:creationId xmlns:a16="http://schemas.microsoft.com/office/drawing/2014/main" id="{8FE77B31-ADDB-49CE-AA06-7B4EB31B0C00}"/>
+              </a:ext>
+            </a:extLst>
+          </p:cNvPr>
+          <p:cNvSpPr/>
+          <p:nvPr/>
+        </p:nvSpPr>
+        <p:spPr>
+          <a:xfrm>
+            <a:off x="5802871" y="2690105"/>
+            <a:ext cx="1327355" cy="182880"/>
+          </a:xfrm>
+          <a:prstGeom prst="rect">
+            <a:avLst/>
+          </a:prstGeom>
+          <a:noFill/>
+          <a:ln w="19050">
+            <a:solidFill>
+              <a:srgbClr val="FF0000"/>
+            </a:solidFill>
+          </a:ln>
+        </p:spPr>
+        <p:style>
+          <a:lnRef idx="2">
+            <a:schemeClr val="accent1">
+              <a:shade val="50000"/>
+            </a:schemeClr>
+          </a:lnRef>
+          <a:fillRef idx="1">
+            <a:schemeClr val="accent1"/>
+          </a:fillRef>
+          <a:effectRef idx="0">
+            <a:schemeClr val="accent1"/>
+          </a:effectRef>
+          <a:fontRef idx="minor">
+            <a:schemeClr val="lt1"/>
+          </a:fontRef>
+        </p:style>
+        <p:txBody>
+          <a:bodyPr rtlCol="0" anchor="ctr"/>
+          <a:lstStyle/>
+          <a:p>
+            <a:pPr algn="ctr"/>
+            <a:endParaRPr lang="ko-KR" altLang="en-US"/>
+          </a:p>
+        </p:txBody>
+      </p:sp>
+      <p:cxnSp>
+        <p:nvCxnSpPr>
+          <p:cNvPr id="10" name="직선 화살표 연결선 9">
+            <a:extLst>
+              <a:ext uri="{FF2B5EF4-FFF2-40B4-BE49-F238E27FC236}">
+                <a16:creationId xmlns:a16="http://schemas.microsoft.com/office/drawing/2014/main" id="{6DA15810-AF03-4824-8303-00CFF4B7554D}"/>
+              </a:ext>
+            </a:extLst>
+          </p:cNvPr>
+          <p:cNvCxnSpPr>
+            <a:cxnSpLocks/>
+          </p:cNvCxnSpPr>
+          <p:nvPr/>
+        </p:nvCxnSpPr>
+        <p:spPr>
+          <a:xfrm>
+            <a:off x="4701785" y="1498436"/>
+            <a:ext cx="1101086" cy="1191669"/>
+          </a:xfrm>
+          <a:prstGeom prst="straightConnector1">
+            <a:avLst/>
+          </a:prstGeom>
+          <a:ln w="12700">
+            <a:solidFill>
+              <a:srgbClr val="FF0000"/>
+            </a:solidFill>
+            <a:tailEnd type="triangle"/>
+          </a:ln>
+        </p:spPr>
+        <p:style>
+          <a:lnRef idx="1">
+            <a:schemeClr val="accent1"/>
+          </a:lnRef>
+          <a:fillRef idx="0">
+            <a:schemeClr val="accent1"/>
+          </a:fillRef>
+          <a:effectRef idx="0">
+            <a:schemeClr val="accent1"/>
+          </a:effectRef>
+          <a:fontRef idx="minor">
+            <a:schemeClr val="tx1"/>
+          </a:fontRef>
+        </p:style>
+      </p:cxnSp>
+    </p:spTree>
+    <p:extLst>
+      <p:ext uri="{BB962C8B-B14F-4D97-AF65-F5344CB8AC3E}">
+        <p14:creationId xmlns:p14="http://schemas.microsoft.com/office/powerpoint/2010/main" val="1405016005"/>
       </p:ext>
     </p:extLst>
   </p:cSld>
@@ -9673,7 +12402,7 @@
     <a:spDef>
       <a:spPr>
         <a:noFill/>
-        <a:ln w="28575">
+        <a:ln w="19050">
           <a:solidFill>
             <a:srgbClr val="FF0000"/>
           </a:solidFill>
@@ -9702,6 +12431,32 @@
         </a:fontRef>
       </a:style>
     </a:spDef>
+    <a:lnDef>
+      <a:spPr>
+        <a:ln w="12700">
+          <a:solidFill>
+            <a:srgbClr val="FF0000"/>
+          </a:solidFill>
+          <a:tailEnd type="triangle"/>
+        </a:ln>
+      </a:spPr>
+      <a:bodyPr/>
+      <a:lstStyle/>
+      <a:style>
+        <a:lnRef idx="1">
+          <a:schemeClr val="accent1"/>
+        </a:lnRef>
+        <a:fillRef idx="0">
+          <a:schemeClr val="accent1"/>
+        </a:fillRef>
+        <a:effectRef idx="0">
+          <a:schemeClr val="accent1"/>
+        </a:effectRef>
+        <a:fontRef idx="minor">
+          <a:schemeClr val="tx1"/>
+        </a:fontRef>
+      </a:style>
+    </a:lnDef>
     <a:txDef>
       <a:spPr>
         <a:noFill/>
